--- a/E-commerce_project.pptx
+++ b/E-commerce_project.pptx
@@ -5,7 +5,7 @@
     <p:sldMasterId id="2147483747" r:id="rId1"/>
   </p:sldMasterIdLst>
   <p:notesMasterIdLst>
-    <p:notesMasterId r:id="rId11"/>
+    <p:notesMasterId r:id="rId12"/>
   </p:notesMasterIdLst>
   <p:sldIdLst>
     <p:sldId id="256" r:id="rId2"/>
@@ -14,9 +14,10 @@
     <p:sldId id="265" r:id="rId5"/>
     <p:sldId id="266" r:id="rId6"/>
     <p:sldId id="272" r:id="rId7"/>
-    <p:sldId id="264" r:id="rId8"/>
-    <p:sldId id="268" r:id="rId9"/>
-    <p:sldId id="271" r:id="rId10"/>
+    <p:sldId id="275" r:id="rId8"/>
+    <p:sldId id="273" r:id="rId9"/>
+    <p:sldId id="268" r:id="rId10"/>
+    <p:sldId id="271" r:id="rId11"/>
   </p:sldIdLst>
   <p:sldSz cx="12192000" cy="6858000"/>
   <p:notesSz cx="6858000" cy="9144000"/>
@@ -871,15 +872,17 @@
 </file>
 
 <file path=ppt/diagrams/colors2.xml><?xml version="1.0" encoding="utf-8"?>
-<dgm:colorsDef xmlns:dgm="http://schemas.openxmlformats.org/drawingml/2006/diagram" xmlns:a="http://schemas.openxmlformats.org/drawingml/2006/main" uniqueId="urn:microsoft.com/office/officeart/2005/8/colors/colorful2">
+<dgm:colorsDef xmlns:dgm="http://schemas.openxmlformats.org/drawingml/2006/diagram" xmlns:a="http://schemas.openxmlformats.org/drawingml/2006/main" uniqueId="urn:microsoft.com/office/officeart/2005/8/colors/accent3_4">
   <dgm:title val=""/>
   <dgm:desc val=""/>
   <dgm:catLst>
-    <dgm:cat type="colorful" pri="10200"/>
+    <dgm:cat type="accent3" pri="11400"/>
   </dgm:catLst>
   <dgm:styleLbl name="node0">
-    <dgm:fillClrLst meth="repeat">
-      <a:schemeClr val="accent1"/>
+    <dgm:fillClrLst meth="cycle">
+      <a:schemeClr val="accent3">
+        <a:shade val="60000"/>
+      </a:schemeClr>
     </dgm:fillClrLst>
     <dgm:linClrLst meth="repeat">
       <a:schemeClr val="lt1"/>
@@ -890,9 +893,13 @@
     <dgm:txEffectClrLst/>
   </dgm:styleLbl>
   <dgm:styleLbl name="node1">
-    <dgm:fillClrLst>
-      <a:schemeClr val="accent2"/>
-      <a:schemeClr val="accent3"/>
+    <dgm:fillClrLst meth="cycle">
+      <a:schemeClr val="accent3">
+        <a:shade val="50000"/>
+      </a:schemeClr>
+      <a:schemeClr val="accent3">
+        <a:tint val="55000"/>
+      </a:schemeClr>
     </dgm:fillClrLst>
     <dgm:linClrLst meth="repeat">
       <a:schemeClr val="lt1"/>
@@ -903,13 +910,21 @@
     <dgm:txEffectClrLst/>
   </dgm:styleLbl>
   <dgm:styleLbl name="alignNode1">
-    <dgm:fillClrLst>
-      <a:schemeClr val="accent2"/>
-      <a:schemeClr val="accent3"/>
-    </dgm:fillClrLst>
-    <dgm:linClrLst>
-      <a:schemeClr val="accent2"/>
-      <a:schemeClr val="accent3"/>
+    <dgm:fillClrLst meth="cycle">
+      <a:schemeClr val="accent3">
+        <a:shade val="50000"/>
+      </a:schemeClr>
+      <a:schemeClr val="accent3">
+        <a:tint val="55000"/>
+      </a:schemeClr>
+    </dgm:fillClrLst>
+    <dgm:linClrLst meth="cycle">
+      <a:schemeClr val="accent3">
+        <a:shade val="50000"/>
+      </a:schemeClr>
+      <a:schemeClr val="accent3">
+        <a:tint val="55000"/>
+      </a:schemeClr>
     </dgm:linClrLst>
     <dgm:effectClrLst/>
     <dgm:txLinClrLst/>
@@ -917,9 +932,13 @@
     <dgm:txEffectClrLst/>
   </dgm:styleLbl>
   <dgm:styleLbl name="lnNode1">
-    <dgm:fillClrLst>
-      <a:schemeClr val="accent2"/>
-      <a:schemeClr val="accent3"/>
+    <dgm:fillClrLst meth="cycle">
+      <a:schemeClr val="accent3">
+        <a:shade val="50000"/>
+      </a:schemeClr>
+      <a:schemeClr val="accent3">
+        <a:tint val="55000"/>
+      </a:schemeClr>
     </dgm:fillClrLst>
     <dgm:linClrLst meth="repeat">
       <a:schemeClr val="lt1"/>
@@ -930,11 +949,13 @@
     <dgm:txEffectClrLst/>
   </dgm:styleLbl>
   <dgm:styleLbl name="vennNode1">
-    <dgm:fillClrLst>
-      <a:schemeClr val="accent2">
+    <dgm:fillClrLst meth="cycle">
+      <a:schemeClr val="accent3">
+        <a:shade val="80000"/>
         <a:alpha val="50000"/>
       </a:schemeClr>
       <a:schemeClr val="accent3">
+        <a:tint val="50000"/>
         <a:alpha val="50000"/>
       </a:schemeClr>
     </dgm:fillClrLst>
@@ -948,7 +969,9 @@
   </dgm:styleLbl>
   <dgm:styleLbl name="node2">
     <dgm:fillClrLst>
-      <a:schemeClr val="accent3"/>
+      <a:schemeClr val="accent3">
+        <a:shade val="80000"/>
+      </a:schemeClr>
     </dgm:fillClrLst>
     <dgm:linClrLst meth="repeat">
       <a:schemeClr val="lt1"/>
@@ -960,7 +983,9 @@
   </dgm:styleLbl>
   <dgm:styleLbl name="node3">
     <dgm:fillClrLst>
-      <a:schemeClr val="accent4"/>
+      <a:schemeClr val="accent3">
+        <a:tint val="99000"/>
+      </a:schemeClr>
     </dgm:fillClrLst>
     <dgm:linClrLst meth="repeat">
       <a:schemeClr val="lt1"/>
@@ -972,7 +997,9 @@
   </dgm:styleLbl>
   <dgm:styleLbl name="node4">
     <dgm:fillClrLst>
-      <a:schemeClr val="accent5"/>
+      <a:schemeClr val="accent3">
+        <a:tint val="70000"/>
+      </a:schemeClr>
     </dgm:fillClrLst>
     <dgm:linClrLst meth="repeat">
       <a:schemeClr val="lt1"/>
@@ -984,11 +1011,11 @@
   </dgm:styleLbl>
   <dgm:styleLbl name="fgImgPlace1">
     <dgm:fillClrLst>
-      <a:schemeClr val="accent2">
-        <a:tint val="50000"/>
-      </a:schemeClr>
       <a:schemeClr val="accent3">
         <a:tint val="50000"/>
+      </a:schemeClr>
+      <a:schemeClr val="accent3">
+        <a:tint val="55000"/>
       </a:schemeClr>
     </dgm:fillClrLst>
     <dgm:linClrLst meth="repeat">
@@ -1003,11 +1030,11 @@
   </dgm:styleLbl>
   <dgm:styleLbl name="alignImgPlace1">
     <dgm:fillClrLst>
-      <a:schemeClr val="accent2">
+      <a:schemeClr val="accent3">
         <a:tint val="50000"/>
       </a:schemeClr>
       <a:schemeClr val="accent3">
-        <a:tint val="20000"/>
+        <a:tint val="55000"/>
       </a:schemeClr>
     </dgm:fillClrLst>
     <dgm:linClrLst meth="repeat">
@@ -1022,11 +1049,11 @@
   </dgm:styleLbl>
   <dgm:styleLbl name="bgImgPlace1">
     <dgm:fillClrLst>
-      <a:schemeClr val="accent2">
+      <a:schemeClr val="accent3">
         <a:tint val="50000"/>
       </a:schemeClr>
       <a:schemeClr val="accent3">
-        <a:tint val="20000"/>
+        <a:tint val="55000"/>
       </a:schemeClr>
     </dgm:fillClrLst>
     <dgm:linClrLst meth="repeat">
@@ -1040,12 +1067,21 @@
     <dgm:txEffectClrLst/>
   </dgm:styleLbl>
   <dgm:styleLbl name="sibTrans2D1">
-    <dgm:fillClrLst>
-      <a:schemeClr val="accent2"/>
-      <a:schemeClr val="accent3"/>
-    </dgm:fillClrLst>
-    <dgm:linClrLst meth="repeat">
-      <a:schemeClr val="lt1"/>
+    <dgm:fillClrLst meth="cycle">
+      <a:schemeClr val="accent3">
+        <a:shade val="90000"/>
+      </a:schemeClr>
+      <a:schemeClr val="accent3">
+        <a:tint val="50000"/>
+      </a:schemeClr>
+    </dgm:fillClrLst>
+    <dgm:linClrLst meth="cycle">
+      <a:schemeClr val="accent3">
+        <a:shade val="90000"/>
+      </a:schemeClr>
+      <a:schemeClr val="accent3">
+        <a:tint val="50000"/>
+      </a:schemeClr>
     </dgm:linClrLst>
     <dgm:effectClrLst/>
     <dgm:txLinClrLst/>
@@ -1053,40 +1089,65 @@
     <dgm:txEffectClrLst/>
   </dgm:styleLbl>
   <dgm:styleLbl name="fgSibTrans2D1">
-    <dgm:fillClrLst>
-      <a:schemeClr val="accent2"/>
-      <a:schemeClr val="accent3"/>
-    </dgm:fillClrLst>
-    <dgm:linClrLst meth="repeat">
-      <a:schemeClr val="lt1"/>
-    </dgm:linClrLst>
-    <dgm:effectClrLst/>
-    <dgm:txLinClrLst/>
-    <dgm:txFillClrLst meth="repeat">
-      <a:schemeClr val="lt1"/>
-    </dgm:txFillClrLst>
+    <dgm:fillClrLst meth="cycle">
+      <a:schemeClr val="accent3">
+        <a:shade val="90000"/>
+      </a:schemeClr>
+      <a:schemeClr val="accent3">
+        <a:tint val="50000"/>
+      </a:schemeClr>
+    </dgm:fillClrLst>
+    <dgm:linClrLst meth="cycle">
+      <a:schemeClr val="accent3">
+        <a:shade val="90000"/>
+      </a:schemeClr>
+      <a:schemeClr val="accent3">
+        <a:tint val="50000"/>
+      </a:schemeClr>
+    </dgm:linClrLst>
+    <dgm:effectClrLst/>
+    <dgm:txLinClrLst/>
+    <dgm:txFillClrLst/>
     <dgm:txEffectClrLst/>
   </dgm:styleLbl>
   <dgm:styleLbl name="bgSibTrans2D1">
-    <dgm:fillClrLst>
-      <a:schemeClr val="accent2"/>
-      <a:schemeClr val="accent3"/>
-    </dgm:fillClrLst>
-    <dgm:linClrLst meth="repeat">
-      <a:schemeClr val="lt1"/>
-    </dgm:linClrLst>
-    <dgm:effectClrLst/>
-    <dgm:txLinClrLst/>
-    <dgm:txFillClrLst meth="repeat">
-      <a:schemeClr val="lt1"/>
-    </dgm:txFillClrLst>
+    <dgm:fillClrLst meth="cycle">
+      <a:schemeClr val="accent3">
+        <a:shade val="90000"/>
+      </a:schemeClr>
+      <a:schemeClr val="accent3">
+        <a:tint val="50000"/>
+      </a:schemeClr>
+    </dgm:fillClrLst>
+    <dgm:linClrLst meth="cycle">
+      <a:schemeClr val="accent3">
+        <a:shade val="90000"/>
+      </a:schemeClr>
+      <a:schemeClr val="accent3">
+        <a:tint val="50000"/>
+      </a:schemeClr>
+    </dgm:linClrLst>
+    <dgm:effectClrLst/>
+    <dgm:txLinClrLst/>
+    <dgm:txFillClrLst/>
     <dgm:txEffectClrLst/>
   </dgm:styleLbl>
   <dgm:styleLbl name="sibTrans1D1">
-    <dgm:fillClrLst/>
-    <dgm:linClrLst>
-      <a:schemeClr val="accent2"/>
-      <a:schemeClr val="accent3"/>
+    <dgm:fillClrLst meth="cycle">
+      <a:schemeClr val="accent3">
+        <a:shade val="90000"/>
+      </a:schemeClr>
+      <a:schemeClr val="accent3">
+        <a:tint val="50000"/>
+      </a:schemeClr>
+    </dgm:fillClrLst>
+    <dgm:linClrLst meth="cycle">
+      <a:schemeClr val="accent3">
+        <a:shade val="90000"/>
+      </a:schemeClr>
+      <a:schemeClr val="accent3">
+        <a:tint val="50000"/>
+      </a:schemeClr>
     </dgm:linClrLst>
     <dgm:effectClrLst/>
     <dgm:txLinClrLst/>
@@ -1097,12 +1158,10 @@
   </dgm:styleLbl>
   <dgm:styleLbl name="callout">
     <dgm:fillClrLst meth="repeat">
-      <a:schemeClr val="accent2"/>
+      <a:schemeClr val="accent3"/>
     </dgm:fillClrLst>
     <dgm:linClrLst meth="repeat">
-      <a:schemeClr val="accent2">
-        <a:tint val="50000"/>
-      </a:schemeClr>
+      <a:schemeClr val="accent3"/>
     </dgm:linClrLst>
     <dgm:effectClrLst/>
     <dgm:txLinClrLst/>
@@ -1113,12 +1172,12 @@
   </dgm:styleLbl>
   <dgm:styleLbl name="asst0">
     <dgm:fillClrLst meth="repeat">
-      <a:schemeClr val="accent2"/>
+      <a:schemeClr val="accent3">
+        <a:shade val="80000"/>
+      </a:schemeClr>
     </dgm:fillClrLst>
     <dgm:linClrLst meth="repeat">
-      <a:schemeClr val="lt1">
-        <a:shade val="80000"/>
-      </a:schemeClr>
+      <a:schemeClr val="lt1"/>
     </dgm:linClrLst>
     <dgm:effectClrLst/>
     <dgm:txLinClrLst/>
@@ -1127,12 +1186,12 @@
   </dgm:styleLbl>
   <dgm:styleLbl name="asst1">
     <dgm:fillClrLst meth="repeat">
-      <a:schemeClr val="accent3"/>
+      <a:schemeClr val="accent3">
+        <a:shade val="80000"/>
+      </a:schemeClr>
     </dgm:fillClrLst>
     <dgm:linClrLst meth="repeat">
-      <a:schemeClr val="lt1">
-        <a:shade val="80000"/>
-      </a:schemeClr>
+      <a:schemeClr val="lt1"/>
     </dgm:linClrLst>
     <dgm:effectClrLst/>
     <dgm:txLinClrLst/>
@@ -1141,7 +1200,9 @@
   </dgm:styleLbl>
   <dgm:styleLbl name="asst2">
     <dgm:fillClrLst>
-      <a:schemeClr val="accent4"/>
+      <a:schemeClr val="accent3">
+        <a:tint val="90000"/>
+      </a:schemeClr>
     </dgm:fillClrLst>
     <dgm:linClrLst meth="repeat">
       <a:schemeClr val="lt1"/>
@@ -1153,7 +1214,9 @@
   </dgm:styleLbl>
   <dgm:styleLbl name="asst3">
     <dgm:fillClrLst>
-      <a:schemeClr val="accent5"/>
+      <a:schemeClr val="accent3">
+        <a:tint val="70000"/>
+      </a:schemeClr>
     </dgm:fillClrLst>
     <dgm:linClrLst meth="repeat">
       <a:schemeClr val="lt1"/>
@@ -1165,7 +1228,9 @@
   </dgm:styleLbl>
   <dgm:styleLbl name="asst4">
     <dgm:fillClrLst>
-      <a:schemeClr val="accent6"/>
+      <a:schemeClr val="accent3">
+        <a:tint val="50000"/>
+      </a:schemeClr>
     </dgm:fillClrLst>
     <dgm:linClrLst meth="repeat">
       <a:schemeClr val="lt1"/>
@@ -1177,24 +1242,30 @@
   </dgm:styleLbl>
   <dgm:styleLbl name="parChTrans2D1">
     <dgm:fillClrLst meth="repeat">
-      <a:schemeClr val="accent2"/>
+      <a:schemeClr val="accent3">
+        <a:tint val="60000"/>
+      </a:schemeClr>
     </dgm:fillClrLst>
     <dgm:linClrLst meth="repeat">
-      <a:schemeClr val="lt1"/>
-    </dgm:linClrLst>
-    <dgm:effectClrLst/>
-    <dgm:txLinClrLst/>
-    <dgm:txFillClrLst meth="repeat">
-      <a:schemeClr val="lt1"/>
-    </dgm:txFillClrLst>
+      <a:schemeClr val="accent3">
+        <a:shade val="80000"/>
+      </a:schemeClr>
+    </dgm:linClrLst>
+    <dgm:effectClrLst/>
+    <dgm:txLinClrLst/>
+    <dgm:txFillClrLst/>
     <dgm:txEffectClrLst/>
   </dgm:styleLbl>
   <dgm:styleLbl name="parChTrans2D2">
     <dgm:fillClrLst meth="repeat">
-      <a:schemeClr val="accent3"/>
+      <a:schemeClr val="accent3">
+        <a:tint val="90000"/>
+      </a:schemeClr>
     </dgm:fillClrLst>
     <dgm:linClrLst meth="repeat">
-      <a:schemeClr val="lt1"/>
+      <a:schemeClr val="accent3">
+        <a:tint val="90000"/>
+      </a:schemeClr>
     </dgm:linClrLst>
     <dgm:effectClrLst/>
     <dgm:txLinClrLst/>
@@ -1203,10 +1274,14 @@
   </dgm:styleLbl>
   <dgm:styleLbl name="parChTrans2D3">
     <dgm:fillClrLst meth="repeat">
-      <a:schemeClr val="accent4"/>
+      <a:schemeClr val="accent3">
+        <a:tint val="70000"/>
+      </a:schemeClr>
     </dgm:fillClrLst>
     <dgm:linClrLst meth="repeat">
-      <a:schemeClr val="lt1"/>
+      <a:schemeClr val="accent3">
+        <a:tint val="70000"/>
+      </a:schemeClr>
     </dgm:linClrLst>
     <dgm:effectClrLst/>
     <dgm:txLinClrLst/>
@@ -1215,24 +1290,32 @@
   </dgm:styleLbl>
   <dgm:styleLbl name="parChTrans2D4">
     <dgm:fillClrLst meth="repeat">
-      <a:schemeClr val="accent5"/>
+      <a:schemeClr val="accent3">
+        <a:tint val="50000"/>
+      </a:schemeClr>
     </dgm:fillClrLst>
     <dgm:linClrLst meth="repeat">
-      <a:schemeClr val="lt1"/>
+      <a:schemeClr val="accent3">
+        <a:tint val="50000"/>
+      </a:schemeClr>
     </dgm:linClrLst>
     <dgm:effectClrLst/>
     <dgm:txLinClrLst/>
     <dgm:txFillClrLst meth="repeat">
-      <a:schemeClr val="lt1"/>
+      <a:schemeClr val="dk1"/>
     </dgm:txFillClrLst>
     <dgm:txEffectClrLst/>
   </dgm:styleLbl>
   <dgm:styleLbl name="parChTrans1D1">
     <dgm:fillClrLst meth="repeat">
-      <a:schemeClr val="accent2"/>
+      <a:schemeClr val="accent3">
+        <a:shade val="80000"/>
+      </a:schemeClr>
     </dgm:fillClrLst>
     <dgm:linClrLst meth="repeat">
-      <a:schemeClr val="accent2"/>
+      <a:schemeClr val="accent3">
+        <a:shade val="80000"/>
+      </a:schemeClr>
     </dgm:linClrLst>
     <dgm:effectClrLst/>
     <dgm:txLinClrLst/>
@@ -1243,12 +1326,14 @@
   </dgm:styleLbl>
   <dgm:styleLbl name="parChTrans1D2">
     <dgm:fillClrLst meth="repeat">
-      <a:schemeClr val="accent2">
+      <a:schemeClr val="accent3">
         <a:tint val="90000"/>
       </a:schemeClr>
     </dgm:fillClrLst>
     <dgm:linClrLst meth="repeat">
-      <a:schemeClr val="accent3"/>
+      <a:schemeClr val="accent3">
+        <a:tint val="90000"/>
+      </a:schemeClr>
     </dgm:linClrLst>
     <dgm:effectClrLst/>
     <dgm:txLinClrLst/>
@@ -1259,12 +1344,14 @@
   </dgm:styleLbl>
   <dgm:styleLbl name="parChTrans1D3">
     <dgm:fillClrLst meth="repeat">
-      <a:schemeClr val="accent2">
+      <a:schemeClr val="accent3">
         <a:tint val="70000"/>
       </a:schemeClr>
     </dgm:fillClrLst>
     <dgm:linClrLst meth="repeat">
-      <a:schemeClr val="accent4"/>
+      <a:schemeClr val="accent3">
+        <a:tint val="70000"/>
+      </a:schemeClr>
     </dgm:linClrLst>
     <dgm:effectClrLst/>
     <dgm:txLinClrLst/>
@@ -1275,12 +1362,14 @@
   </dgm:styleLbl>
   <dgm:styleLbl name="parChTrans1D4">
     <dgm:fillClrLst meth="repeat">
-      <a:schemeClr val="accent2">
+      <a:schemeClr val="accent3">
         <a:tint val="50000"/>
       </a:schemeClr>
     </dgm:fillClrLst>
     <dgm:linClrLst meth="repeat">
-      <a:schemeClr val="accent5"/>
+      <a:schemeClr val="accent3">
+        <a:tint val="50000"/>
+      </a:schemeClr>
     </dgm:linClrLst>
     <dgm:effectClrLst/>
     <dgm:txLinClrLst/>
@@ -1295,9 +1384,13 @@
         <a:alpha val="90000"/>
       </a:schemeClr>
     </dgm:fillClrLst>
-    <dgm:linClrLst>
-      <a:schemeClr val="accent2"/>
-      <a:schemeClr val="accent3"/>
+    <dgm:linClrLst meth="cycle">
+      <a:schemeClr val="accent3">
+        <a:shade val="50000"/>
+      </a:schemeClr>
+      <a:schemeClr val="accent3">
+        <a:tint val="55000"/>
+      </a:schemeClr>
     </dgm:linClrLst>
     <dgm:effectClrLst/>
     <dgm:txLinClrLst/>
@@ -1312,9 +1405,13 @@
         <a:alpha val="90000"/>
       </a:schemeClr>
     </dgm:fillClrLst>
-    <dgm:linClrLst>
-      <a:schemeClr val="accent2"/>
-      <a:schemeClr val="accent3"/>
+    <dgm:linClrLst meth="cycle">
+      <a:schemeClr val="accent3">
+        <a:shade val="50000"/>
+      </a:schemeClr>
+      <a:schemeClr val="accent3">
+        <a:tint val="55000"/>
+      </a:schemeClr>
     </dgm:linClrLst>
     <dgm:effectClrLst/>
     <dgm:txLinClrLst/>
@@ -1329,9 +1426,13 @@
         <a:alpha val="90000"/>
       </a:schemeClr>
     </dgm:fillClrLst>
-    <dgm:linClrLst>
-      <a:schemeClr val="accent2"/>
-      <a:schemeClr val="accent3"/>
+    <dgm:linClrLst meth="cycle">
+      <a:schemeClr val="accent3">
+        <a:shade val="50000"/>
+      </a:schemeClr>
+      <a:schemeClr val="accent3">
+        <a:tint val="55000"/>
+      </a:schemeClr>
     </dgm:linClrLst>
     <dgm:effectClrLst/>
     <dgm:txLinClrLst/>
@@ -1343,11 +1444,11 @@
   <dgm:styleLbl name="trAlignAcc1">
     <dgm:fillClrLst meth="repeat">
       <a:schemeClr val="lt1">
-        <a:alpha val="40000"/>
+        <a:alpha val="55000"/>
       </a:schemeClr>
     </dgm:fillClrLst>
     <dgm:linClrLst meth="repeat">
-      <a:schemeClr val="accent2"/>
+      <a:schemeClr val="accent3"/>
     </dgm:linClrLst>
     <dgm:effectClrLst/>
     <dgm:txLinClrLst/>
@@ -1362,9 +1463,13 @@
         <a:alpha val="90000"/>
       </a:schemeClr>
     </dgm:fillClrLst>
-    <dgm:linClrLst>
-      <a:schemeClr val="accent2"/>
-      <a:schemeClr val="accent3"/>
+    <dgm:linClrLst meth="cycle">
+      <a:schemeClr val="accent3">
+        <a:shade val="50000"/>
+      </a:schemeClr>
+      <a:schemeClr val="accent3">
+        <a:tint val="55000"/>
+      </a:schemeClr>
     </dgm:linClrLst>
     <dgm:effectClrLst/>
     <dgm:txLinClrLst/>
@@ -1377,9 +1482,13 @@
     <dgm:fillClrLst meth="repeat">
       <a:schemeClr val="lt1"/>
     </dgm:fillClrLst>
-    <dgm:linClrLst>
-      <a:schemeClr val="accent2"/>
-      <a:schemeClr val="accent3"/>
+    <dgm:linClrLst meth="cycle">
+      <a:schemeClr val="accent3">
+        <a:shade val="50000"/>
+      </a:schemeClr>
+      <a:schemeClr val="accent3">
+        <a:tint val="55000"/>
+      </a:schemeClr>
     </dgm:linClrLst>
     <dgm:effectClrLst/>
     <dgm:txLinClrLst/>
@@ -1392,8 +1501,7 @@
     <dgm:fillClrLst meth="repeat">
       <a:schemeClr val="lt1"/>
     </dgm:fillClrLst>
-    <dgm:linClrLst>
-      <a:schemeClr val="accent2"/>
+    <dgm:linClrLst meth="repeat">
       <a:schemeClr val="accent3"/>
     </dgm:linClrLst>
     <dgm:effectClrLst/>
@@ -1407,8 +1515,7 @@
     <dgm:fillClrLst meth="repeat">
       <a:schemeClr val="lt1"/>
     </dgm:fillClrLst>
-    <dgm:linClrLst>
-      <a:schemeClr val="accent2"/>
+    <dgm:linClrLst meth="repeat">
       <a:schemeClr val="accent3"/>
     </dgm:linClrLst>
     <dgm:effectClrLst/>
@@ -1419,24 +1526,16 @@
     <dgm:txEffectClrLst/>
   </dgm:styleLbl>
   <dgm:styleLbl name="fgAccFollowNode1">
-    <dgm:fillClrLst>
-      <a:schemeClr val="accent2">
-        <a:tint val="40000"/>
+    <dgm:fillClrLst meth="repeat">
+      <a:schemeClr val="accent3">
         <a:alpha val="90000"/>
-      </a:schemeClr>
+        <a:tint val="55000"/>
+      </a:schemeClr>
+    </dgm:fillClrLst>
+    <dgm:linClrLst meth="repeat">
       <a:schemeClr val="accent3">
-        <a:tint val="40000"/>
         <a:alpha val="90000"/>
-      </a:schemeClr>
-    </dgm:fillClrLst>
-    <dgm:linClrLst>
-      <a:schemeClr val="accent2">
-        <a:tint val="40000"/>
-        <a:alpha val="90000"/>
-      </a:schemeClr>
-      <a:schemeClr val="accent3">
-        <a:tint val="40000"/>
-        <a:alpha val="90000"/>
+        <a:tint val="55000"/>
       </a:schemeClr>
     </dgm:linClrLst>
     <dgm:effectClrLst/>
@@ -1447,24 +1546,16 @@
     <dgm:txEffectClrLst/>
   </dgm:styleLbl>
   <dgm:styleLbl name="alignAccFollowNode1">
-    <dgm:fillClrLst>
-      <a:schemeClr val="accent2">
-        <a:tint val="40000"/>
+    <dgm:fillClrLst meth="repeat">
+      <a:schemeClr val="accent3">
         <a:alpha val="90000"/>
-      </a:schemeClr>
+        <a:tint val="55000"/>
+      </a:schemeClr>
+    </dgm:fillClrLst>
+    <dgm:linClrLst meth="repeat">
       <a:schemeClr val="accent3">
-        <a:tint val="40000"/>
         <a:alpha val="90000"/>
-      </a:schemeClr>
-    </dgm:fillClrLst>
-    <dgm:linClrLst>
-      <a:schemeClr val="accent2">
-        <a:tint val="40000"/>
-        <a:alpha val="90000"/>
-      </a:schemeClr>
-      <a:schemeClr val="accent3">
-        <a:tint val="40000"/>
-        <a:alpha val="90000"/>
+        <a:tint val="55000"/>
       </a:schemeClr>
     </dgm:linClrLst>
     <dgm:effectClrLst/>
@@ -1475,25 +1566,14 @@
     <dgm:txEffectClrLst/>
   </dgm:styleLbl>
   <dgm:styleLbl name="bgAccFollowNode1">
-    <dgm:fillClrLst>
-      <a:schemeClr val="accent2">
-        <a:tint val="40000"/>
+    <dgm:fillClrLst meth="repeat">
+      <a:schemeClr val="accent3">
         <a:alpha val="90000"/>
-      </a:schemeClr>
-      <a:schemeClr val="accent3">
-        <a:tint val="40000"/>
-        <a:alpha val="90000"/>
-      </a:schemeClr>
-    </dgm:fillClrLst>
-    <dgm:linClrLst>
-      <a:schemeClr val="accent2">
-        <a:tint val="40000"/>
-        <a:alpha val="90000"/>
-      </a:schemeClr>
-      <a:schemeClr val="accent3">
-        <a:tint val="40000"/>
-        <a:alpha val="90000"/>
-      </a:schemeClr>
+        <a:tint val="55000"/>
+      </a:schemeClr>
+    </dgm:fillClrLst>
+    <dgm:linClrLst meth="repeat">
+      <a:schemeClr val="lt1"/>
     </dgm:linClrLst>
     <dgm:effectClrLst/>
     <dgm:txLinClrLst/>
@@ -1508,8 +1588,10 @@
         <a:alpha val="90000"/>
       </a:schemeClr>
     </dgm:fillClrLst>
-    <dgm:linClrLst>
-      <a:schemeClr val="accent1"/>
+    <dgm:linClrLst meth="repeat">
+      <a:schemeClr val="accent3">
+        <a:shade val="80000"/>
+      </a:schemeClr>
     </dgm:linClrLst>
     <dgm:effectClrLst/>
     <dgm:txLinClrLst/>
@@ -1524,8 +1606,10 @@
         <a:alpha val="90000"/>
       </a:schemeClr>
     </dgm:fillClrLst>
-    <dgm:linClrLst>
-      <a:schemeClr val="accent3"/>
+    <dgm:linClrLst meth="repeat">
+      <a:schemeClr val="accent3">
+        <a:tint val="90000"/>
+      </a:schemeClr>
     </dgm:linClrLst>
     <dgm:effectClrLst/>
     <dgm:txLinClrLst/>
@@ -1540,8 +1624,10 @@
         <a:alpha val="90000"/>
       </a:schemeClr>
     </dgm:fillClrLst>
-    <dgm:linClrLst>
-      <a:schemeClr val="accent4"/>
+    <dgm:linClrLst meth="repeat">
+      <a:schemeClr val="accent3">
+        <a:tint val="70000"/>
+      </a:schemeClr>
     </dgm:linClrLst>
     <dgm:effectClrLst/>
     <dgm:txLinClrLst/>
@@ -1556,8 +1642,10 @@
         <a:alpha val="90000"/>
       </a:schemeClr>
     </dgm:fillClrLst>
-    <dgm:linClrLst>
-      <a:schemeClr val="accent5"/>
+    <dgm:linClrLst meth="repeat">
+      <a:schemeClr val="accent3">
+        <a:tint val="50000"/>
+      </a:schemeClr>
     </dgm:linClrLst>
     <dgm:effectClrLst/>
     <dgm:txLinClrLst/>
@@ -1568,8 +1656,8 @@
   </dgm:styleLbl>
   <dgm:styleLbl name="bgShp">
     <dgm:fillClrLst meth="repeat">
-      <a:schemeClr val="accent2">
-        <a:tint val="40000"/>
+      <a:schemeClr val="accent3">
+        <a:tint val="55000"/>
       </a:schemeClr>
     </dgm:fillClrLst>
     <dgm:linClrLst meth="repeat">
@@ -1584,7 +1672,7 @@
   </dgm:styleLbl>
   <dgm:styleLbl name="dkBgShp">
     <dgm:fillClrLst meth="repeat">
-      <a:schemeClr val="accent2">
+      <a:schemeClr val="accent3">
         <a:shade val="90000"/>
       </a:schemeClr>
     </dgm:fillClrLst>
@@ -1600,13 +1688,13 @@
   </dgm:styleLbl>
   <dgm:styleLbl name="trBgShp">
     <dgm:fillClrLst meth="repeat">
-      <a:schemeClr val="accent2">
+      <a:schemeClr val="accent3">
         <a:tint val="50000"/>
-        <a:alpha val="40000"/>
+        <a:alpha val="55000"/>
       </a:schemeClr>
     </dgm:fillClrLst>
     <dgm:linClrLst meth="repeat">
-      <a:schemeClr val="accent2"/>
+      <a:schemeClr val="accent3"/>
     </dgm:linClrLst>
     <dgm:effectClrLst/>
     <dgm:txLinClrLst/>
@@ -1617,8 +1705,8 @@
   </dgm:styleLbl>
   <dgm:styleLbl name="fgShp">
     <dgm:fillClrLst meth="repeat">
-      <a:schemeClr val="accent2">
-        <a:tint val="40000"/>
+      <a:schemeClr val="accent3">
+        <a:tint val="55000"/>
       </a:schemeClr>
     </dgm:fillClrLst>
     <dgm:linClrLst meth="repeat">
@@ -3175,6 +3263,927 @@
     <dgm:txLinClrLst/>
     <dgm:txFillClrLst meth="repeat">
       <a:schemeClr val="tx1"/>
+    </dgm:txFillClrLst>
+    <dgm:txEffectClrLst/>
+  </dgm:styleLbl>
+</dgm:colorsDef>
+</file>
+
+<file path=ppt/diagrams/colors5.xml><?xml version="1.0" encoding="utf-8"?>
+<dgm:colorsDef xmlns:dgm="http://schemas.openxmlformats.org/drawingml/2006/diagram" xmlns:a="http://schemas.openxmlformats.org/drawingml/2006/main" uniqueId="urn:microsoft.com/office/officeart/2018/5/colors/Iconchunking_neutralicontext_colorful1">
+  <dgm:title val=""/>
+  <dgm:desc val=""/>
+  <dgm:catLst>
+    <dgm:cat type="colorful" pri="10100"/>
+  </dgm:catLst>
+  <dgm:styleLbl name="node0">
+    <dgm:fillClrLst meth="repeat">
+      <a:schemeClr val="accent1"/>
+    </dgm:fillClrLst>
+    <dgm:linClrLst meth="repeat">
+      <a:schemeClr val="lt1"/>
+    </dgm:linClrLst>
+    <dgm:effectClrLst/>
+    <dgm:txLinClrLst/>
+    <dgm:txFillClrLst/>
+    <dgm:txEffectClrLst/>
+  </dgm:styleLbl>
+  <dgm:styleLbl name="node1">
+    <dgm:fillClrLst meth="repeat">
+      <a:schemeClr val="bg1"/>
+    </dgm:fillClrLst>
+    <dgm:linClrLst meth="repeat">
+      <a:schemeClr val="lt1">
+        <a:alpha val="0"/>
+      </a:schemeClr>
+    </dgm:linClrLst>
+    <dgm:effectClrLst/>
+    <dgm:txLinClrLst/>
+    <dgm:txFillClrLst meth="repeat">
+      <a:schemeClr val="dk1"/>
+    </dgm:txFillClrLst>
+    <dgm:txEffectClrLst/>
+  </dgm:styleLbl>
+  <dgm:styleLbl name="alignNode1">
+    <dgm:fillClrLst meth="repeat">
+      <a:schemeClr val="accent2"/>
+      <a:schemeClr val="accent3"/>
+      <a:schemeClr val="accent4"/>
+      <a:schemeClr val="accent5"/>
+      <a:schemeClr val="accent6"/>
+    </dgm:fillClrLst>
+    <dgm:linClrLst meth="repeat">
+      <a:schemeClr val="accent2"/>
+      <a:schemeClr val="accent3"/>
+      <a:schemeClr val="accent4"/>
+      <a:schemeClr val="accent5"/>
+      <a:schemeClr val="accent6"/>
+    </dgm:linClrLst>
+    <dgm:effectClrLst/>
+    <dgm:txLinClrLst/>
+    <dgm:txFillClrLst/>
+    <dgm:txEffectClrLst/>
+  </dgm:styleLbl>
+  <dgm:styleLbl name="lnNode1">
+    <dgm:fillClrLst meth="repeat">
+      <a:schemeClr val="accent2"/>
+      <a:schemeClr val="accent3"/>
+      <a:schemeClr val="accent4"/>
+      <a:schemeClr val="accent5"/>
+      <a:schemeClr val="accent6"/>
+    </dgm:fillClrLst>
+    <dgm:linClrLst meth="repeat">
+      <a:schemeClr val="lt1"/>
+    </dgm:linClrLst>
+    <dgm:effectClrLst/>
+    <dgm:txLinClrLst/>
+    <dgm:txFillClrLst/>
+    <dgm:txEffectClrLst/>
+  </dgm:styleLbl>
+  <dgm:styleLbl name="vennNode1">
+    <dgm:fillClrLst meth="repeat">
+      <a:schemeClr val="accent2">
+        <a:alpha val="50000"/>
+      </a:schemeClr>
+      <a:schemeClr val="accent3">
+        <a:alpha val="50000"/>
+      </a:schemeClr>
+      <a:schemeClr val="accent4">
+        <a:alpha val="50000"/>
+      </a:schemeClr>
+      <a:schemeClr val="accent5">
+        <a:alpha val="50000"/>
+      </a:schemeClr>
+      <a:schemeClr val="accent6">
+        <a:alpha val="50000"/>
+      </a:schemeClr>
+    </dgm:fillClrLst>
+    <dgm:linClrLst meth="repeat">
+      <a:schemeClr val="lt1"/>
+    </dgm:linClrLst>
+    <dgm:effectClrLst/>
+    <dgm:txLinClrLst/>
+    <dgm:txFillClrLst/>
+    <dgm:txEffectClrLst/>
+  </dgm:styleLbl>
+  <dgm:styleLbl name="node2">
+    <dgm:fillClrLst>
+      <a:schemeClr val="accent2"/>
+    </dgm:fillClrLst>
+    <dgm:linClrLst meth="repeat">
+      <a:schemeClr val="lt1"/>
+    </dgm:linClrLst>
+    <dgm:effectClrLst/>
+    <dgm:txLinClrLst/>
+    <dgm:txFillClrLst/>
+    <dgm:txEffectClrLst/>
+  </dgm:styleLbl>
+  <dgm:styleLbl name="node3">
+    <dgm:fillClrLst>
+      <a:schemeClr val="accent3"/>
+    </dgm:fillClrLst>
+    <dgm:linClrLst meth="repeat">
+      <a:schemeClr val="lt1"/>
+    </dgm:linClrLst>
+    <dgm:effectClrLst/>
+    <dgm:txLinClrLst/>
+    <dgm:txFillClrLst/>
+    <dgm:txEffectClrLst/>
+  </dgm:styleLbl>
+  <dgm:styleLbl name="node4">
+    <dgm:fillClrLst>
+      <a:schemeClr val="accent4"/>
+    </dgm:fillClrLst>
+    <dgm:linClrLst meth="repeat">
+      <a:schemeClr val="lt1"/>
+    </dgm:linClrLst>
+    <dgm:effectClrLst/>
+    <dgm:txLinClrLst/>
+    <dgm:txFillClrLst/>
+    <dgm:txEffectClrLst/>
+  </dgm:styleLbl>
+  <dgm:styleLbl name="fgImgPlace1">
+    <dgm:fillClrLst meth="repeat">
+      <a:schemeClr val="accent2">
+        <a:tint val="50000"/>
+      </a:schemeClr>
+      <a:schemeClr val="accent3">
+        <a:tint val="50000"/>
+      </a:schemeClr>
+      <a:schemeClr val="accent4">
+        <a:tint val="50000"/>
+      </a:schemeClr>
+      <a:schemeClr val="accent5">
+        <a:tint val="50000"/>
+      </a:schemeClr>
+      <a:schemeClr val="accent6">
+        <a:tint val="50000"/>
+      </a:schemeClr>
+    </dgm:fillClrLst>
+    <dgm:linClrLst meth="repeat">
+      <a:schemeClr val="lt1"/>
+    </dgm:linClrLst>
+    <dgm:effectClrLst/>
+    <dgm:txLinClrLst/>
+    <dgm:txFillClrLst meth="repeat">
+      <a:schemeClr val="lt1"/>
+    </dgm:txFillClrLst>
+    <dgm:txEffectClrLst/>
+  </dgm:styleLbl>
+  <dgm:styleLbl name="alignImgPlace1">
+    <dgm:fillClrLst>
+      <a:schemeClr val="accent1">
+        <a:tint val="50000"/>
+      </a:schemeClr>
+      <a:schemeClr val="accent2">
+        <a:tint val="20000"/>
+      </a:schemeClr>
+    </dgm:fillClrLst>
+    <dgm:linClrLst meth="repeat">
+      <a:schemeClr val="lt1"/>
+    </dgm:linClrLst>
+    <dgm:effectClrLst/>
+    <dgm:txLinClrLst/>
+    <dgm:txFillClrLst meth="repeat">
+      <a:schemeClr val="lt1"/>
+    </dgm:txFillClrLst>
+    <dgm:txEffectClrLst/>
+  </dgm:styleLbl>
+  <dgm:styleLbl name="bgImgPlace1">
+    <dgm:fillClrLst>
+      <a:schemeClr val="accent1">
+        <a:tint val="50000"/>
+      </a:schemeClr>
+      <a:schemeClr val="accent2">
+        <a:tint val="20000"/>
+      </a:schemeClr>
+    </dgm:fillClrLst>
+    <dgm:linClrLst meth="repeat">
+      <a:schemeClr val="lt1"/>
+    </dgm:linClrLst>
+    <dgm:effectClrLst/>
+    <dgm:txLinClrLst/>
+    <dgm:txFillClrLst meth="repeat">
+      <a:schemeClr val="lt1"/>
+    </dgm:txFillClrLst>
+    <dgm:txEffectClrLst/>
+  </dgm:styleLbl>
+  <dgm:styleLbl name="sibTrans2D1">
+    <dgm:fillClrLst meth="repeat">
+      <a:schemeClr val="accent2"/>
+      <a:schemeClr val="accent3"/>
+      <a:schemeClr val="accent4"/>
+      <a:schemeClr val="accent5"/>
+      <a:schemeClr val="accent6"/>
+    </dgm:fillClrLst>
+    <dgm:linClrLst meth="cycle">
+      <a:schemeClr val="lt1"/>
+    </dgm:linClrLst>
+    <dgm:effectClrLst/>
+    <dgm:txLinClrLst/>
+    <dgm:txFillClrLst/>
+    <dgm:txEffectClrLst/>
+  </dgm:styleLbl>
+  <dgm:styleLbl name="fgSibTrans2D1">
+    <dgm:fillClrLst meth="repeat">
+      <a:schemeClr val="accent2"/>
+      <a:schemeClr val="accent3"/>
+      <a:schemeClr val="accent4"/>
+      <a:schemeClr val="accent5"/>
+      <a:schemeClr val="accent6"/>
+    </dgm:fillClrLst>
+    <dgm:linClrLst meth="cycle">
+      <a:schemeClr val="lt1"/>
+    </dgm:linClrLst>
+    <dgm:effectClrLst/>
+    <dgm:txLinClrLst/>
+    <dgm:txFillClrLst meth="repeat">
+      <a:schemeClr val="lt1"/>
+    </dgm:txFillClrLst>
+    <dgm:txEffectClrLst/>
+  </dgm:styleLbl>
+  <dgm:styleLbl name="bgSibTrans2D1">
+    <dgm:fillClrLst meth="repeat">
+      <a:schemeClr val="accent2"/>
+      <a:schemeClr val="accent3"/>
+      <a:schemeClr val="accent4"/>
+      <a:schemeClr val="accent5"/>
+      <a:schemeClr val="accent6"/>
+    </dgm:fillClrLst>
+    <dgm:linClrLst meth="cycle">
+      <a:schemeClr val="lt1"/>
+    </dgm:linClrLst>
+    <dgm:effectClrLst/>
+    <dgm:txLinClrLst/>
+    <dgm:txFillClrLst meth="repeat">
+      <a:schemeClr val="lt1"/>
+    </dgm:txFillClrLst>
+    <dgm:txEffectClrLst/>
+  </dgm:styleLbl>
+  <dgm:styleLbl name="sibTrans1D1">
+    <dgm:fillClrLst meth="repeat">
+      <a:schemeClr val="accent2"/>
+      <a:schemeClr val="accent3"/>
+      <a:schemeClr val="accent4"/>
+      <a:schemeClr val="accent5"/>
+      <a:schemeClr val="accent6"/>
+    </dgm:fillClrLst>
+    <dgm:linClrLst meth="repeat">
+      <a:schemeClr val="accent2"/>
+      <a:schemeClr val="accent3"/>
+      <a:schemeClr val="accent4"/>
+      <a:schemeClr val="accent5"/>
+      <a:schemeClr val="accent6"/>
+    </dgm:linClrLst>
+    <dgm:effectClrLst/>
+    <dgm:txLinClrLst/>
+    <dgm:txFillClrLst meth="repeat">
+      <a:schemeClr val="tx1"/>
+    </dgm:txFillClrLst>
+    <dgm:txEffectClrLst/>
+  </dgm:styleLbl>
+  <dgm:styleLbl name="callout">
+    <dgm:fillClrLst meth="repeat">
+      <a:schemeClr val="accent2"/>
+    </dgm:fillClrLst>
+    <dgm:linClrLst meth="repeat">
+      <a:schemeClr val="accent2">
+        <a:tint val="50000"/>
+      </a:schemeClr>
+    </dgm:linClrLst>
+    <dgm:effectClrLst/>
+    <dgm:txLinClrLst/>
+    <dgm:txFillClrLst meth="repeat">
+      <a:schemeClr val="tx1"/>
+    </dgm:txFillClrLst>
+    <dgm:txEffectClrLst/>
+  </dgm:styleLbl>
+  <dgm:styleLbl name="asst0">
+    <dgm:fillClrLst meth="repeat">
+      <a:schemeClr val="accent1"/>
+    </dgm:fillClrLst>
+    <dgm:linClrLst meth="repeat">
+      <a:schemeClr val="lt1"/>
+    </dgm:linClrLst>
+    <dgm:effectClrLst/>
+    <dgm:txLinClrLst/>
+    <dgm:txFillClrLst/>
+    <dgm:txEffectClrLst/>
+  </dgm:styleLbl>
+  <dgm:styleLbl name="asst1">
+    <dgm:fillClrLst meth="repeat">
+      <a:schemeClr val="accent2"/>
+    </dgm:fillClrLst>
+    <dgm:linClrLst meth="repeat">
+      <a:schemeClr val="lt1"/>
+    </dgm:linClrLst>
+    <dgm:effectClrLst/>
+    <dgm:txLinClrLst/>
+    <dgm:txFillClrLst/>
+    <dgm:txEffectClrLst/>
+  </dgm:styleLbl>
+  <dgm:styleLbl name="asst2">
+    <dgm:fillClrLst>
+      <a:schemeClr val="accent3"/>
+    </dgm:fillClrLst>
+    <dgm:linClrLst meth="repeat">
+      <a:schemeClr val="lt1"/>
+    </dgm:linClrLst>
+    <dgm:effectClrLst/>
+    <dgm:txLinClrLst/>
+    <dgm:txFillClrLst/>
+    <dgm:txEffectClrLst/>
+  </dgm:styleLbl>
+  <dgm:styleLbl name="asst3">
+    <dgm:fillClrLst>
+      <a:schemeClr val="accent4"/>
+    </dgm:fillClrLst>
+    <dgm:linClrLst meth="repeat">
+      <a:schemeClr val="lt1"/>
+    </dgm:linClrLst>
+    <dgm:effectClrLst/>
+    <dgm:txLinClrLst/>
+    <dgm:txFillClrLst/>
+    <dgm:txEffectClrLst/>
+  </dgm:styleLbl>
+  <dgm:styleLbl name="asst4">
+    <dgm:fillClrLst>
+      <a:schemeClr val="accent5"/>
+    </dgm:fillClrLst>
+    <dgm:linClrLst meth="repeat">
+      <a:schemeClr val="lt1"/>
+    </dgm:linClrLst>
+    <dgm:effectClrLst/>
+    <dgm:txLinClrLst/>
+    <dgm:txFillClrLst/>
+    <dgm:txEffectClrLst/>
+  </dgm:styleLbl>
+  <dgm:styleLbl name="parChTrans2D1">
+    <dgm:fillClrLst meth="repeat">
+      <a:schemeClr val="accent2"/>
+    </dgm:fillClrLst>
+    <dgm:linClrLst meth="repeat">
+      <a:schemeClr val="lt1"/>
+    </dgm:linClrLst>
+    <dgm:effectClrLst/>
+    <dgm:txLinClrLst/>
+    <dgm:txFillClrLst meth="repeat">
+      <a:schemeClr val="lt1"/>
+    </dgm:txFillClrLst>
+    <dgm:txEffectClrLst/>
+  </dgm:styleLbl>
+  <dgm:styleLbl name="parChTrans2D2">
+    <dgm:fillClrLst meth="repeat">
+      <a:schemeClr val="accent3"/>
+    </dgm:fillClrLst>
+    <dgm:linClrLst meth="repeat">
+      <a:schemeClr val="lt1"/>
+    </dgm:linClrLst>
+    <dgm:effectClrLst/>
+    <dgm:txLinClrLst/>
+    <dgm:txFillClrLst/>
+    <dgm:txEffectClrLst/>
+  </dgm:styleLbl>
+  <dgm:styleLbl name="parChTrans2D3">
+    <dgm:fillClrLst meth="repeat">
+      <a:schemeClr val="accent4"/>
+    </dgm:fillClrLst>
+    <dgm:linClrLst meth="repeat">
+      <a:schemeClr val="lt1"/>
+    </dgm:linClrLst>
+    <dgm:effectClrLst/>
+    <dgm:txLinClrLst/>
+    <dgm:txFillClrLst/>
+    <dgm:txEffectClrLst/>
+  </dgm:styleLbl>
+  <dgm:styleLbl name="parChTrans2D4">
+    <dgm:fillClrLst meth="repeat">
+      <a:schemeClr val="accent5"/>
+    </dgm:fillClrLst>
+    <dgm:linClrLst meth="repeat">
+      <a:schemeClr val="lt1"/>
+    </dgm:linClrLst>
+    <dgm:effectClrLst/>
+    <dgm:txLinClrLst/>
+    <dgm:txFillClrLst meth="repeat">
+      <a:schemeClr val="lt1"/>
+    </dgm:txFillClrLst>
+    <dgm:txEffectClrLst/>
+  </dgm:styleLbl>
+  <dgm:styleLbl name="parChTrans1D1">
+    <dgm:fillClrLst meth="repeat">
+      <a:schemeClr val="accent2"/>
+    </dgm:fillClrLst>
+    <dgm:linClrLst meth="repeat">
+      <a:schemeClr val="accent1"/>
+    </dgm:linClrLst>
+    <dgm:effectClrLst/>
+    <dgm:txLinClrLst/>
+    <dgm:txFillClrLst meth="repeat">
+      <a:schemeClr val="tx1"/>
+    </dgm:txFillClrLst>
+    <dgm:txEffectClrLst/>
+  </dgm:styleLbl>
+  <dgm:styleLbl name="parChTrans1D2">
+    <dgm:fillClrLst meth="repeat">
+      <a:schemeClr val="accent3">
+        <a:tint val="90000"/>
+      </a:schemeClr>
+    </dgm:fillClrLst>
+    <dgm:linClrLst meth="repeat">
+      <a:schemeClr val="accent2"/>
+    </dgm:linClrLst>
+    <dgm:effectClrLst/>
+    <dgm:txLinClrLst/>
+    <dgm:txFillClrLst meth="repeat">
+      <a:schemeClr val="tx1"/>
+    </dgm:txFillClrLst>
+    <dgm:txEffectClrLst/>
+  </dgm:styleLbl>
+  <dgm:styleLbl name="parChTrans1D3">
+    <dgm:fillClrLst meth="repeat">
+      <a:schemeClr val="accent4">
+        <a:tint val="70000"/>
+      </a:schemeClr>
+    </dgm:fillClrLst>
+    <dgm:linClrLst meth="repeat">
+      <a:schemeClr val="accent3"/>
+    </dgm:linClrLst>
+    <dgm:effectClrLst/>
+    <dgm:txLinClrLst/>
+    <dgm:txFillClrLst meth="repeat">
+      <a:schemeClr val="tx1"/>
+    </dgm:txFillClrLst>
+    <dgm:txEffectClrLst/>
+  </dgm:styleLbl>
+  <dgm:styleLbl name="parChTrans1D4">
+    <dgm:fillClrLst meth="repeat">
+      <a:schemeClr val="accent5">
+        <a:tint val="50000"/>
+      </a:schemeClr>
+    </dgm:fillClrLst>
+    <dgm:linClrLst meth="repeat">
+      <a:schemeClr val="accent4"/>
+    </dgm:linClrLst>
+    <dgm:effectClrLst/>
+    <dgm:txLinClrLst/>
+    <dgm:txFillClrLst meth="repeat">
+      <a:schemeClr val="tx1"/>
+    </dgm:txFillClrLst>
+    <dgm:txEffectClrLst/>
+  </dgm:styleLbl>
+  <dgm:styleLbl name="fgAcc1">
+    <dgm:fillClrLst meth="repeat">
+      <a:schemeClr val="lt1">
+        <a:alpha val="90000"/>
+      </a:schemeClr>
+    </dgm:fillClrLst>
+    <dgm:linClrLst meth="repeat">
+      <a:schemeClr val="accent2"/>
+      <a:schemeClr val="accent3"/>
+      <a:schemeClr val="accent4"/>
+      <a:schemeClr val="accent5"/>
+      <a:schemeClr val="accent6"/>
+    </dgm:linClrLst>
+    <dgm:effectClrLst/>
+    <dgm:txLinClrLst/>
+    <dgm:txFillClrLst meth="repeat">
+      <a:schemeClr val="dk1"/>
+    </dgm:txFillClrLst>
+    <dgm:txEffectClrLst/>
+  </dgm:styleLbl>
+  <dgm:styleLbl name="conFgAcc1">
+    <dgm:fillClrLst meth="repeat">
+      <a:schemeClr val="lt1">
+        <a:alpha val="90000"/>
+      </a:schemeClr>
+    </dgm:fillClrLst>
+    <dgm:linClrLst meth="repeat">
+      <a:schemeClr val="accent2"/>
+      <a:schemeClr val="accent3"/>
+      <a:schemeClr val="accent4"/>
+      <a:schemeClr val="accent5"/>
+      <a:schemeClr val="accent6"/>
+    </dgm:linClrLst>
+    <dgm:effectClrLst/>
+    <dgm:txLinClrLst/>
+    <dgm:txFillClrLst meth="repeat">
+      <a:schemeClr val="dk1"/>
+    </dgm:txFillClrLst>
+    <dgm:txEffectClrLst/>
+  </dgm:styleLbl>
+  <dgm:styleLbl name="alignAcc1">
+    <dgm:fillClrLst meth="repeat">
+      <a:schemeClr val="lt1">
+        <a:alpha val="90000"/>
+      </a:schemeClr>
+    </dgm:fillClrLst>
+    <dgm:linClrLst meth="repeat">
+      <a:schemeClr val="accent2"/>
+      <a:schemeClr val="accent3"/>
+      <a:schemeClr val="accent4"/>
+      <a:schemeClr val="accent5"/>
+      <a:schemeClr val="accent6"/>
+    </dgm:linClrLst>
+    <dgm:effectClrLst/>
+    <dgm:txLinClrLst/>
+    <dgm:txFillClrLst meth="repeat">
+      <a:schemeClr val="dk1"/>
+    </dgm:txFillClrLst>
+    <dgm:txEffectClrLst/>
+  </dgm:styleLbl>
+  <dgm:styleLbl name="trAlignAcc1">
+    <dgm:fillClrLst meth="repeat">
+      <a:schemeClr val="lt1">
+        <a:alpha val="40000"/>
+      </a:schemeClr>
+    </dgm:fillClrLst>
+    <dgm:linClrLst meth="repeat">
+      <a:schemeClr val="accent1"/>
+    </dgm:linClrLst>
+    <dgm:effectClrLst/>
+    <dgm:txLinClrLst/>
+    <dgm:txFillClrLst meth="repeat">
+      <a:schemeClr val="dk1"/>
+    </dgm:txFillClrLst>
+    <dgm:txEffectClrLst/>
+  </dgm:styleLbl>
+  <dgm:styleLbl name="bgAcc1">
+    <dgm:fillClrLst meth="repeat">
+      <a:schemeClr val="lt1">
+        <a:alpha val="90000"/>
+      </a:schemeClr>
+    </dgm:fillClrLst>
+    <dgm:linClrLst meth="repeat">
+      <a:schemeClr val="accent2"/>
+      <a:schemeClr val="accent3"/>
+      <a:schemeClr val="accent4"/>
+      <a:schemeClr val="accent5"/>
+      <a:schemeClr val="accent6"/>
+    </dgm:linClrLst>
+    <dgm:effectClrLst/>
+    <dgm:txLinClrLst/>
+    <dgm:txFillClrLst meth="repeat">
+      <a:schemeClr val="dk1"/>
+    </dgm:txFillClrLst>
+    <dgm:txEffectClrLst/>
+  </dgm:styleLbl>
+  <dgm:styleLbl name="solidFgAcc1">
+    <dgm:fillClrLst meth="repeat">
+      <a:schemeClr val="lt1"/>
+    </dgm:fillClrLst>
+    <dgm:linClrLst meth="repeat">
+      <a:schemeClr val="accent2"/>
+      <a:schemeClr val="accent3"/>
+      <a:schemeClr val="accent4"/>
+      <a:schemeClr val="accent5"/>
+      <a:schemeClr val="accent6"/>
+    </dgm:linClrLst>
+    <dgm:effectClrLst/>
+    <dgm:txLinClrLst/>
+    <dgm:txFillClrLst meth="repeat">
+      <a:schemeClr val="dk1"/>
+    </dgm:txFillClrLst>
+    <dgm:txEffectClrLst/>
+  </dgm:styleLbl>
+  <dgm:styleLbl name="solidAlignAcc1">
+    <dgm:fillClrLst meth="repeat">
+      <a:schemeClr val="lt1"/>
+    </dgm:fillClrLst>
+    <dgm:linClrLst meth="repeat">
+      <a:schemeClr val="accent2"/>
+      <a:schemeClr val="accent3"/>
+      <a:schemeClr val="accent4"/>
+      <a:schemeClr val="accent5"/>
+      <a:schemeClr val="accent6"/>
+    </dgm:linClrLst>
+    <dgm:effectClrLst/>
+    <dgm:txLinClrLst/>
+    <dgm:txFillClrLst meth="repeat">
+      <a:schemeClr val="dk1"/>
+    </dgm:txFillClrLst>
+    <dgm:txEffectClrLst/>
+  </dgm:styleLbl>
+  <dgm:styleLbl name="solidBgAcc1">
+    <dgm:fillClrLst meth="repeat">
+      <a:schemeClr val="lt1"/>
+    </dgm:fillClrLst>
+    <dgm:linClrLst meth="repeat">
+      <a:schemeClr val="accent2"/>
+      <a:schemeClr val="accent3"/>
+      <a:schemeClr val="accent4"/>
+      <a:schemeClr val="accent5"/>
+      <a:schemeClr val="accent6"/>
+    </dgm:linClrLst>
+    <dgm:effectClrLst/>
+    <dgm:txLinClrLst/>
+    <dgm:txFillClrLst meth="repeat">
+      <a:schemeClr val="dk1"/>
+    </dgm:txFillClrLst>
+    <dgm:txEffectClrLst/>
+  </dgm:styleLbl>
+  <dgm:styleLbl name="fgAccFollowNode1">
+    <dgm:fillClrLst meth="repeat">
+      <a:schemeClr val="accent2">
+        <a:tint val="40000"/>
+        <a:alpha val="90000"/>
+      </a:schemeClr>
+      <a:schemeClr val="accent3">
+        <a:tint val="40000"/>
+        <a:alpha val="90000"/>
+      </a:schemeClr>
+      <a:schemeClr val="accent4">
+        <a:tint val="40000"/>
+        <a:alpha val="90000"/>
+      </a:schemeClr>
+      <a:schemeClr val="accent5">
+        <a:tint val="40000"/>
+        <a:alpha val="90000"/>
+      </a:schemeClr>
+      <a:schemeClr val="accent6">
+        <a:tint val="40000"/>
+        <a:alpha val="90000"/>
+      </a:schemeClr>
+    </dgm:fillClrLst>
+    <dgm:linClrLst meth="repeat">
+      <a:schemeClr val="accent2">
+        <a:tint val="40000"/>
+        <a:alpha val="90000"/>
+      </a:schemeClr>
+      <a:schemeClr val="accent3">
+        <a:tint val="40000"/>
+        <a:alpha val="90000"/>
+      </a:schemeClr>
+      <a:schemeClr val="accent4">
+        <a:tint val="40000"/>
+        <a:alpha val="90000"/>
+      </a:schemeClr>
+      <a:schemeClr val="accent5">
+        <a:tint val="40000"/>
+        <a:alpha val="90000"/>
+      </a:schemeClr>
+      <a:schemeClr val="accent6">
+        <a:tint val="40000"/>
+        <a:alpha val="90000"/>
+      </a:schemeClr>
+    </dgm:linClrLst>
+    <dgm:effectClrLst/>
+    <dgm:txLinClrLst/>
+    <dgm:txFillClrLst meth="repeat">
+      <a:schemeClr val="dk1"/>
+    </dgm:txFillClrLst>
+    <dgm:txEffectClrLst/>
+  </dgm:styleLbl>
+  <dgm:styleLbl name="alignAccFollowNode1">
+    <dgm:fillClrLst meth="repeat">
+      <a:schemeClr val="accent2">
+        <a:tint val="40000"/>
+        <a:alpha val="90000"/>
+      </a:schemeClr>
+      <a:schemeClr val="accent3">
+        <a:tint val="40000"/>
+        <a:alpha val="90000"/>
+      </a:schemeClr>
+      <a:schemeClr val="accent4">
+        <a:tint val="40000"/>
+        <a:alpha val="90000"/>
+      </a:schemeClr>
+      <a:schemeClr val="accent5">
+        <a:tint val="40000"/>
+        <a:alpha val="90000"/>
+      </a:schemeClr>
+      <a:schemeClr val="accent6">
+        <a:tint val="40000"/>
+        <a:alpha val="90000"/>
+      </a:schemeClr>
+    </dgm:fillClrLst>
+    <dgm:linClrLst meth="repeat">
+      <a:schemeClr val="accent2">
+        <a:tint val="40000"/>
+        <a:alpha val="90000"/>
+      </a:schemeClr>
+      <a:schemeClr val="accent3">
+        <a:tint val="40000"/>
+        <a:alpha val="90000"/>
+      </a:schemeClr>
+      <a:schemeClr val="accent4">
+        <a:tint val="40000"/>
+        <a:alpha val="90000"/>
+      </a:schemeClr>
+      <a:schemeClr val="accent5">
+        <a:tint val="40000"/>
+        <a:alpha val="90000"/>
+      </a:schemeClr>
+      <a:schemeClr val="accent6">
+        <a:tint val="40000"/>
+        <a:alpha val="90000"/>
+      </a:schemeClr>
+    </dgm:linClrLst>
+    <dgm:effectClrLst/>
+    <dgm:txLinClrLst/>
+    <dgm:txFillClrLst meth="repeat">
+      <a:schemeClr val="dk1"/>
+    </dgm:txFillClrLst>
+    <dgm:txEffectClrLst/>
+  </dgm:styleLbl>
+  <dgm:styleLbl name="bgAccFollowNode1">
+    <dgm:fillClrLst meth="repeat">
+      <a:schemeClr val="accent2">
+        <a:tint val="40000"/>
+        <a:alpha val="90000"/>
+      </a:schemeClr>
+      <a:schemeClr val="accent3">
+        <a:tint val="40000"/>
+        <a:alpha val="90000"/>
+      </a:schemeClr>
+      <a:schemeClr val="accent4">
+        <a:tint val="40000"/>
+        <a:alpha val="90000"/>
+      </a:schemeClr>
+      <a:schemeClr val="accent5">
+        <a:tint val="40000"/>
+        <a:alpha val="90000"/>
+      </a:schemeClr>
+      <a:schemeClr val="accent6">
+        <a:tint val="40000"/>
+        <a:alpha val="90000"/>
+      </a:schemeClr>
+    </dgm:fillClrLst>
+    <dgm:linClrLst meth="repeat">
+      <a:schemeClr val="accent2">
+        <a:tint val="40000"/>
+        <a:alpha val="90000"/>
+      </a:schemeClr>
+      <a:schemeClr val="accent3">
+        <a:tint val="40000"/>
+        <a:alpha val="90000"/>
+      </a:schemeClr>
+      <a:schemeClr val="accent4">
+        <a:tint val="40000"/>
+        <a:alpha val="90000"/>
+      </a:schemeClr>
+      <a:schemeClr val="accent5">
+        <a:tint val="40000"/>
+        <a:alpha val="90000"/>
+      </a:schemeClr>
+      <a:schemeClr val="accent6">
+        <a:tint val="40000"/>
+        <a:alpha val="90000"/>
+      </a:schemeClr>
+    </dgm:linClrLst>
+    <dgm:effectClrLst/>
+    <dgm:txLinClrLst/>
+    <dgm:txFillClrLst meth="repeat">
+      <a:schemeClr val="dk1"/>
+    </dgm:txFillClrLst>
+    <dgm:txEffectClrLst/>
+  </dgm:styleLbl>
+  <dgm:styleLbl name="fgAcc0">
+    <dgm:fillClrLst meth="repeat">
+      <a:schemeClr val="lt1">
+        <a:alpha val="90000"/>
+      </a:schemeClr>
+    </dgm:fillClrLst>
+    <dgm:linClrLst>
+      <a:schemeClr val="accent1"/>
+    </dgm:linClrLst>
+    <dgm:effectClrLst/>
+    <dgm:txLinClrLst/>
+    <dgm:txFillClrLst meth="repeat">
+      <a:schemeClr val="dk1"/>
+    </dgm:txFillClrLst>
+    <dgm:txEffectClrLst/>
+  </dgm:styleLbl>
+  <dgm:styleLbl name="fgAcc2">
+    <dgm:fillClrLst meth="repeat">
+      <a:schemeClr val="lt1">
+        <a:alpha val="90000"/>
+      </a:schemeClr>
+    </dgm:fillClrLst>
+    <dgm:linClrLst>
+      <a:schemeClr val="accent2"/>
+    </dgm:linClrLst>
+    <dgm:effectClrLst/>
+    <dgm:txLinClrLst/>
+    <dgm:txFillClrLst meth="repeat">
+      <a:schemeClr val="dk1"/>
+    </dgm:txFillClrLst>
+    <dgm:txEffectClrLst/>
+  </dgm:styleLbl>
+  <dgm:styleLbl name="fgAcc3">
+    <dgm:fillClrLst meth="repeat">
+      <a:schemeClr val="lt1">
+        <a:alpha val="90000"/>
+      </a:schemeClr>
+    </dgm:fillClrLst>
+    <dgm:linClrLst>
+      <a:schemeClr val="accent3"/>
+    </dgm:linClrLst>
+    <dgm:effectClrLst/>
+    <dgm:txLinClrLst/>
+    <dgm:txFillClrLst meth="repeat">
+      <a:schemeClr val="dk1"/>
+    </dgm:txFillClrLst>
+    <dgm:txEffectClrLst/>
+  </dgm:styleLbl>
+  <dgm:styleLbl name="fgAcc4">
+    <dgm:fillClrLst meth="repeat">
+      <a:schemeClr val="lt1">
+        <a:alpha val="90000"/>
+      </a:schemeClr>
+    </dgm:fillClrLst>
+    <dgm:linClrLst>
+      <a:schemeClr val="accent4"/>
+    </dgm:linClrLst>
+    <dgm:effectClrLst/>
+    <dgm:txLinClrLst/>
+    <dgm:txFillClrLst meth="repeat">
+      <a:schemeClr val="dk1"/>
+    </dgm:txFillClrLst>
+    <dgm:txEffectClrLst/>
+  </dgm:styleLbl>
+  <dgm:styleLbl name="bgShp">
+    <dgm:fillClrLst meth="repeat">
+      <a:schemeClr val="accent2"/>
+      <a:schemeClr val="accent3"/>
+      <a:schemeClr val="accent4"/>
+      <a:schemeClr val="accent5"/>
+      <a:schemeClr val="accent6"/>
+    </dgm:fillClrLst>
+    <dgm:linClrLst meth="repeat">
+      <a:schemeClr val="lt1">
+        <a:alpha val="0"/>
+      </a:schemeClr>
+    </dgm:linClrLst>
+    <dgm:effectClrLst/>
+    <dgm:txLinClrLst/>
+    <dgm:txFillClrLst/>
+    <dgm:txEffectClrLst/>
+  </dgm:styleLbl>
+  <dgm:styleLbl name="dkBgShp">
+    <dgm:fillClrLst meth="repeat">
+      <a:schemeClr val="accent2">
+        <a:shade val="90000"/>
+      </a:schemeClr>
+    </dgm:fillClrLst>
+    <dgm:linClrLst meth="repeat">
+      <a:schemeClr val="dk1"/>
+    </dgm:linClrLst>
+    <dgm:effectClrLst/>
+    <dgm:txLinClrLst/>
+    <dgm:txFillClrLst meth="repeat">
+      <a:schemeClr val="lt1"/>
+    </dgm:txFillClrLst>
+    <dgm:txEffectClrLst/>
+  </dgm:styleLbl>
+  <dgm:styleLbl name="trBgShp">
+    <dgm:fillClrLst meth="repeat">
+      <a:schemeClr val="accent1">
+        <a:tint val="50000"/>
+        <a:alpha val="40000"/>
+      </a:schemeClr>
+    </dgm:fillClrLst>
+    <dgm:linClrLst meth="repeat">
+      <a:schemeClr val="accent2"/>
+    </dgm:linClrLst>
+    <dgm:effectClrLst/>
+    <dgm:txLinClrLst/>
+    <dgm:txFillClrLst meth="repeat">
+      <a:schemeClr val="lt1"/>
+    </dgm:txFillClrLst>
+    <dgm:txEffectClrLst/>
+  </dgm:styleLbl>
+  <dgm:styleLbl name="fgShp">
+    <dgm:fillClrLst meth="repeat">
+      <a:schemeClr val="accent2">
+        <a:tint val="40000"/>
+      </a:schemeClr>
+    </dgm:fillClrLst>
+    <dgm:linClrLst meth="repeat">
+      <a:schemeClr val="lt1"/>
+    </dgm:linClrLst>
+    <dgm:effectClrLst/>
+    <dgm:txLinClrLst/>
+    <dgm:txFillClrLst meth="repeat">
+      <a:schemeClr val="dk1"/>
+    </dgm:txFillClrLst>
+    <dgm:txEffectClrLst/>
+  </dgm:styleLbl>
+  <dgm:styleLbl name="revTx">
+    <dgm:fillClrLst meth="repeat">
+      <a:schemeClr val="lt1">
+        <a:alpha val="0"/>
+      </a:schemeClr>
+    </dgm:fillClrLst>
+    <dgm:linClrLst meth="repeat">
+      <a:schemeClr val="dk1">
+        <a:alpha val="0"/>
+      </a:schemeClr>
+    </dgm:linClrLst>
+    <dgm:effectClrLst/>
+    <dgm:txLinClrLst/>
+    <dgm:txFillClrLst meth="repeat">
+      <a:schemeClr val="bg1"/>
     </dgm:txFillClrLst>
     <dgm:txEffectClrLst/>
   </dgm:styleLbl>
@@ -3197,7 +4206,13 @@
     </dgm:pt>
     <dgm:pt modelId="{CB76518D-8F47-3345-AE3B-7FF6D021B1F8}">
       <dgm:prSet phldrT="[Text]"/>
-      <dgm:spPr/>
+      <dgm:spPr>
+        <a:solidFill>
+          <a:schemeClr val="accent2">
+            <a:alpha val="50000"/>
+          </a:schemeClr>
+        </a:solidFill>
+      </dgm:spPr>
       <dgm:t>
         <a:bodyPr/>
         <a:lstStyle/>
@@ -3234,7 +4249,13 @@
     </dgm:pt>
     <dgm:pt modelId="{1BE727C6-40A3-624B-BD13-4D126F98878A}">
       <dgm:prSet/>
-      <dgm:spPr/>
+      <dgm:spPr>
+        <a:solidFill>
+          <a:srgbClr val="C00000">
+            <a:alpha val="50000"/>
+          </a:srgbClr>
+        </a:solidFill>
+      </dgm:spPr>
       <dgm:t>
         <a:bodyPr/>
         <a:lstStyle/>
@@ -3270,16 +4291,25 @@
     </dgm:pt>
     <dgm:pt modelId="{A21EA086-6E9D-9F4F-866B-5A09D60C8229}">
       <dgm:prSet/>
-      <dgm:spPr/>
+      <dgm:spPr>
+        <a:solidFill>
+          <a:srgbClr val="C00000">
+            <a:alpha val="50000"/>
+          </a:srgbClr>
+        </a:solidFill>
+      </dgm:spPr>
       <dgm:t>
         <a:bodyPr/>
         <a:lstStyle/>
         <a:p>
           <a:r>
             <a:rPr lang="en-US" spc="50"/>
-            <a:t>5 Warehouse blocks utilized</a:t>
+            <a:t>Warehouse blocks </a:t>
           </a:r>
-          <a:endParaRPr lang="en-US" spc="50" dirty="0"/>
+          <a:r>
+            <a:rPr lang="en-US" spc="50" dirty="0"/>
+            <a:t>A,B,C,D,E</a:t>
+          </a:r>
         </a:p>
       </dgm:t>
     </dgm:pt>
@@ -3307,16 +4337,33 @@
     </dgm:pt>
     <dgm:pt modelId="{11B232E5-C755-504F-ACB8-A1F2C0AE2A59}">
       <dgm:prSet/>
-      <dgm:spPr/>
+      <dgm:spPr>
+        <a:solidFill>
+          <a:srgbClr val="C00000">
+            <a:alpha val="50000"/>
+          </a:srgbClr>
+        </a:solidFill>
+      </dgm:spPr>
       <dgm:t>
         <a:bodyPr/>
         <a:lstStyle/>
         <a:p>
           <a:r>
-            <a:rPr lang="en-US" spc="50"/>
-            <a:t>3 different modes of shipment</a:t>
+            <a:rPr lang="en-US" spc="50" dirty="0"/>
+            <a:t>Land</a:t>
           </a:r>
-          <a:endParaRPr lang="en-US" spc="50" dirty="0"/>
+        </a:p>
+        <a:p>
+          <a:r>
+            <a:rPr lang="en-US" spc="50" dirty="0"/>
+            <a:t>Sea and </a:t>
+          </a:r>
+        </a:p>
+        <a:p>
+          <a:r>
+            <a:rPr lang="en-US" spc="50" dirty="0"/>
+            <a:t>Air Shipments</a:t>
+          </a:r>
         </a:p>
       </dgm:t>
     </dgm:pt>
@@ -3344,7 +4391,13 @@
     </dgm:pt>
     <dgm:pt modelId="{B34C467F-4776-D242-A238-9AF515721651}">
       <dgm:prSet/>
-      <dgm:spPr/>
+      <dgm:spPr>
+        <a:solidFill>
+          <a:srgbClr val="C00000">
+            <a:alpha val="50000"/>
+          </a:srgbClr>
+        </a:solidFill>
+      </dgm:spPr>
       <dgm:t>
         <a:bodyPr/>
         <a:lstStyle/>
@@ -3456,7 +4509,7 @@
   <dgm:whole/>
   <dgm:extLst>
     <a:ext uri="http://schemas.microsoft.com/office/drawing/2008/diagram">
-      <dsp:dataModelExt xmlns:dsp="http://schemas.microsoft.com/office/drawing/2008/diagram" relId="rId7" minVer="http://schemas.openxmlformats.org/drawingml/2006/diagram"/>
+      <dsp:dataModelExt xmlns:dsp="http://schemas.microsoft.com/office/drawing/2008/diagram" relId="rId6" minVer="http://schemas.openxmlformats.org/drawingml/2006/diagram"/>
     </a:ext>
   </dgm:extLst>
 </dgm:dataModel>
@@ -3466,7 +4519,7 @@
 <dgm:dataModel xmlns:dgm="http://schemas.openxmlformats.org/drawingml/2006/diagram" xmlns:a="http://schemas.openxmlformats.org/drawingml/2006/main">
   <dgm:ptLst>
     <dgm:pt modelId="{81229073-8E9F-EF43-B4A0-F5559AC1C1EB}" type="doc">
-      <dgm:prSet loTypeId="urn:microsoft.com/office/officeart/2005/8/layout/cycle2" loCatId="cycle" qsTypeId="urn:microsoft.com/office/officeart/2005/8/quickstyle/simple1" qsCatId="simple" csTypeId="urn:microsoft.com/office/officeart/2005/8/colors/colorful2" csCatId="colorful"/>
+      <dgm:prSet loTypeId="urn:microsoft.com/office/officeart/2005/8/layout/cycle2" loCatId="cycle" qsTypeId="urn:microsoft.com/office/officeart/2005/8/quickstyle/simple1" qsCatId="simple" csTypeId="urn:microsoft.com/office/officeart/2005/8/colors/accent3_4" csCatId="accent3" phldr="1"/>
       <dgm:spPr/>
       <dgm:t>
         <a:bodyPr/>
@@ -3484,8 +4537,8 @@
         <a:lstStyle/>
         <a:p>
           <a:r>
-            <a:rPr lang="en-US"/>
-            <a:t>Logistic Regression</a:t>
+            <a:rPr lang="en-US" dirty="0"/>
+            <a:t>Data Discovery </a:t>
           </a:r>
         </a:p>
       </dgm:t>
@@ -3520,9 +4573,14 @@
         <a:lstStyle/>
         <a:p>
           <a:r>
-            <a:rPr lang="en-US"/>
-            <a:t>Random Forest</a:t>
+            <a:rPr lang="en-US" dirty="0"/>
+            <a:t>Data </a:t>
           </a:r>
+          <a:r>
+            <a:rPr lang="en-US" dirty="0" err="1"/>
+            <a:t>Preperation</a:t>
+          </a:r>
+          <a:endParaRPr lang="en-US" dirty="0"/>
         </a:p>
       </dgm:t>
     </dgm:pt>
@@ -3556,8 +4614,12 @@
         <a:lstStyle/>
         <a:p>
           <a:r>
-            <a:rPr lang="en-US"/>
-            <a:t>Support Vector Machines</a:t>
+            <a:rPr lang="en-US" dirty="0" err="1"/>
+            <a:t>Intitial</a:t>
+          </a:r>
+          <a:r>
+            <a:rPr lang="en-US" dirty="0"/>
+            <a:t> Model</a:t>
           </a:r>
         </a:p>
       </dgm:t>
@@ -3592,8 +4654,8 @@
         <a:lstStyle/>
         <a:p>
           <a:r>
-            <a:rPr lang="en-US"/>
-            <a:t>Random and Grid Search</a:t>
+            <a:rPr lang="en-US" dirty="0"/>
+            <a:t>Model Tuning and evaluation</a:t>
           </a:r>
         </a:p>
       </dgm:t>
@@ -3788,7 +4850,7 @@
   <dgm:whole/>
   <dgm:extLst>
     <a:ext uri="http://schemas.microsoft.com/office/drawing/2008/diagram">
-      <dsp:dataModelExt xmlns:dsp="http://schemas.microsoft.com/office/drawing/2008/diagram" relId="rId7" minVer="http://schemas.openxmlformats.org/drawingml/2006/diagram"/>
+      <dsp:dataModelExt xmlns:dsp="http://schemas.microsoft.com/office/drawing/2008/diagram" relId="rId6" minVer="http://schemas.openxmlformats.org/drawingml/2006/diagram"/>
     </a:ext>
   </dgm:extLst>
 </dgm:dataModel>
@@ -3984,7 +5046,7 @@
   <dgm:whole/>
   <dgm:extLst>
     <a:ext uri="http://schemas.microsoft.com/office/drawing/2008/diagram">
-      <dsp:dataModelExt xmlns:dsp="http://schemas.microsoft.com/office/drawing/2008/diagram" relId="rId7" minVer="http://schemas.openxmlformats.org/drawingml/2006/diagram"/>
+      <dsp:dataModelExt xmlns:dsp="http://schemas.microsoft.com/office/drawing/2008/diagram" relId="rId6" minVer="http://schemas.openxmlformats.org/drawingml/2006/diagram"/>
     </a:ext>
   </dgm:extLst>
 </dgm:dataModel>
@@ -4122,7 +5184,7 @@
           <a:pPr algn="ctr"/>
           <a:r>
             <a:rPr lang="en-US" dirty="0"/>
-            <a:t>Increase the amount of samples and focus the data on more qualitative features</a:t>
+            <a:t>Increase the number of samples and focus the data on more qualitative features</a:t>
           </a:r>
         </a:p>
       </dgm:t>
@@ -4158,9 +5220,10 @@
         <a:p>
           <a:pPr algn="ctr"/>
           <a:r>
-            <a:rPr lang="en-US" dirty="0"/>
-            <a:t>Increasing the accuracy of the of the predictive model</a:t>
+            <a:rPr lang="en-US"/>
+            <a:t>Increasing the accuracy of the predictive model</a:t>
           </a:r>
+          <a:endParaRPr lang="en-US" dirty="0"/>
         </a:p>
       </dgm:t>
     </dgm:pt>
@@ -4195,9 +5258,10 @@
         <a:p>
           <a:pPr algn="ctr"/>
           <a:r>
-            <a:rPr lang="en-US" dirty="0"/>
+            <a:rPr lang="en-US"/>
             <a:t>Include time series data into the data set to determine whether different times of the year have an effect</a:t>
           </a:r>
+          <a:endParaRPr lang="en-US" dirty="0"/>
         </a:p>
       </dgm:t>
     </dgm:pt>
@@ -4306,36 +5370,524 @@
     </dgm:pt>
   </dgm:ptLst>
   <dgm:cxnLst>
-    <dgm:cxn modelId="{FE974F01-1353-A749-8A1D-4D8B598B6ACD}" type="presOf" srcId="{AAB5688C-FE0C-5547-86F4-E113B2738354}" destId="{CBAC0619-D906-8E4F-9296-00C305B4369F}" srcOrd="0" destOrd="0" presId="urn:microsoft.com/office/officeart/2005/8/layout/chevron2"/>
-    <dgm:cxn modelId="{6D36202A-79AA-E040-BF50-14A4B7B2541A}" type="presOf" srcId="{35B2C3DB-0775-B646-989E-CB9D896FD3A6}" destId="{4440EA4F-C2D5-E540-B884-66717D7B198B}" srcOrd="0" destOrd="0" presId="urn:microsoft.com/office/officeart/2005/8/layout/chevron2"/>
-    <dgm:cxn modelId="{9516EF39-A94E-A44B-8BE8-76CED8AE93B2}" type="presOf" srcId="{B63CAD58-90C5-E047-9A6E-49FB3DFC158D}" destId="{26E14BE1-3271-9E45-9133-451D41965FE6}" srcOrd="0" destOrd="0" presId="urn:microsoft.com/office/officeart/2005/8/layout/chevron2"/>
+    <dgm:cxn modelId="{AA257A03-06A2-9444-AF3C-D4595608B871}" type="presOf" srcId="{502FDA97-150A-1647-9436-23342E50582E}" destId="{F5C8CD59-2B85-7646-80E7-006BB3553C17}" srcOrd="0" destOrd="0" presId="urn:microsoft.com/office/officeart/2005/8/layout/chevron2"/>
+    <dgm:cxn modelId="{EB2B6D08-CE1D-3749-B9A5-E6412F23C376}" type="presOf" srcId="{1F47A755-669E-6045-9206-9D40B2D3B4A9}" destId="{8FB77DD7-24E0-8B4F-A2B5-511C89D4E9EF}" srcOrd="0" destOrd="0" presId="urn:microsoft.com/office/officeart/2005/8/layout/chevron2"/>
+    <dgm:cxn modelId="{8E29B80A-6F6D-CB46-8DB7-8113E7F737FB}" type="presOf" srcId="{679E22BE-0E2A-6145-BCDD-3237F0AE2E9E}" destId="{19FB092A-6C29-1441-93C2-53CBF351557D}" srcOrd="0" destOrd="0" presId="urn:microsoft.com/office/officeart/2005/8/layout/chevron2"/>
     <dgm:cxn modelId="{47F32F3F-8F78-414C-BC44-49BF82B4365C}" srcId="{679E22BE-0E2A-6145-BCDD-3237F0AE2E9E}" destId="{502FDA97-150A-1647-9436-23342E50582E}" srcOrd="0" destOrd="0" parTransId="{3988636D-59B2-9942-8D21-17C61DD98711}" sibTransId="{6E0431A0-1845-F742-B628-7EA5199132A0}"/>
     <dgm:cxn modelId="{AA9AA641-A09C-8640-8B53-34A791E51CB7}" srcId="{679E22BE-0E2A-6145-BCDD-3237F0AE2E9E}" destId="{B63CAD58-90C5-E047-9A6E-49FB3DFC158D}" srcOrd="1" destOrd="0" parTransId="{5B8D089F-88D8-4140-BA82-75B96CC01885}" sibTransId="{5F42C0F7-5E28-EE40-992F-A8F22B787754}"/>
-    <dgm:cxn modelId="{86CA4074-0443-1C4E-884A-E04130DC58B9}" type="presOf" srcId="{33B76ACE-F8FE-EA4D-994F-96D5E4FEDB52}" destId="{F372360A-A6F3-BA4D-B8E5-FA9E6E608479}" srcOrd="0" destOrd="0" presId="urn:microsoft.com/office/officeart/2005/8/layout/chevron2"/>
-    <dgm:cxn modelId="{88895F7C-5DEE-4C46-9E52-729A735F6059}" type="presOf" srcId="{1F47A755-669E-6045-9206-9D40B2D3B4A9}" destId="{8FB77DD7-24E0-8B4F-A2B5-511C89D4E9EF}" srcOrd="0" destOrd="0" presId="urn:microsoft.com/office/officeart/2005/8/layout/chevron2"/>
+    <dgm:cxn modelId="{1E719963-CDB4-8E41-9CE8-B4857A212797}" type="presOf" srcId="{35B2C3DB-0775-B646-989E-CB9D896FD3A6}" destId="{4440EA4F-C2D5-E540-B884-66717D7B198B}" srcOrd="0" destOrd="0" presId="urn:microsoft.com/office/officeart/2005/8/layout/chevron2"/>
     <dgm:cxn modelId="{2CA7C383-D589-3C44-9359-D5CF7075809B}" srcId="{679E22BE-0E2A-6145-BCDD-3237F0AE2E9E}" destId="{35B2C3DB-0775-B646-989E-CB9D896FD3A6}" srcOrd="2" destOrd="0" parTransId="{79BD6F49-1A11-0543-BBEE-C6754D8097B2}" sibTransId="{7EC7A202-7C55-434D-AA65-DB1629C4D618}"/>
-    <dgm:cxn modelId="{46E281B7-7689-F44F-94BF-90817CDAF1EE}" type="presOf" srcId="{502FDA97-150A-1647-9436-23342E50582E}" destId="{F5C8CD59-2B85-7646-80E7-006BB3553C17}" srcOrd="0" destOrd="0" presId="urn:microsoft.com/office/officeart/2005/8/layout/chevron2"/>
+    <dgm:cxn modelId="{EED90FAA-4C13-E542-BF07-3236A907B235}" type="presOf" srcId="{33B76ACE-F8FE-EA4D-994F-96D5E4FEDB52}" destId="{F372360A-A6F3-BA4D-B8E5-FA9E6E608479}" srcOrd="0" destOrd="0" presId="urn:microsoft.com/office/officeart/2005/8/layout/chevron2"/>
+    <dgm:cxn modelId="{AF21DDBA-1316-4E41-8619-1C3D05D285AC}" type="presOf" srcId="{AAB5688C-FE0C-5547-86F4-E113B2738354}" destId="{CBAC0619-D906-8E4F-9296-00C305B4369F}" srcOrd="0" destOrd="0" presId="urn:microsoft.com/office/officeart/2005/8/layout/chevron2"/>
+    <dgm:cxn modelId="{0B7EF7C0-A19E-FA40-8F51-6930AA8DE159}" type="presOf" srcId="{B63CAD58-90C5-E047-9A6E-49FB3DFC158D}" destId="{26E14BE1-3271-9E45-9133-451D41965FE6}" srcOrd="0" destOrd="0" presId="urn:microsoft.com/office/officeart/2005/8/layout/chevron2"/>
     <dgm:cxn modelId="{51551CCA-A2BD-204C-BA2E-2E3D0D4FF8E4}" srcId="{502FDA97-150A-1647-9436-23342E50582E}" destId="{33B76ACE-F8FE-EA4D-994F-96D5E4FEDB52}" srcOrd="0" destOrd="0" parTransId="{BA879AD9-0F22-E04E-BAEA-CA9915F9D1B5}" sibTransId="{72299F7D-475B-4140-8576-028AAB597B1A}"/>
-    <dgm:cxn modelId="{9B4ED1D7-6619-0C45-89C5-C7C610BAE3E1}" type="presOf" srcId="{679E22BE-0E2A-6145-BCDD-3237F0AE2E9E}" destId="{19FB092A-6C29-1441-93C2-53CBF351557D}" srcOrd="0" destOrd="0" presId="urn:microsoft.com/office/officeart/2005/8/layout/chevron2"/>
     <dgm:cxn modelId="{C8CB29D8-A26E-E343-AF23-9864422E2D4A}" srcId="{B63CAD58-90C5-E047-9A6E-49FB3DFC158D}" destId="{1F47A755-669E-6045-9206-9D40B2D3B4A9}" srcOrd="0" destOrd="0" parTransId="{0E7363AA-74E5-8043-83B0-BC44B44EE560}" sibTransId="{C0BC3CE6-BDB3-4246-B423-70EF8920EE91}"/>
     <dgm:cxn modelId="{DD8958DB-36EB-9F45-935F-8F75194DE7D0}" srcId="{35B2C3DB-0775-B646-989E-CB9D896FD3A6}" destId="{AAB5688C-FE0C-5547-86F4-E113B2738354}" srcOrd="0" destOrd="0" parTransId="{DC8114D6-6611-7D4B-91EE-02EC33246D8A}" sibTransId="{A39FAC6C-75B4-B249-820D-A9689DAF2E9F}"/>
-    <dgm:cxn modelId="{635EB28A-4462-FE45-8D5C-A55D508E0005}" type="presParOf" srcId="{19FB092A-6C29-1441-93C2-53CBF351557D}" destId="{338D4FA3-7901-7D44-BC59-1DAE459951FC}" srcOrd="0" destOrd="0" presId="urn:microsoft.com/office/officeart/2005/8/layout/chevron2"/>
-    <dgm:cxn modelId="{BB5147C6-71D5-8443-86DE-3DA22E0544BB}" type="presParOf" srcId="{338D4FA3-7901-7D44-BC59-1DAE459951FC}" destId="{F5C8CD59-2B85-7646-80E7-006BB3553C17}" srcOrd="0" destOrd="0" presId="urn:microsoft.com/office/officeart/2005/8/layout/chevron2"/>
-    <dgm:cxn modelId="{92030710-763A-CE42-B6BA-4E1129D5F9EC}" type="presParOf" srcId="{338D4FA3-7901-7D44-BC59-1DAE459951FC}" destId="{F372360A-A6F3-BA4D-B8E5-FA9E6E608479}" srcOrd="1" destOrd="0" presId="urn:microsoft.com/office/officeart/2005/8/layout/chevron2"/>
-    <dgm:cxn modelId="{421F73B0-14C7-C644-9D5B-646472C4DF0C}" type="presParOf" srcId="{19FB092A-6C29-1441-93C2-53CBF351557D}" destId="{8DE381C3-4A02-3541-98A9-E3BB2527216B}" srcOrd="1" destOrd="0" presId="urn:microsoft.com/office/officeart/2005/8/layout/chevron2"/>
-    <dgm:cxn modelId="{B48E31F9-4C2D-6544-9B86-0B7DB3162538}" type="presParOf" srcId="{19FB092A-6C29-1441-93C2-53CBF351557D}" destId="{C2CF9A70-0756-3144-AFFF-9CD519293554}" srcOrd="2" destOrd="0" presId="urn:microsoft.com/office/officeart/2005/8/layout/chevron2"/>
-    <dgm:cxn modelId="{252DB4BD-468F-464D-8005-B43E5FD9209C}" type="presParOf" srcId="{C2CF9A70-0756-3144-AFFF-9CD519293554}" destId="{26E14BE1-3271-9E45-9133-451D41965FE6}" srcOrd="0" destOrd="0" presId="urn:microsoft.com/office/officeart/2005/8/layout/chevron2"/>
-    <dgm:cxn modelId="{D2054E08-9958-5649-94C4-1B40B8643C45}" type="presParOf" srcId="{C2CF9A70-0756-3144-AFFF-9CD519293554}" destId="{8FB77DD7-24E0-8B4F-A2B5-511C89D4E9EF}" srcOrd="1" destOrd="0" presId="urn:microsoft.com/office/officeart/2005/8/layout/chevron2"/>
-    <dgm:cxn modelId="{41690D84-7659-1745-85EF-F48BBECA3856}" type="presParOf" srcId="{19FB092A-6C29-1441-93C2-53CBF351557D}" destId="{243607C1-33C4-9147-B1EB-CD7A78A89090}" srcOrd="3" destOrd="0" presId="urn:microsoft.com/office/officeart/2005/8/layout/chevron2"/>
-    <dgm:cxn modelId="{DF99D20D-D707-7146-80DB-1AADD61B9E26}" type="presParOf" srcId="{19FB092A-6C29-1441-93C2-53CBF351557D}" destId="{47AEA165-7DF8-6D4F-8927-3AC083FDCEAD}" srcOrd="4" destOrd="0" presId="urn:microsoft.com/office/officeart/2005/8/layout/chevron2"/>
-    <dgm:cxn modelId="{FFD1797B-33E7-1E49-A4A5-803E9EDC04BB}" type="presParOf" srcId="{47AEA165-7DF8-6D4F-8927-3AC083FDCEAD}" destId="{4440EA4F-C2D5-E540-B884-66717D7B198B}" srcOrd="0" destOrd="0" presId="urn:microsoft.com/office/officeart/2005/8/layout/chevron2"/>
-    <dgm:cxn modelId="{A8A079CE-71E9-CF43-8656-E268940BC630}" type="presParOf" srcId="{47AEA165-7DF8-6D4F-8927-3AC083FDCEAD}" destId="{CBAC0619-D906-8E4F-9296-00C305B4369F}" srcOrd="1" destOrd="0" presId="urn:microsoft.com/office/officeart/2005/8/layout/chevron2"/>
+    <dgm:cxn modelId="{B215388B-174E-5842-A33D-382D5CAC4AE4}" type="presParOf" srcId="{19FB092A-6C29-1441-93C2-53CBF351557D}" destId="{338D4FA3-7901-7D44-BC59-1DAE459951FC}" srcOrd="0" destOrd="0" presId="urn:microsoft.com/office/officeart/2005/8/layout/chevron2"/>
+    <dgm:cxn modelId="{8FACCED2-1D28-4143-B40E-98CD09DD118B}" type="presParOf" srcId="{338D4FA3-7901-7D44-BC59-1DAE459951FC}" destId="{F5C8CD59-2B85-7646-80E7-006BB3553C17}" srcOrd="0" destOrd="0" presId="urn:microsoft.com/office/officeart/2005/8/layout/chevron2"/>
+    <dgm:cxn modelId="{C2D8E58A-12ED-CB40-956A-1973BC960763}" type="presParOf" srcId="{338D4FA3-7901-7D44-BC59-1DAE459951FC}" destId="{F372360A-A6F3-BA4D-B8E5-FA9E6E608479}" srcOrd="1" destOrd="0" presId="urn:microsoft.com/office/officeart/2005/8/layout/chevron2"/>
+    <dgm:cxn modelId="{16B1968F-1891-B44F-B7F1-C609F7B79B42}" type="presParOf" srcId="{19FB092A-6C29-1441-93C2-53CBF351557D}" destId="{8DE381C3-4A02-3541-98A9-E3BB2527216B}" srcOrd="1" destOrd="0" presId="urn:microsoft.com/office/officeart/2005/8/layout/chevron2"/>
+    <dgm:cxn modelId="{1474DF8E-1096-F54A-AF0B-6CD4B5ED2E4A}" type="presParOf" srcId="{19FB092A-6C29-1441-93C2-53CBF351557D}" destId="{C2CF9A70-0756-3144-AFFF-9CD519293554}" srcOrd="2" destOrd="0" presId="urn:microsoft.com/office/officeart/2005/8/layout/chevron2"/>
+    <dgm:cxn modelId="{89D219D4-BDCF-F943-B833-CA4BC526A788}" type="presParOf" srcId="{C2CF9A70-0756-3144-AFFF-9CD519293554}" destId="{26E14BE1-3271-9E45-9133-451D41965FE6}" srcOrd="0" destOrd="0" presId="urn:microsoft.com/office/officeart/2005/8/layout/chevron2"/>
+    <dgm:cxn modelId="{4F393382-F7CB-9D4C-B7AB-4B3B510287F5}" type="presParOf" srcId="{C2CF9A70-0756-3144-AFFF-9CD519293554}" destId="{8FB77DD7-24E0-8B4F-A2B5-511C89D4E9EF}" srcOrd="1" destOrd="0" presId="urn:microsoft.com/office/officeart/2005/8/layout/chevron2"/>
+    <dgm:cxn modelId="{7BB05917-CF78-2E41-B9F2-D60B82147AB4}" type="presParOf" srcId="{19FB092A-6C29-1441-93C2-53CBF351557D}" destId="{243607C1-33C4-9147-B1EB-CD7A78A89090}" srcOrd="3" destOrd="0" presId="urn:microsoft.com/office/officeart/2005/8/layout/chevron2"/>
+    <dgm:cxn modelId="{CFC301BB-1AA9-3E42-BFD3-791340375C7F}" type="presParOf" srcId="{19FB092A-6C29-1441-93C2-53CBF351557D}" destId="{47AEA165-7DF8-6D4F-8927-3AC083FDCEAD}" srcOrd="4" destOrd="0" presId="urn:microsoft.com/office/officeart/2005/8/layout/chevron2"/>
+    <dgm:cxn modelId="{C2EB10AD-422D-1B41-83B0-EA373CCD9FEA}" type="presParOf" srcId="{47AEA165-7DF8-6D4F-8927-3AC083FDCEAD}" destId="{4440EA4F-C2D5-E540-B884-66717D7B198B}" srcOrd="0" destOrd="0" presId="urn:microsoft.com/office/officeart/2005/8/layout/chevron2"/>
+    <dgm:cxn modelId="{1A3A00F1-D5DE-7844-A971-C9FB024DCA63}" type="presParOf" srcId="{47AEA165-7DF8-6D4F-8927-3AC083FDCEAD}" destId="{CBAC0619-D906-8E4F-9296-00C305B4369F}" srcOrd="1" destOrd="0" presId="urn:microsoft.com/office/officeart/2005/8/layout/chevron2"/>
   </dgm:cxnLst>
   <dgm:bg/>
   <dgm:whole/>
   <dgm:extLst>
     <a:ext uri="http://schemas.microsoft.com/office/drawing/2008/diagram">
-      <dsp:dataModelExt xmlns:dsp="http://schemas.microsoft.com/office/drawing/2008/diagram" relId="rId7" minVer="http://schemas.openxmlformats.org/drawingml/2006/diagram"/>
+      <dsp:dataModelExt xmlns:dsp="http://schemas.microsoft.com/office/drawing/2008/diagram" relId="rId6" minVer="http://schemas.openxmlformats.org/drawingml/2006/diagram"/>
+    </a:ext>
+  </dgm:extLst>
+</dgm:dataModel>
+</file>
+
+<file path=ppt/diagrams/data5.xml><?xml version="1.0" encoding="utf-8"?>
+<dgm:dataModel xmlns:dgm="http://schemas.openxmlformats.org/drawingml/2006/diagram" xmlns:a="http://schemas.openxmlformats.org/drawingml/2006/main">
+  <dgm:ptLst>
+    <dgm:pt modelId="{679E22BE-0E2A-6145-BCDD-3237F0AE2E9E}" type="doc">
+      <dgm:prSet loTypeId="urn:microsoft.com/office/officeart/2018/2/layout/IconVerticalSolidList" loCatId="icon" qsTypeId="urn:microsoft.com/office/officeart/2005/8/quickstyle/simple1" qsCatId="simple" csTypeId="urn:microsoft.com/office/officeart/2018/5/colors/Iconchunking_neutralicontext_colorful1" csCatId="colorful" phldr="1"/>
+      <dgm:spPr/>
+      <dgm:t>
+        <a:bodyPr/>
+        <a:lstStyle/>
+        <a:p>
+          <a:endParaRPr lang="en-US"/>
+        </a:p>
+      </dgm:t>
+    </dgm:pt>
+    <dgm:pt modelId="{502FDA97-150A-1647-9436-23342E50582E}">
+      <dgm:prSet/>
+      <dgm:spPr/>
+      <dgm:t>
+        <a:bodyPr/>
+        <a:lstStyle/>
+        <a:p>
+          <a:pPr>
+            <a:lnSpc>
+              <a:spcPct val="100000"/>
+            </a:lnSpc>
+          </a:pPr>
+          <a:r>
+            <a:rPr lang="en-US"/>
+            <a:t>Discount Offered</a:t>
+          </a:r>
+        </a:p>
+      </dgm:t>
+    </dgm:pt>
+    <dgm:pt modelId="{3988636D-59B2-9942-8D21-17C61DD98711}" type="parTrans" cxnId="{47F32F3F-8F78-414C-BC44-49BF82B4365C}">
+      <dgm:prSet/>
+      <dgm:spPr/>
+      <dgm:t>
+        <a:bodyPr/>
+        <a:lstStyle/>
+        <a:p>
+          <a:endParaRPr lang="en-US"/>
+        </a:p>
+      </dgm:t>
+    </dgm:pt>
+    <dgm:pt modelId="{6E0431A0-1845-F742-B628-7EA5199132A0}" type="sibTrans" cxnId="{47F32F3F-8F78-414C-BC44-49BF82B4365C}">
+      <dgm:prSet/>
+      <dgm:spPr/>
+      <dgm:t>
+        <a:bodyPr/>
+        <a:lstStyle/>
+        <a:p>
+          <a:endParaRPr lang="en-US"/>
+        </a:p>
+      </dgm:t>
+    </dgm:pt>
+    <dgm:pt modelId="{B63CAD58-90C5-E047-9A6E-49FB3DFC158D}">
+      <dgm:prSet/>
+      <dgm:spPr/>
+      <dgm:t>
+        <a:bodyPr/>
+        <a:lstStyle/>
+        <a:p>
+          <a:pPr>
+            <a:lnSpc>
+              <a:spcPct val="100000"/>
+            </a:lnSpc>
+          </a:pPr>
+          <a:r>
+            <a:rPr lang="en-US"/>
+            <a:t>Product Weight</a:t>
+          </a:r>
+        </a:p>
+      </dgm:t>
+    </dgm:pt>
+    <dgm:pt modelId="{5B8D089F-88D8-4140-BA82-75B96CC01885}" type="parTrans" cxnId="{AA9AA641-A09C-8640-8B53-34A791E51CB7}">
+      <dgm:prSet/>
+      <dgm:spPr/>
+      <dgm:t>
+        <a:bodyPr/>
+        <a:lstStyle/>
+        <a:p>
+          <a:endParaRPr lang="en-US"/>
+        </a:p>
+      </dgm:t>
+    </dgm:pt>
+    <dgm:pt modelId="{5F42C0F7-5E28-EE40-992F-A8F22B787754}" type="sibTrans" cxnId="{AA9AA641-A09C-8640-8B53-34A791E51CB7}">
+      <dgm:prSet/>
+      <dgm:spPr/>
+      <dgm:t>
+        <a:bodyPr/>
+        <a:lstStyle/>
+        <a:p>
+          <a:endParaRPr lang="en-US"/>
+        </a:p>
+      </dgm:t>
+    </dgm:pt>
+    <dgm:pt modelId="{35B2C3DB-0775-B646-989E-CB9D896FD3A6}">
+      <dgm:prSet/>
+      <dgm:spPr/>
+      <dgm:t>
+        <a:bodyPr/>
+        <a:lstStyle/>
+        <a:p>
+          <a:pPr>
+            <a:lnSpc>
+              <a:spcPct val="100000"/>
+            </a:lnSpc>
+          </a:pPr>
+          <a:r>
+            <a:rPr lang="en-US"/>
+            <a:t>Cost of the produce</a:t>
+          </a:r>
+        </a:p>
+      </dgm:t>
+    </dgm:pt>
+    <dgm:pt modelId="{79BD6F49-1A11-0543-BBEE-C6754D8097B2}" type="parTrans" cxnId="{2CA7C383-D589-3C44-9359-D5CF7075809B}">
+      <dgm:prSet/>
+      <dgm:spPr/>
+      <dgm:t>
+        <a:bodyPr/>
+        <a:lstStyle/>
+        <a:p>
+          <a:endParaRPr lang="en-US"/>
+        </a:p>
+      </dgm:t>
+    </dgm:pt>
+    <dgm:pt modelId="{7EC7A202-7C55-434D-AA65-DB1629C4D618}" type="sibTrans" cxnId="{2CA7C383-D589-3C44-9359-D5CF7075809B}">
+      <dgm:prSet/>
+      <dgm:spPr/>
+      <dgm:t>
+        <a:bodyPr/>
+        <a:lstStyle/>
+        <a:p>
+          <a:endParaRPr lang="en-US"/>
+        </a:p>
+      </dgm:t>
+    </dgm:pt>
+    <dgm:pt modelId="{33B76ACE-F8FE-EA4D-994F-96D5E4FEDB52}">
+      <dgm:prSet/>
+      <dgm:spPr/>
+      <dgm:t>
+        <a:bodyPr/>
+        <a:lstStyle/>
+        <a:p>
+          <a:pPr>
+            <a:lnSpc>
+              <a:spcPct val="100000"/>
+            </a:lnSpc>
+          </a:pPr>
+          <a:r>
+            <a:rPr lang="en-US"/>
+            <a:t>Prepare for when a product is going to be discounted by creating a space in the warehouse for those product</a:t>
+          </a:r>
+        </a:p>
+      </dgm:t>
+    </dgm:pt>
+    <dgm:pt modelId="{BA879AD9-0F22-E04E-BAEA-CA9915F9D1B5}" type="parTrans" cxnId="{51551CCA-A2BD-204C-BA2E-2E3D0D4FF8E4}">
+      <dgm:prSet/>
+      <dgm:spPr/>
+      <dgm:t>
+        <a:bodyPr/>
+        <a:lstStyle/>
+        <a:p>
+          <a:endParaRPr lang="en-US"/>
+        </a:p>
+      </dgm:t>
+    </dgm:pt>
+    <dgm:pt modelId="{72299F7D-475B-4140-8576-028AAB597B1A}" type="sibTrans" cxnId="{51551CCA-A2BD-204C-BA2E-2E3D0D4FF8E4}">
+      <dgm:prSet/>
+      <dgm:spPr/>
+      <dgm:t>
+        <a:bodyPr/>
+        <a:lstStyle/>
+        <a:p>
+          <a:endParaRPr lang="en-US"/>
+        </a:p>
+      </dgm:t>
+    </dgm:pt>
+    <dgm:pt modelId="{1F47A755-669E-6045-9206-9D40B2D3B4A9}">
+      <dgm:prSet/>
+      <dgm:spPr/>
+      <dgm:t>
+        <a:bodyPr/>
+        <a:lstStyle/>
+        <a:p>
+          <a:pPr>
+            <a:lnSpc>
+              <a:spcPct val="100000"/>
+            </a:lnSpc>
+          </a:pPr>
+          <a:r>
+            <a:rPr lang="en-US"/>
+            <a:t>Create a warehouse Block which handles all larger products with train staff to handle more efficientl</a:t>
+          </a:r>
+        </a:p>
+      </dgm:t>
+    </dgm:pt>
+    <dgm:pt modelId="{0E7363AA-74E5-8043-83B0-BC44B44EE560}" type="parTrans" cxnId="{C8CB29D8-A26E-E343-AF23-9864422E2D4A}">
+      <dgm:prSet/>
+      <dgm:spPr/>
+      <dgm:t>
+        <a:bodyPr/>
+        <a:lstStyle/>
+        <a:p>
+          <a:endParaRPr lang="en-US"/>
+        </a:p>
+      </dgm:t>
+    </dgm:pt>
+    <dgm:pt modelId="{C0BC3CE6-BDB3-4246-B423-70EF8920EE91}" type="sibTrans" cxnId="{C8CB29D8-A26E-E343-AF23-9864422E2D4A}">
+      <dgm:prSet/>
+      <dgm:spPr/>
+      <dgm:t>
+        <a:bodyPr/>
+        <a:lstStyle/>
+        <a:p>
+          <a:endParaRPr lang="en-US"/>
+        </a:p>
+      </dgm:t>
+    </dgm:pt>
+    <dgm:pt modelId="{AAB5688C-FE0C-5547-86F4-E113B2738354}">
+      <dgm:prSet/>
+      <dgm:spPr/>
+      <dgm:t>
+        <a:bodyPr/>
+        <a:lstStyle/>
+        <a:p>
+          <a:pPr>
+            <a:lnSpc>
+              <a:spcPct val="100000"/>
+            </a:lnSpc>
+          </a:pPr>
+          <a:r>
+            <a:rPr lang="en-US"/>
+            <a:t>Segregate the product of higher cost and set up a rapid deployment process for these goods</a:t>
+          </a:r>
+        </a:p>
+      </dgm:t>
+    </dgm:pt>
+    <dgm:pt modelId="{DC8114D6-6611-7D4B-91EE-02EC33246D8A}" type="parTrans" cxnId="{DD8958DB-36EB-9F45-935F-8F75194DE7D0}">
+      <dgm:prSet/>
+      <dgm:spPr/>
+      <dgm:t>
+        <a:bodyPr/>
+        <a:lstStyle/>
+        <a:p>
+          <a:endParaRPr lang="en-US"/>
+        </a:p>
+      </dgm:t>
+    </dgm:pt>
+    <dgm:pt modelId="{A39FAC6C-75B4-B249-820D-A9689DAF2E9F}" type="sibTrans" cxnId="{DD8958DB-36EB-9F45-935F-8F75194DE7D0}">
+      <dgm:prSet/>
+      <dgm:spPr/>
+      <dgm:t>
+        <a:bodyPr/>
+        <a:lstStyle/>
+        <a:p>
+          <a:endParaRPr lang="en-US"/>
+        </a:p>
+      </dgm:t>
+    </dgm:pt>
+    <dgm:pt modelId="{E8922B59-A416-4418-802A-DB194BD9B5F5}" type="pres">
+      <dgm:prSet presAssocID="{679E22BE-0E2A-6145-BCDD-3237F0AE2E9E}" presName="root" presStyleCnt="0">
+        <dgm:presLayoutVars>
+          <dgm:dir/>
+          <dgm:resizeHandles val="exact"/>
+        </dgm:presLayoutVars>
+      </dgm:prSet>
+      <dgm:spPr/>
+    </dgm:pt>
+    <dgm:pt modelId="{170E7A13-4B73-4A0B-BEDC-85E93502B9D9}" type="pres">
+      <dgm:prSet presAssocID="{502FDA97-150A-1647-9436-23342E50582E}" presName="compNode" presStyleCnt="0"/>
+      <dgm:spPr/>
+    </dgm:pt>
+    <dgm:pt modelId="{B48ACCA5-5301-488C-A9F8-25FE0F72B1E1}" type="pres">
+      <dgm:prSet presAssocID="{502FDA97-150A-1647-9436-23342E50582E}" presName="bgRect" presStyleLbl="bgShp" presStyleIdx="0" presStyleCnt="3"/>
+      <dgm:spPr/>
+    </dgm:pt>
+    <dgm:pt modelId="{70C4AC8B-8D1F-4838-ABC3-C1375E8AB5DE}" type="pres">
+      <dgm:prSet presAssocID="{502FDA97-150A-1647-9436-23342E50582E}" presName="iconRect" presStyleLbl="node1" presStyleIdx="0" presStyleCnt="3"/>
+      <dgm:spPr>
+        <a:blipFill>
+          <a:blip xmlns:r="http://schemas.openxmlformats.org/officeDocument/2006/relationships" r:embed="rId1">
+            <a:extLst>
+              <a:ext uri="{28A0092B-C50C-407E-A947-70E740481C1C}">
+                <a14:useLocalDpi xmlns:a14="http://schemas.microsoft.com/office/drawing/2010/main" val="0"/>
+              </a:ext>
+              <a:ext uri="{96DAC541-7B7A-43D3-8B79-37D633B846F1}">
+                <asvg:svgBlip xmlns:asvg="http://schemas.microsoft.com/office/drawing/2016/SVG/main" r:embed="rId2"/>
+              </a:ext>
+            </a:extLst>
+          </a:blip>
+          <a:stretch>
+            <a:fillRect/>
+          </a:stretch>
+        </a:blipFill>
+        <a:ln>
+          <a:noFill/>
+        </a:ln>
+      </dgm:spPr>
+      <dgm:extLst>
+        <a:ext uri="{E40237B7-FDA0-4F09-8148-C483321AD2D9}">
+          <dgm14:cNvPr xmlns:dgm14="http://schemas.microsoft.com/office/drawing/2010/diagram" id="0" name="" descr="Tag"/>
+        </a:ext>
+      </dgm:extLst>
+    </dgm:pt>
+    <dgm:pt modelId="{39ACF1EF-9B1A-47CC-959E-6D43AFF17AB6}" type="pres">
+      <dgm:prSet presAssocID="{502FDA97-150A-1647-9436-23342E50582E}" presName="spaceRect" presStyleCnt="0"/>
+      <dgm:spPr/>
+    </dgm:pt>
+    <dgm:pt modelId="{D04752A0-1A14-4753-9124-AD9913AF21BF}" type="pres">
+      <dgm:prSet presAssocID="{502FDA97-150A-1647-9436-23342E50582E}" presName="parTx" presStyleLbl="revTx" presStyleIdx="0" presStyleCnt="6">
+        <dgm:presLayoutVars>
+          <dgm:chMax val="0"/>
+          <dgm:chPref val="0"/>
+        </dgm:presLayoutVars>
+      </dgm:prSet>
+      <dgm:spPr/>
+    </dgm:pt>
+    <dgm:pt modelId="{8D17C29F-BC53-44DE-8B3F-8055C53641FB}" type="pres">
+      <dgm:prSet presAssocID="{502FDA97-150A-1647-9436-23342E50582E}" presName="desTx" presStyleLbl="revTx" presStyleIdx="1" presStyleCnt="6">
+        <dgm:presLayoutVars/>
+      </dgm:prSet>
+      <dgm:spPr/>
+    </dgm:pt>
+    <dgm:pt modelId="{17CDF23E-3D65-435B-BA8E-0F6E12EBCC36}" type="pres">
+      <dgm:prSet presAssocID="{6E0431A0-1845-F742-B628-7EA5199132A0}" presName="sibTrans" presStyleCnt="0"/>
+      <dgm:spPr/>
+    </dgm:pt>
+    <dgm:pt modelId="{FB302940-2FEC-460F-BF8B-5FBA15E34BD5}" type="pres">
+      <dgm:prSet presAssocID="{B63CAD58-90C5-E047-9A6E-49FB3DFC158D}" presName="compNode" presStyleCnt="0"/>
+      <dgm:spPr/>
+    </dgm:pt>
+    <dgm:pt modelId="{9EA269C8-19DF-447B-A702-9FC88D2AD823}" type="pres">
+      <dgm:prSet presAssocID="{B63CAD58-90C5-E047-9A6E-49FB3DFC158D}" presName="bgRect" presStyleLbl="bgShp" presStyleIdx="1" presStyleCnt="3"/>
+      <dgm:spPr/>
+    </dgm:pt>
+    <dgm:pt modelId="{EA88B3C5-0358-40C8-B305-A472B3D50352}" type="pres">
+      <dgm:prSet presAssocID="{B63CAD58-90C5-E047-9A6E-49FB3DFC158D}" presName="iconRect" presStyleLbl="node1" presStyleIdx="1" presStyleCnt="3"/>
+      <dgm:spPr>
+        <a:blipFill>
+          <a:blip xmlns:r="http://schemas.openxmlformats.org/officeDocument/2006/relationships" r:embed="rId3">
+            <a:extLst>
+              <a:ext uri="{28A0092B-C50C-407E-A947-70E740481C1C}">
+                <a14:useLocalDpi xmlns:a14="http://schemas.microsoft.com/office/drawing/2010/main" val="0"/>
+              </a:ext>
+              <a:ext uri="{96DAC541-7B7A-43D3-8B79-37D633B846F1}">
+                <asvg:svgBlip xmlns:asvg="http://schemas.microsoft.com/office/drawing/2016/SVG/main" r:embed="rId4"/>
+              </a:ext>
+            </a:extLst>
+          </a:blip>
+          <a:stretch>
+            <a:fillRect/>
+          </a:stretch>
+        </a:blipFill>
+        <a:ln>
+          <a:noFill/>
+        </a:ln>
+      </dgm:spPr>
+      <dgm:extLst>
+        <a:ext uri="{E40237B7-FDA0-4F09-8148-C483321AD2D9}">
+          <dgm14:cNvPr xmlns:dgm14="http://schemas.microsoft.com/office/drawing/2010/diagram" id="0" name="" descr="Box trolley"/>
+        </a:ext>
+      </dgm:extLst>
+    </dgm:pt>
+    <dgm:pt modelId="{B35FA5EB-91F1-4C2B-9527-78F23C714C9D}" type="pres">
+      <dgm:prSet presAssocID="{B63CAD58-90C5-E047-9A6E-49FB3DFC158D}" presName="spaceRect" presStyleCnt="0"/>
+      <dgm:spPr/>
+    </dgm:pt>
+    <dgm:pt modelId="{0B2D5DB4-8B1F-4E2D-BA00-9A9C7BEE650A}" type="pres">
+      <dgm:prSet presAssocID="{B63CAD58-90C5-E047-9A6E-49FB3DFC158D}" presName="parTx" presStyleLbl="revTx" presStyleIdx="2" presStyleCnt="6">
+        <dgm:presLayoutVars>
+          <dgm:chMax val="0"/>
+          <dgm:chPref val="0"/>
+        </dgm:presLayoutVars>
+      </dgm:prSet>
+      <dgm:spPr/>
+    </dgm:pt>
+    <dgm:pt modelId="{0E5C0655-835D-49D9-8D19-775790A95C8C}" type="pres">
+      <dgm:prSet presAssocID="{B63CAD58-90C5-E047-9A6E-49FB3DFC158D}" presName="desTx" presStyleLbl="revTx" presStyleIdx="3" presStyleCnt="6">
+        <dgm:presLayoutVars/>
+      </dgm:prSet>
+      <dgm:spPr/>
+    </dgm:pt>
+    <dgm:pt modelId="{17C255A1-8563-47D0-A8F9-ABB8BCAB40D1}" type="pres">
+      <dgm:prSet presAssocID="{5F42C0F7-5E28-EE40-992F-A8F22B787754}" presName="sibTrans" presStyleCnt="0"/>
+      <dgm:spPr/>
+    </dgm:pt>
+    <dgm:pt modelId="{6721081F-7F54-4B4C-8D09-B791EB88D31B}" type="pres">
+      <dgm:prSet presAssocID="{35B2C3DB-0775-B646-989E-CB9D896FD3A6}" presName="compNode" presStyleCnt="0"/>
+      <dgm:spPr/>
+    </dgm:pt>
+    <dgm:pt modelId="{E447F8B9-F747-4B1A-AA18-7511FB0A1847}" type="pres">
+      <dgm:prSet presAssocID="{35B2C3DB-0775-B646-989E-CB9D896FD3A6}" presName="bgRect" presStyleLbl="bgShp" presStyleIdx="2" presStyleCnt="3"/>
+      <dgm:spPr/>
+    </dgm:pt>
+    <dgm:pt modelId="{7B4380A9-FBA8-4EF4-9FE6-C10E3B20F881}" type="pres">
+      <dgm:prSet presAssocID="{35B2C3DB-0775-B646-989E-CB9D896FD3A6}" presName="iconRect" presStyleLbl="node1" presStyleIdx="2" presStyleCnt="3"/>
+      <dgm:spPr>
+        <a:blipFill>
+          <a:blip xmlns:r="http://schemas.openxmlformats.org/officeDocument/2006/relationships" r:embed="rId5">
+            <a:extLst>
+              <a:ext uri="{28A0092B-C50C-407E-A947-70E740481C1C}">
+                <a14:useLocalDpi xmlns:a14="http://schemas.microsoft.com/office/drawing/2010/main" val="0"/>
+              </a:ext>
+              <a:ext uri="{96DAC541-7B7A-43D3-8B79-37D633B846F1}">
+                <asvg:svgBlip xmlns:asvg="http://schemas.microsoft.com/office/drawing/2016/SVG/main" r:embed="rId6"/>
+              </a:ext>
+            </a:extLst>
+          </a:blip>
+          <a:stretch>
+            <a:fillRect/>
+          </a:stretch>
+        </a:blipFill>
+        <a:ln>
+          <a:noFill/>
+        </a:ln>
+      </dgm:spPr>
+      <dgm:extLst>
+        <a:ext uri="{E40237B7-FDA0-4F09-8148-C483321AD2D9}">
+          <dgm14:cNvPr xmlns:dgm14="http://schemas.microsoft.com/office/drawing/2010/diagram" id="0" name="" descr="Dollar"/>
+        </a:ext>
+      </dgm:extLst>
+    </dgm:pt>
+    <dgm:pt modelId="{8C1C953D-DD15-4700-A20B-ED20C97B9021}" type="pres">
+      <dgm:prSet presAssocID="{35B2C3DB-0775-B646-989E-CB9D896FD3A6}" presName="spaceRect" presStyleCnt="0"/>
+      <dgm:spPr/>
+    </dgm:pt>
+    <dgm:pt modelId="{DB434856-15ED-492D-B7CE-4E8C1F8AABFF}" type="pres">
+      <dgm:prSet presAssocID="{35B2C3DB-0775-B646-989E-CB9D896FD3A6}" presName="parTx" presStyleLbl="revTx" presStyleIdx="4" presStyleCnt="6">
+        <dgm:presLayoutVars>
+          <dgm:chMax val="0"/>
+          <dgm:chPref val="0"/>
+        </dgm:presLayoutVars>
+      </dgm:prSet>
+      <dgm:spPr/>
+    </dgm:pt>
+    <dgm:pt modelId="{F5F44DE4-4D3D-425D-B88E-6F419762999E}" type="pres">
+      <dgm:prSet presAssocID="{35B2C3DB-0775-B646-989E-CB9D896FD3A6}" presName="desTx" presStyleLbl="revTx" presStyleIdx="5" presStyleCnt="6">
+        <dgm:presLayoutVars/>
+      </dgm:prSet>
+      <dgm:spPr/>
+    </dgm:pt>
+  </dgm:ptLst>
+  <dgm:cxnLst>
+    <dgm:cxn modelId="{BFF93001-D43B-7948-B16F-832AE1091745}" type="presOf" srcId="{502FDA97-150A-1647-9436-23342E50582E}" destId="{D04752A0-1A14-4753-9124-AD9913AF21BF}" srcOrd="0" destOrd="0" presId="urn:microsoft.com/office/officeart/2018/2/layout/IconVerticalSolidList"/>
+    <dgm:cxn modelId="{869B3F1E-9F72-0C44-A8F9-64504405A555}" type="presOf" srcId="{B63CAD58-90C5-E047-9A6E-49FB3DFC158D}" destId="{0B2D5DB4-8B1F-4E2D-BA00-9A9C7BEE650A}" srcOrd="0" destOrd="0" presId="urn:microsoft.com/office/officeart/2018/2/layout/IconVerticalSolidList"/>
+    <dgm:cxn modelId="{3355D43D-8039-A742-A9C7-34681514300E}" type="presOf" srcId="{AAB5688C-FE0C-5547-86F4-E113B2738354}" destId="{F5F44DE4-4D3D-425D-B88E-6F419762999E}" srcOrd="0" destOrd="0" presId="urn:microsoft.com/office/officeart/2018/2/layout/IconVerticalSolidList"/>
+    <dgm:cxn modelId="{47F32F3F-8F78-414C-BC44-49BF82B4365C}" srcId="{679E22BE-0E2A-6145-BCDD-3237F0AE2E9E}" destId="{502FDA97-150A-1647-9436-23342E50582E}" srcOrd="0" destOrd="0" parTransId="{3988636D-59B2-9942-8D21-17C61DD98711}" sibTransId="{6E0431A0-1845-F742-B628-7EA5199132A0}"/>
+    <dgm:cxn modelId="{AA9AA641-A09C-8640-8B53-34A791E51CB7}" srcId="{679E22BE-0E2A-6145-BCDD-3237F0AE2E9E}" destId="{B63CAD58-90C5-E047-9A6E-49FB3DFC158D}" srcOrd="1" destOrd="0" parTransId="{5B8D089F-88D8-4140-BA82-75B96CC01885}" sibTransId="{5F42C0F7-5E28-EE40-992F-A8F22B787754}"/>
+    <dgm:cxn modelId="{7AD78376-A2B0-7040-989C-5C5E4678DA8C}" type="presOf" srcId="{1F47A755-669E-6045-9206-9D40B2D3B4A9}" destId="{0E5C0655-835D-49D9-8D19-775790A95C8C}" srcOrd="0" destOrd="0" presId="urn:microsoft.com/office/officeart/2018/2/layout/IconVerticalSolidList"/>
+    <dgm:cxn modelId="{2CA7C383-D589-3C44-9359-D5CF7075809B}" srcId="{679E22BE-0E2A-6145-BCDD-3237F0AE2E9E}" destId="{35B2C3DB-0775-B646-989E-CB9D896FD3A6}" srcOrd="2" destOrd="0" parTransId="{79BD6F49-1A11-0543-BBEE-C6754D8097B2}" sibTransId="{7EC7A202-7C55-434D-AA65-DB1629C4D618}"/>
+    <dgm:cxn modelId="{BD8F1D87-5647-EF4A-804F-9C6CCCAF05D1}" type="presOf" srcId="{33B76ACE-F8FE-EA4D-994F-96D5E4FEDB52}" destId="{8D17C29F-BC53-44DE-8B3F-8055C53641FB}" srcOrd="0" destOrd="0" presId="urn:microsoft.com/office/officeart/2018/2/layout/IconVerticalSolidList"/>
+    <dgm:cxn modelId="{6BF378B0-D4D2-1E40-A09F-9BD1D577BA50}" type="presOf" srcId="{679E22BE-0E2A-6145-BCDD-3237F0AE2E9E}" destId="{E8922B59-A416-4418-802A-DB194BD9B5F5}" srcOrd="0" destOrd="0" presId="urn:microsoft.com/office/officeart/2018/2/layout/IconVerticalSolidList"/>
+    <dgm:cxn modelId="{51551CCA-A2BD-204C-BA2E-2E3D0D4FF8E4}" srcId="{502FDA97-150A-1647-9436-23342E50582E}" destId="{33B76ACE-F8FE-EA4D-994F-96D5E4FEDB52}" srcOrd="0" destOrd="0" parTransId="{BA879AD9-0F22-E04E-BAEA-CA9915F9D1B5}" sibTransId="{72299F7D-475B-4140-8576-028AAB597B1A}"/>
+    <dgm:cxn modelId="{09D190CD-3848-E84A-85AE-35BC1422B83A}" type="presOf" srcId="{35B2C3DB-0775-B646-989E-CB9D896FD3A6}" destId="{DB434856-15ED-492D-B7CE-4E8C1F8AABFF}" srcOrd="0" destOrd="0" presId="urn:microsoft.com/office/officeart/2018/2/layout/IconVerticalSolidList"/>
+    <dgm:cxn modelId="{C8CB29D8-A26E-E343-AF23-9864422E2D4A}" srcId="{B63CAD58-90C5-E047-9A6E-49FB3DFC158D}" destId="{1F47A755-669E-6045-9206-9D40B2D3B4A9}" srcOrd="0" destOrd="0" parTransId="{0E7363AA-74E5-8043-83B0-BC44B44EE560}" sibTransId="{C0BC3CE6-BDB3-4246-B423-70EF8920EE91}"/>
+    <dgm:cxn modelId="{DD8958DB-36EB-9F45-935F-8F75194DE7D0}" srcId="{35B2C3DB-0775-B646-989E-CB9D896FD3A6}" destId="{AAB5688C-FE0C-5547-86F4-E113B2738354}" srcOrd="0" destOrd="0" parTransId="{DC8114D6-6611-7D4B-91EE-02EC33246D8A}" sibTransId="{A39FAC6C-75B4-B249-820D-A9689DAF2E9F}"/>
+    <dgm:cxn modelId="{98F28ACE-B9A1-8141-A19F-71A0AD43E0DD}" type="presParOf" srcId="{E8922B59-A416-4418-802A-DB194BD9B5F5}" destId="{170E7A13-4B73-4A0B-BEDC-85E93502B9D9}" srcOrd="0" destOrd="0" presId="urn:microsoft.com/office/officeart/2018/2/layout/IconVerticalSolidList"/>
+    <dgm:cxn modelId="{0DE58F59-2693-5149-B109-7E800D5E50FD}" type="presParOf" srcId="{170E7A13-4B73-4A0B-BEDC-85E93502B9D9}" destId="{B48ACCA5-5301-488C-A9F8-25FE0F72B1E1}" srcOrd="0" destOrd="0" presId="urn:microsoft.com/office/officeart/2018/2/layout/IconVerticalSolidList"/>
+    <dgm:cxn modelId="{E1A37554-E310-1547-A231-E176C44989ED}" type="presParOf" srcId="{170E7A13-4B73-4A0B-BEDC-85E93502B9D9}" destId="{70C4AC8B-8D1F-4838-ABC3-C1375E8AB5DE}" srcOrd="1" destOrd="0" presId="urn:microsoft.com/office/officeart/2018/2/layout/IconVerticalSolidList"/>
+    <dgm:cxn modelId="{22107B70-04FE-CA44-8F33-90791995C2FA}" type="presParOf" srcId="{170E7A13-4B73-4A0B-BEDC-85E93502B9D9}" destId="{39ACF1EF-9B1A-47CC-959E-6D43AFF17AB6}" srcOrd="2" destOrd="0" presId="urn:microsoft.com/office/officeart/2018/2/layout/IconVerticalSolidList"/>
+    <dgm:cxn modelId="{A97F3E0F-7BA1-EC44-AE1D-CE75B162559C}" type="presParOf" srcId="{170E7A13-4B73-4A0B-BEDC-85E93502B9D9}" destId="{D04752A0-1A14-4753-9124-AD9913AF21BF}" srcOrd="3" destOrd="0" presId="urn:microsoft.com/office/officeart/2018/2/layout/IconVerticalSolidList"/>
+    <dgm:cxn modelId="{35D243A6-100D-544D-8213-48642E4B64BF}" type="presParOf" srcId="{170E7A13-4B73-4A0B-BEDC-85E93502B9D9}" destId="{8D17C29F-BC53-44DE-8B3F-8055C53641FB}" srcOrd="4" destOrd="0" presId="urn:microsoft.com/office/officeart/2018/2/layout/IconVerticalSolidList"/>
+    <dgm:cxn modelId="{2E6D4A9B-1799-2549-B1DF-37C86F1D2BEE}" type="presParOf" srcId="{E8922B59-A416-4418-802A-DB194BD9B5F5}" destId="{17CDF23E-3D65-435B-BA8E-0F6E12EBCC36}" srcOrd="1" destOrd="0" presId="urn:microsoft.com/office/officeart/2018/2/layout/IconVerticalSolidList"/>
+    <dgm:cxn modelId="{12DD3F25-69F4-A64D-9F0E-D1092E1BC33D}" type="presParOf" srcId="{E8922B59-A416-4418-802A-DB194BD9B5F5}" destId="{FB302940-2FEC-460F-BF8B-5FBA15E34BD5}" srcOrd="2" destOrd="0" presId="urn:microsoft.com/office/officeart/2018/2/layout/IconVerticalSolidList"/>
+    <dgm:cxn modelId="{9112A21E-D2CE-6A47-BBC4-25901FE6A8DB}" type="presParOf" srcId="{FB302940-2FEC-460F-BF8B-5FBA15E34BD5}" destId="{9EA269C8-19DF-447B-A702-9FC88D2AD823}" srcOrd="0" destOrd="0" presId="urn:microsoft.com/office/officeart/2018/2/layout/IconVerticalSolidList"/>
+    <dgm:cxn modelId="{C20A674E-0048-F54B-B5CC-6EDFD9ABCE8F}" type="presParOf" srcId="{FB302940-2FEC-460F-BF8B-5FBA15E34BD5}" destId="{EA88B3C5-0358-40C8-B305-A472B3D50352}" srcOrd="1" destOrd="0" presId="urn:microsoft.com/office/officeart/2018/2/layout/IconVerticalSolidList"/>
+    <dgm:cxn modelId="{6C7AA18D-F8C9-0846-BB03-B8C46C88943D}" type="presParOf" srcId="{FB302940-2FEC-460F-BF8B-5FBA15E34BD5}" destId="{B35FA5EB-91F1-4C2B-9527-78F23C714C9D}" srcOrd="2" destOrd="0" presId="urn:microsoft.com/office/officeart/2018/2/layout/IconVerticalSolidList"/>
+    <dgm:cxn modelId="{82C46031-F708-7940-AB33-A0280A2ED354}" type="presParOf" srcId="{FB302940-2FEC-460F-BF8B-5FBA15E34BD5}" destId="{0B2D5DB4-8B1F-4E2D-BA00-9A9C7BEE650A}" srcOrd="3" destOrd="0" presId="urn:microsoft.com/office/officeart/2018/2/layout/IconVerticalSolidList"/>
+    <dgm:cxn modelId="{F2D26115-BD13-684B-A89D-4AEF2809191D}" type="presParOf" srcId="{FB302940-2FEC-460F-BF8B-5FBA15E34BD5}" destId="{0E5C0655-835D-49D9-8D19-775790A95C8C}" srcOrd="4" destOrd="0" presId="urn:microsoft.com/office/officeart/2018/2/layout/IconVerticalSolidList"/>
+    <dgm:cxn modelId="{4FAC7F36-4E29-2C45-9522-2B881C0EEC62}" type="presParOf" srcId="{E8922B59-A416-4418-802A-DB194BD9B5F5}" destId="{17C255A1-8563-47D0-A8F9-ABB8BCAB40D1}" srcOrd="3" destOrd="0" presId="urn:microsoft.com/office/officeart/2018/2/layout/IconVerticalSolidList"/>
+    <dgm:cxn modelId="{69EF3B48-FBFD-C44B-9B2A-CB41EAD94432}" type="presParOf" srcId="{E8922B59-A416-4418-802A-DB194BD9B5F5}" destId="{6721081F-7F54-4B4C-8D09-B791EB88D31B}" srcOrd="4" destOrd="0" presId="urn:microsoft.com/office/officeart/2018/2/layout/IconVerticalSolidList"/>
+    <dgm:cxn modelId="{97064CC5-D42C-8249-ABCD-2326007F7071}" type="presParOf" srcId="{6721081F-7F54-4B4C-8D09-B791EB88D31B}" destId="{E447F8B9-F747-4B1A-AA18-7511FB0A1847}" srcOrd="0" destOrd="0" presId="urn:microsoft.com/office/officeart/2018/2/layout/IconVerticalSolidList"/>
+    <dgm:cxn modelId="{B01A479F-197A-F34F-A0BD-7822D6228524}" type="presParOf" srcId="{6721081F-7F54-4B4C-8D09-B791EB88D31B}" destId="{7B4380A9-FBA8-4EF4-9FE6-C10E3B20F881}" srcOrd="1" destOrd="0" presId="urn:microsoft.com/office/officeart/2018/2/layout/IconVerticalSolidList"/>
+    <dgm:cxn modelId="{9DC44098-C9E1-D04F-A347-C286D06AD61C}" type="presParOf" srcId="{6721081F-7F54-4B4C-8D09-B791EB88D31B}" destId="{8C1C953D-DD15-4700-A20B-ED20C97B9021}" srcOrd="2" destOrd="0" presId="urn:microsoft.com/office/officeart/2018/2/layout/IconVerticalSolidList"/>
+    <dgm:cxn modelId="{54172E61-B5A3-0848-84AB-FFCE7815BD7D}" type="presParOf" srcId="{6721081F-7F54-4B4C-8D09-B791EB88D31B}" destId="{DB434856-15ED-492D-B7CE-4E8C1F8AABFF}" srcOrd="3" destOrd="0" presId="urn:microsoft.com/office/officeart/2018/2/layout/IconVerticalSolidList"/>
+    <dgm:cxn modelId="{2FCD9E5C-061D-6449-BA53-8EFDC223A392}" type="presParOf" srcId="{6721081F-7F54-4B4C-8D09-B791EB88D31B}" destId="{F5F44DE4-4D3D-425D-B88E-6F419762999E}" srcOrd="4" destOrd="0" presId="urn:microsoft.com/office/officeart/2018/2/layout/IconVerticalSolidList"/>
+  </dgm:cxnLst>
+  <dgm:bg/>
+  <dgm:whole/>
+  <dgm:extLst>
+    <a:ext uri="http://schemas.microsoft.com/office/drawing/2008/diagram">
+      <dsp:dataModelExt xmlns:dsp="http://schemas.microsoft.com/office/drawing/2008/diagram" relId="rId6" minVer="http://schemas.openxmlformats.org/drawingml/2006/diagram"/>
     </a:ext>
   </dgm:extLst>
 </dgm:dataModel>
@@ -4363,12 +5915,8 @@
           <a:avLst/>
         </a:prstGeom>
         <a:solidFill>
-          <a:schemeClr val="accent1">
+          <a:schemeClr val="accent2">
             <a:alpha val="50000"/>
-            <a:hueOff val="0"/>
-            <a:satOff val="0"/>
-            <a:lumOff val="0"/>
-            <a:alphaOff val="0"/>
           </a:schemeClr>
         </a:solidFill>
         <a:ln w="12700" cap="flat" cmpd="sng" algn="ctr">
@@ -4443,13 +5991,9 @@
           <a:avLst/>
         </a:prstGeom>
         <a:solidFill>
-          <a:schemeClr val="accent1">
+          <a:srgbClr val="C00000">
             <a:alpha val="50000"/>
-            <a:hueOff val="0"/>
-            <a:satOff val="0"/>
-            <a:lumOff val="0"/>
-            <a:alphaOff val="0"/>
-          </a:schemeClr>
+          </a:srgbClr>
         </a:solidFill>
         <a:ln w="12700" cap="flat" cmpd="sng" algn="ctr">
           <a:solidFill>
@@ -4522,13 +6066,9 @@
           <a:avLst/>
         </a:prstGeom>
         <a:solidFill>
-          <a:schemeClr val="accent1">
+          <a:srgbClr val="C00000">
             <a:alpha val="50000"/>
-            <a:hueOff val="0"/>
-            <a:satOff val="0"/>
-            <a:lumOff val="0"/>
-            <a:alphaOff val="0"/>
-          </a:schemeClr>
+          </a:srgbClr>
         </a:solidFill>
         <a:ln w="12700" cap="flat" cmpd="sng" algn="ctr">
           <a:solidFill>
@@ -4578,9 +6118,12 @@
           </a:pPr>
           <a:r>
             <a:rPr lang="en-US" sz="1500" kern="1200" spc="50"/>
-            <a:t>5 Warehouse blocks utilized</a:t>
+            <a:t>Warehouse blocks </a:t>
           </a:r>
-          <a:endParaRPr lang="en-US" sz="1500" kern="1200" spc="50" dirty="0"/>
+          <a:r>
+            <a:rPr lang="en-US" sz="1500" kern="1200" spc="50" dirty="0"/>
+            <a:t>A,B,C,D,E</a:t>
+          </a:r>
         </a:p>
       </dsp:txBody>
       <dsp:txXfrm>
@@ -4602,13 +6145,9 @@
           <a:avLst/>
         </a:prstGeom>
         <a:solidFill>
-          <a:schemeClr val="accent1">
+          <a:srgbClr val="C00000">
             <a:alpha val="50000"/>
-            <a:hueOff val="0"/>
-            <a:satOff val="0"/>
-            <a:lumOff val="0"/>
-            <a:alphaOff val="0"/>
-          </a:schemeClr>
+          </a:srgbClr>
         </a:solidFill>
         <a:ln w="12700" cap="flat" cmpd="sng" algn="ctr">
           <a:solidFill>
@@ -4657,10 +6196,45 @@
             <a:buNone/>
           </a:pPr>
           <a:r>
-            <a:rPr lang="en-US" sz="1500" kern="1200" spc="50"/>
-            <a:t>3 different modes of shipment</a:t>
+            <a:rPr lang="en-US" sz="1500" kern="1200" spc="50" dirty="0"/>
+            <a:t>Land</a:t>
           </a:r>
-          <a:endParaRPr lang="en-US" sz="1500" kern="1200" spc="50" dirty="0"/>
+        </a:p>
+        <a:p>
+          <a:pPr marL="0" lvl="0" indent="0" algn="ctr" defTabSz="666750">
+            <a:lnSpc>
+              <a:spcPct val="90000"/>
+            </a:lnSpc>
+            <a:spcBef>
+              <a:spcPct val="0"/>
+            </a:spcBef>
+            <a:spcAft>
+              <a:spcPct val="35000"/>
+            </a:spcAft>
+            <a:buNone/>
+          </a:pPr>
+          <a:r>
+            <a:rPr lang="en-US" sz="1500" kern="1200" spc="50" dirty="0"/>
+            <a:t>Sea and </a:t>
+          </a:r>
+        </a:p>
+        <a:p>
+          <a:pPr marL="0" lvl="0" indent="0" algn="ctr" defTabSz="666750">
+            <a:lnSpc>
+              <a:spcPct val="90000"/>
+            </a:lnSpc>
+            <a:spcBef>
+              <a:spcPct val="0"/>
+            </a:spcBef>
+            <a:spcAft>
+              <a:spcPct val="35000"/>
+            </a:spcAft>
+            <a:buNone/>
+          </a:pPr>
+          <a:r>
+            <a:rPr lang="en-US" sz="1500" kern="1200" spc="50" dirty="0"/>
+            <a:t>Air Shipments</a:t>
+          </a:r>
         </a:p>
       </dsp:txBody>
       <dsp:txXfrm>
@@ -4682,13 +6256,9 @@
           <a:avLst/>
         </a:prstGeom>
         <a:solidFill>
-          <a:schemeClr val="accent1">
+          <a:srgbClr val="C00000">
             <a:alpha val="50000"/>
-            <a:hueOff val="0"/>
-            <a:satOff val="0"/>
-            <a:lumOff val="0"/>
-            <a:alphaOff val="0"/>
-          </a:schemeClr>
+          </a:srgbClr>
         </a:solidFill>
         <a:ln w="12700" cap="flat" cmpd="sng" algn="ctr">
           <a:solidFill>
@@ -4766,14 +6336,15 @@
       </dsp:nvSpPr>
       <dsp:spPr>
         <a:xfrm>
-          <a:off x="2098006" y="96"/>
-          <a:ext cx="1398670" cy="1398670"/>
+          <a:off x="5395158" y="959"/>
+          <a:ext cx="1398634" cy="1398634"/>
         </a:xfrm>
         <a:prstGeom prst="ellipse">
           <a:avLst/>
         </a:prstGeom>
         <a:solidFill>
-          <a:schemeClr val="accent2">
+          <a:schemeClr val="accent3">
+            <a:shade val="50000"/>
             <a:hueOff val="0"/>
             <a:satOff val="0"/>
             <a:lumOff val="0"/>
@@ -4809,12 +6380,12 @@
         </a:fontRef>
       </dsp:style>
       <dsp:txBody>
-        <a:bodyPr spcFirstLastPara="0" vert="horz" wrap="square" lIns="19050" tIns="19050" rIns="19050" bIns="19050" numCol="1" spcCol="1270" anchor="ctr" anchorCtr="0">
+        <a:bodyPr spcFirstLastPara="0" vert="horz" wrap="square" lIns="17780" tIns="17780" rIns="17780" bIns="17780" numCol="1" spcCol="1270" anchor="ctr" anchorCtr="0">
           <a:noAutofit/>
         </a:bodyPr>
         <a:lstStyle/>
         <a:p>
-          <a:pPr marL="0" lvl="0" indent="0" algn="ctr" defTabSz="666750">
+          <a:pPr marL="0" lvl="0" indent="0" algn="ctr" defTabSz="622300">
             <a:lnSpc>
               <a:spcPct val="90000"/>
             </a:lnSpc>
@@ -4827,14 +6398,14 @@
             <a:buNone/>
           </a:pPr>
           <a:r>
-            <a:rPr lang="en-US" sz="1500" kern="1200"/>
-            <a:t>Logistic Regression</a:t>
+            <a:rPr lang="en-US" sz="1400" kern="1200" dirty="0"/>
+            <a:t>Data Discovery </a:t>
           </a:r>
         </a:p>
       </dsp:txBody>
       <dsp:txXfrm>
-        <a:off x="2302836" y="204926"/>
-        <a:ext cx="989010" cy="989010"/>
+        <a:off x="5599983" y="205784"/>
+        <a:ext cx="988984" cy="988984"/>
       </dsp:txXfrm>
     </dsp:sp>
     <dsp:sp modelId="{6BFE8F2D-59DD-0842-94D3-D0445DFF8008}">
@@ -4844,8 +6415,8 @@
       </dsp:nvSpPr>
       <dsp:spPr>
         <a:xfrm rot="2160000">
-          <a:off x="3452340" y="1074160"/>
-          <a:ext cx="371263" cy="472051"/>
+          <a:off x="6749324" y="1074697"/>
+          <a:ext cx="370700" cy="472039"/>
         </a:xfrm>
         <a:prstGeom prst="rightArrow">
           <a:avLst>
@@ -4854,7 +6425,8 @@
           </a:avLst>
         </a:prstGeom>
         <a:solidFill>
-          <a:schemeClr val="accent2">
+          <a:schemeClr val="accent3">
+            <a:shade val="90000"/>
             <a:hueOff val="0"/>
             <a:satOff val="0"/>
             <a:lumOff val="0"/>
@@ -4886,7 +6458,7 @@
         </a:bodyPr>
         <a:lstStyle/>
         <a:p>
-          <a:pPr marL="0" lvl="0" indent="0" algn="ctr" defTabSz="533400">
+          <a:pPr marL="0" lvl="0" indent="0" algn="ctr" defTabSz="488950">
             <a:lnSpc>
               <a:spcPct val="90000"/>
             </a:lnSpc>
@@ -4898,12 +6470,12 @@
             </a:spcAft>
             <a:buNone/>
           </a:pPr>
-          <a:endParaRPr lang="en-US" sz="1200" kern="1200"/>
+          <a:endParaRPr lang="en-US" sz="1100" kern="1200"/>
         </a:p>
       </dsp:txBody>
       <dsp:txXfrm>
-        <a:off x="3462976" y="1135837"/>
-        <a:ext cx="259884" cy="283231"/>
+        <a:off x="6759944" y="1136421"/>
+        <a:ext cx="259490" cy="283223"/>
       </dsp:txXfrm>
     </dsp:sp>
     <dsp:sp modelId="{D7ABA72F-B26D-8643-97BB-183311A2B916}">
@@ -4913,17 +6485,18 @@
       </dsp:nvSpPr>
       <dsp:spPr>
         <a:xfrm>
-          <a:off x="3796268" y="1233956"/>
-          <a:ext cx="1398670" cy="1398670"/>
+          <a:off x="7092531" y="1234174"/>
+          <a:ext cx="1398634" cy="1398634"/>
         </a:xfrm>
         <a:prstGeom prst="ellipse">
           <a:avLst/>
         </a:prstGeom>
         <a:solidFill>
-          <a:schemeClr val="accent2">
-            <a:hueOff val="-2519613"/>
-            <a:satOff val="0"/>
-            <a:lumOff val="4363"/>
+          <a:schemeClr val="accent3">
+            <a:shade val="50000"/>
+            <a:hueOff val="-215898"/>
+            <a:satOff val="8124"/>
+            <a:lumOff val="17775"/>
             <a:alphaOff val="0"/>
           </a:schemeClr>
         </a:solidFill>
@@ -4956,12 +6529,12 @@
         </a:fontRef>
       </dsp:style>
       <dsp:txBody>
-        <a:bodyPr spcFirstLastPara="0" vert="horz" wrap="square" lIns="19050" tIns="19050" rIns="19050" bIns="19050" numCol="1" spcCol="1270" anchor="ctr" anchorCtr="0">
+        <a:bodyPr spcFirstLastPara="0" vert="horz" wrap="square" lIns="17780" tIns="17780" rIns="17780" bIns="17780" numCol="1" spcCol="1270" anchor="ctr" anchorCtr="0">
           <a:noAutofit/>
         </a:bodyPr>
         <a:lstStyle/>
         <a:p>
-          <a:pPr marL="0" lvl="0" indent="0" algn="ctr" defTabSz="666750">
+          <a:pPr marL="0" lvl="0" indent="0" algn="ctr" defTabSz="622300">
             <a:lnSpc>
               <a:spcPct val="90000"/>
             </a:lnSpc>
@@ -4974,14 +6547,19 @@
             <a:buNone/>
           </a:pPr>
           <a:r>
-            <a:rPr lang="en-US" sz="1500" kern="1200"/>
-            <a:t>Random Forest</a:t>
+            <a:rPr lang="en-US" sz="1400" kern="1200" dirty="0"/>
+            <a:t>Data </a:t>
           </a:r>
+          <a:r>
+            <a:rPr lang="en-US" sz="1400" kern="1200" dirty="0" err="1"/>
+            <a:t>Preperation</a:t>
+          </a:r>
+          <a:endParaRPr lang="en-US" sz="1400" kern="1200" dirty="0"/>
         </a:p>
       </dsp:txBody>
       <dsp:txXfrm>
-        <a:off x="4001098" y="1438786"/>
-        <a:ext cx="989010" cy="989010"/>
+        <a:off x="7297356" y="1438999"/>
+        <a:ext cx="988984" cy="988984"/>
       </dsp:txXfrm>
     </dsp:sp>
     <dsp:sp modelId="{9CEC9E7B-B590-4445-9F74-1153D5B5A583}">
@@ -4991,8 +6569,8 @@
       </dsp:nvSpPr>
       <dsp:spPr>
         <a:xfrm rot="6480000">
-          <a:off x="3988880" y="2685486"/>
-          <a:ext cx="371263" cy="472051"/>
+          <a:off x="7285571" y="2685184"/>
+          <a:ext cx="370700" cy="472039"/>
         </a:xfrm>
         <a:prstGeom prst="rightArrow">
           <a:avLst>
@@ -5001,10 +6579,11 @@
           </a:avLst>
         </a:prstGeom>
         <a:solidFill>
-          <a:schemeClr val="accent2">
-            <a:hueOff val="-2519613"/>
-            <a:satOff val="0"/>
-            <a:lumOff val="4363"/>
+          <a:schemeClr val="accent3">
+            <a:shade val="90000"/>
+            <a:hueOff val="-220683"/>
+            <a:satOff val="3924"/>
+            <a:lumOff val="13283"/>
             <a:alphaOff val="0"/>
           </a:schemeClr>
         </a:solidFill>
@@ -5033,7 +6612,7 @@
         </a:bodyPr>
         <a:lstStyle/>
         <a:p>
-          <a:pPr marL="0" lvl="0" indent="0" algn="ctr" defTabSz="533400">
+          <a:pPr marL="0" lvl="0" indent="0" algn="ctr" defTabSz="488950">
             <a:lnSpc>
               <a:spcPct val="90000"/>
             </a:lnSpc>
@@ -5045,12 +6624,12 @@
             </a:spcAft>
             <a:buNone/>
           </a:pPr>
-          <a:endParaRPr lang="en-US" sz="1200" kern="1200"/>
+          <a:endParaRPr lang="en-US" sz="1100" kern="1200"/>
         </a:p>
       </dsp:txBody>
       <dsp:txXfrm rot="10800000">
-        <a:off x="4061779" y="2726932"/>
-        <a:ext cx="259884" cy="283231"/>
+        <a:off x="7358359" y="2726709"/>
+        <a:ext cx="259490" cy="283223"/>
       </dsp:txXfrm>
     </dsp:sp>
     <dsp:sp modelId="{7FCCA8F8-9E87-7347-AB65-87AE8295DFAC}">
@@ -5060,17 +6639,18 @@
       </dsp:nvSpPr>
       <dsp:spPr>
         <a:xfrm>
-          <a:off x="3147590" y="3230383"/>
-          <a:ext cx="1398670" cy="1398670"/>
+          <a:off x="6444192" y="3229556"/>
+          <a:ext cx="1398634" cy="1398634"/>
         </a:xfrm>
         <a:prstGeom prst="ellipse">
           <a:avLst/>
         </a:prstGeom>
         <a:solidFill>
-          <a:schemeClr val="accent2">
-            <a:hueOff val="-5039226"/>
-            <a:satOff val="0"/>
-            <a:lumOff val="8726"/>
+          <a:schemeClr val="accent3">
+            <a:shade val="50000"/>
+            <a:hueOff val="-431795"/>
+            <a:satOff val="16249"/>
+            <a:lumOff val="35550"/>
             <a:alphaOff val="0"/>
           </a:schemeClr>
         </a:solidFill>
@@ -5103,12 +6683,12 @@
         </a:fontRef>
       </dsp:style>
       <dsp:txBody>
-        <a:bodyPr spcFirstLastPara="0" vert="horz" wrap="square" lIns="19050" tIns="19050" rIns="19050" bIns="19050" numCol="1" spcCol="1270" anchor="ctr" anchorCtr="0">
+        <a:bodyPr spcFirstLastPara="0" vert="horz" wrap="square" lIns="17780" tIns="17780" rIns="17780" bIns="17780" numCol="1" spcCol="1270" anchor="ctr" anchorCtr="0">
           <a:noAutofit/>
         </a:bodyPr>
         <a:lstStyle/>
         <a:p>
-          <a:pPr marL="0" lvl="0" indent="0" algn="ctr" defTabSz="666750">
+          <a:pPr marL="0" lvl="0" indent="0" algn="ctr" defTabSz="622300">
             <a:lnSpc>
               <a:spcPct val="90000"/>
             </a:lnSpc>
@@ -5121,14 +6701,18 @@
             <a:buNone/>
           </a:pPr>
           <a:r>
-            <a:rPr lang="en-US" sz="1500" kern="1200"/>
-            <a:t>Support Vector Machines</a:t>
+            <a:rPr lang="en-US" sz="1400" kern="1200" dirty="0" err="1"/>
+            <a:t>Intitial</a:t>
+          </a:r>
+          <a:r>
+            <a:rPr lang="en-US" sz="1400" kern="1200" dirty="0"/>
+            <a:t> Model</a:t>
           </a:r>
         </a:p>
       </dsp:txBody>
       <dsp:txXfrm>
-        <a:off x="3352420" y="3435213"/>
-        <a:ext cx="989010" cy="989010"/>
+        <a:off x="6649017" y="3434381"/>
+        <a:ext cx="988984" cy="988984"/>
       </dsp:txXfrm>
     </dsp:sp>
     <dsp:sp modelId="{33BF2744-8F16-9647-969F-EB7CFE8E1C67}">
@@ -5138,8 +6722,8 @@
       </dsp:nvSpPr>
       <dsp:spPr>
         <a:xfrm rot="10800000">
-          <a:off x="2622217" y="3693693"/>
-          <a:ext cx="371263" cy="472051"/>
+          <a:off x="5919616" y="3692854"/>
+          <a:ext cx="370700" cy="472039"/>
         </a:xfrm>
         <a:prstGeom prst="rightArrow">
           <a:avLst>
@@ -5148,10 +6732,11 @@
           </a:avLst>
         </a:prstGeom>
         <a:solidFill>
-          <a:schemeClr val="accent2">
-            <a:hueOff val="-5039226"/>
-            <a:satOff val="0"/>
-            <a:lumOff val="8726"/>
+          <a:schemeClr val="accent3">
+            <a:shade val="90000"/>
+            <a:hueOff val="-441366"/>
+            <a:satOff val="7848"/>
+            <a:lumOff val="26566"/>
             <a:alphaOff val="0"/>
           </a:schemeClr>
         </a:solidFill>
@@ -5180,7 +6765,7 @@
         </a:bodyPr>
         <a:lstStyle/>
         <a:p>
-          <a:pPr marL="0" lvl="0" indent="0" algn="ctr" defTabSz="533400">
+          <a:pPr marL="0" lvl="0" indent="0" algn="ctr" defTabSz="488950">
             <a:lnSpc>
               <a:spcPct val="90000"/>
             </a:lnSpc>
@@ -5192,12 +6777,12 @@
             </a:spcAft>
             <a:buNone/>
           </a:pPr>
-          <a:endParaRPr lang="en-US" sz="1200" kern="1200"/>
+          <a:endParaRPr lang="en-US" sz="1100" kern="1200"/>
         </a:p>
       </dsp:txBody>
       <dsp:txXfrm rot="10800000">
-        <a:off x="2733596" y="3788103"/>
-        <a:ext cx="259884" cy="283231"/>
+        <a:off x="6030826" y="3787262"/>
+        <a:ext cx="259490" cy="283223"/>
       </dsp:txXfrm>
     </dsp:sp>
     <dsp:sp modelId="{652F3AF2-E656-5044-B248-AD36602F6EEE}">
@@ -5207,17 +6792,18 @@
       </dsp:nvSpPr>
       <dsp:spPr>
         <a:xfrm>
-          <a:off x="1048422" y="3230383"/>
-          <a:ext cx="1398670" cy="1398670"/>
+          <a:off x="4346123" y="3229556"/>
+          <a:ext cx="1398634" cy="1398634"/>
         </a:xfrm>
         <a:prstGeom prst="ellipse">
           <a:avLst/>
         </a:prstGeom>
         <a:solidFill>
-          <a:schemeClr val="accent2">
-            <a:hueOff val="-7558840"/>
-            <a:satOff val="0"/>
-            <a:lumOff val="13089"/>
+          <a:schemeClr val="accent3">
+            <a:shade val="50000"/>
+            <a:hueOff val="-431795"/>
+            <a:satOff val="16249"/>
+            <a:lumOff val="35550"/>
             <a:alphaOff val="0"/>
           </a:schemeClr>
         </a:solidFill>
@@ -5250,12 +6836,12 @@
         </a:fontRef>
       </dsp:style>
       <dsp:txBody>
-        <a:bodyPr spcFirstLastPara="0" vert="horz" wrap="square" lIns="19050" tIns="19050" rIns="19050" bIns="19050" numCol="1" spcCol="1270" anchor="ctr" anchorCtr="0">
+        <a:bodyPr spcFirstLastPara="0" vert="horz" wrap="square" lIns="17780" tIns="17780" rIns="17780" bIns="17780" numCol="1" spcCol="1270" anchor="ctr" anchorCtr="0">
           <a:noAutofit/>
         </a:bodyPr>
         <a:lstStyle/>
         <a:p>
-          <a:pPr marL="0" lvl="0" indent="0" algn="ctr" defTabSz="666750">
+          <a:pPr marL="0" lvl="0" indent="0" algn="ctr" defTabSz="622300">
             <a:lnSpc>
               <a:spcPct val="90000"/>
             </a:lnSpc>
@@ -5268,14 +6854,14 @@
             <a:buNone/>
           </a:pPr>
           <a:r>
-            <a:rPr lang="en-US" sz="1500" kern="1200"/>
-            <a:t>Random and Grid Search</a:t>
+            <a:rPr lang="en-US" sz="1400" kern="1200" dirty="0"/>
+            <a:t>Model Tuning and evaluation</a:t>
           </a:r>
         </a:p>
       </dsp:txBody>
       <dsp:txXfrm>
-        <a:off x="1253252" y="3435213"/>
-        <a:ext cx="989010" cy="989010"/>
+        <a:off x="4550948" y="3434381"/>
+        <a:ext cx="988984" cy="988984"/>
       </dsp:txXfrm>
     </dsp:sp>
     <dsp:sp modelId="{188A493D-B384-514F-A02E-EFD5423BE0D5}">
@@ -5285,8 +6871,8 @@
       </dsp:nvSpPr>
       <dsp:spPr>
         <a:xfrm rot="15120000">
-          <a:off x="1241034" y="2705472"/>
-          <a:ext cx="371263" cy="472051"/>
+          <a:off x="4539163" y="2705141"/>
+          <a:ext cx="370700" cy="472039"/>
         </a:xfrm>
         <a:prstGeom prst="rightArrow">
           <a:avLst>
@@ -5295,10 +6881,11 @@
           </a:avLst>
         </a:prstGeom>
         <a:solidFill>
-          <a:schemeClr val="accent2">
-            <a:hueOff val="-7558840"/>
-            <a:satOff val="0"/>
-            <a:lumOff val="13089"/>
+          <a:schemeClr val="accent3">
+            <a:shade val="90000"/>
+            <a:hueOff val="-441366"/>
+            <a:satOff val="7848"/>
+            <a:lumOff val="26566"/>
             <a:alphaOff val="0"/>
           </a:schemeClr>
         </a:solidFill>
@@ -5327,7 +6914,7 @@
         </a:bodyPr>
         <a:lstStyle/>
         <a:p>
-          <a:pPr marL="0" lvl="0" indent="0" algn="ctr" defTabSz="533400">
+          <a:pPr marL="0" lvl="0" indent="0" algn="ctr" defTabSz="488950">
             <a:lnSpc>
               <a:spcPct val="90000"/>
             </a:lnSpc>
@@ -5339,12 +6926,12 @@
             </a:spcAft>
             <a:buNone/>
           </a:pPr>
-          <a:endParaRPr lang="en-US" sz="1200" kern="1200"/>
+          <a:endParaRPr lang="en-US" sz="1100" kern="1200"/>
         </a:p>
       </dsp:txBody>
       <dsp:txXfrm rot="10800000">
-        <a:off x="1313933" y="2852846"/>
-        <a:ext cx="259884" cy="283231"/>
+        <a:off x="4611951" y="2852432"/>
+        <a:ext cx="259490" cy="283223"/>
       </dsp:txXfrm>
     </dsp:sp>
     <dsp:sp modelId="{CDC5B82D-17FD-284D-BE5A-CABA5E29D475}">
@@ -5354,17 +6941,18 @@
       </dsp:nvSpPr>
       <dsp:spPr>
         <a:xfrm>
-          <a:off x="399744" y="1233956"/>
-          <a:ext cx="1398670" cy="1398670"/>
+          <a:off x="3697784" y="1234174"/>
+          <a:ext cx="1398634" cy="1398634"/>
         </a:xfrm>
         <a:prstGeom prst="ellipse">
           <a:avLst/>
         </a:prstGeom>
         <a:solidFill>
-          <a:schemeClr val="accent2">
-            <a:hueOff val="-10078453"/>
-            <a:satOff val="0"/>
-            <a:lumOff val="17452"/>
+          <a:schemeClr val="accent3">
+            <a:shade val="50000"/>
+            <a:hueOff val="-215898"/>
+            <a:satOff val="8124"/>
+            <a:lumOff val="17775"/>
             <a:alphaOff val="0"/>
           </a:schemeClr>
         </a:solidFill>
@@ -5397,12 +6985,12 @@
         </a:fontRef>
       </dsp:style>
       <dsp:txBody>
-        <a:bodyPr spcFirstLastPara="0" vert="horz" wrap="square" lIns="19050" tIns="19050" rIns="19050" bIns="19050" numCol="1" spcCol="1270" anchor="ctr" anchorCtr="0">
+        <a:bodyPr spcFirstLastPara="0" vert="horz" wrap="square" lIns="17780" tIns="17780" rIns="17780" bIns="17780" numCol="1" spcCol="1270" anchor="ctr" anchorCtr="0">
           <a:noAutofit/>
         </a:bodyPr>
         <a:lstStyle/>
         <a:p>
-          <a:pPr marL="0" lvl="0" indent="0" algn="ctr" defTabSz="666750">
+          <a:pPr marL="0" lvl="0" indent="0" algn="ctr" defTabSz="622300">
             <a:lnSpc>
               <a:spcPct val="90000"/>
             </a:lnSpc>
@@ -5415,14 +7003,14 @@
             <a:buNone/>
           </a:pPr>
           <a:r>
-            <a:rPr lang="en-US" sz="1500" kern="1200"/>
+            <a:rPr lang="en-US" sz="1400" kern="1200"/>
             <a:t>xgBoost modeling</a:t>
           </a:r>
         </a:p>
       </dsp:txBody>
       <dsp:txXfrm>
-        <a:off x="604574" y="1438786"/>
-        <a:ext cx="989010" cy="989010"/>
+        <a:off x="3902609" y="1438999"/>
+        <a:ext cx="988984" cy="988984"/>
       </dsp:txXfrm>
     </dsp:sp>
     <dsp:sp modelId="{5D1D5FE8-5976-0B46-BDBF-49B376A04D80}">
@@ -5432,8 +7020,8 @@
       </dsp:nvSpPr>
       <dsp:spPr>
         <a:xfrm rot="19440000">
-          <a:off x="1754078" y="1086512"/>
-          <a:ext cx="371263" cy="472051"/>
+          <a:off x="5051950" y="1087031"/>
+          <a:ext cx="370700" cy="472039"/>
         </a:xfrm>
         <a:prstGeom prst="rightArrow">
           <a:avLst>
@@ -5442,10 +7030,11 @@
           </a:avLst>
         </a:prstGeom>
         <a:solidFill>
-          <a:schemeClr val="accent2">
-            <a:hueOff val="-10078453"/>
-            <a:satOff val="0"/>
-            <a:lumOff val="17452"/>
+          <a:schemeClr val="accent3">
+            <a:shade val="90000"/>
+            <a:hueOff val="-220683"/>
+            <a:satOff val="3924"/>
+            <a:lumOff val="13283"/>
             <a:alphaOff val="0"/>
           </a:schemeClr>
         </a:solidFill>
@@ -5474,7 +7063,7 @@
         </a:bodyPr>
         <a:lstStyle/>
         <a:p>
-          <a:pPr marL="0" lvl="0" indent="0" algn="ctr" defTabSz="533400">
+          <a:pPr marL="0" lvl="0" indent="0" algn="ctr" defTabSz="488950">
             <a:lnSpc>
               <a:spcPct val="90000"/>
             </a:lnSpc>
@@ -5486,12 +7075,12 @@
             </a:spcAft>
             <a:buNone/>
           </a:pPr>
-          <a:endParaRPr lang="en-US" sz="1200" kern="1200"/>
+          <a:endParaRPr lang="en-US" sz="1100" kern="1200"/>
         </a:p>
       </dsp:txBody>
       <dsp:txXfrm>
-        <a:off x="1764714" y="1213655"/>
-        <a:ext cx="259884" cy="283231"/>
+        <a:off x="5062570" y="1214123"/>
+        <a:ext cx="259490" cy="283223"/>
       </dsp:txXfrm>
     </dsp:sp>
   </dsp:spTree>
@@ -5806,8 +7395,8 @@
       </dsp:nvSpPr>
       <dsp:spPr>
         <a:xfrm rot="5400000">
-          <a:off x="-221222" y="223646"/>
-          <a:ext cx="1474818" cy="1032372"/>
+          <a:off x="-199272" y="201600"/>
+          <a:ext cx="1328483" cy="929938"/>
         </a:xfrm>
         <a:prstGeom prst="chevron">
           <a:avLst/>
@@ -5849,12 +7438,12 @@
         </a:fontRef>
       </dsp:style>
       <dsp:txBody>
-        <a:bodyPr spcFirstLastPara="0" vert="horz" wrap="square" lIns="10160" tIns="10160" rIns="10160" bIns="10160" numCol="1" spcCol="1270" anchor="ctr" anchorCtr="0">
+        <a:bodyPr spcFirstLastPara="0" vert="horz" wrap="square" lIns="8890" tIns="8890" rIns="8890" bIns="8890" numCol="1" spcCol="1270" anchor="ctr" anchorCtr="0">
           <a:noAutofit/>
         </a:bodyPr>
         <a:lstStyle/>
         <a:p>
-          <a:pPr marL="0" lvl="0" indent="0" algn="ctr" defTabSz="711200">
+          <a:pPr marL="0" lvl="0" indent="0" algn="ctr" defTabSz="622300">
             <a:lnSpc>
               <a:spcPct val="90000"/>
             </a:lnSpc>
@@ -5867,14 +7456,14 @@
             <a:buNone/>
           </a:pPr>
           <a:r>
-            <a:rPr lang="en-US" sz="1600" kern="1200" dirty="0"/>
+            <a:rPr lang="en-US" sz="1400" kern="1200" dirty="0"/>
             <a:t>Data Sampling</a:t>
           </a:r>
         </a:p>
       </dsp:txBody>
       <dsp:txXfrm rot="-5400000">
-        <a:off x="1" y="518609"/>
-        <a:ext cx="1032372" cy="442446"/>
+        <a:off x="1" y="467296"/>
+        <a:ext cx="929938" cy="398545"/>
       </dsp:txXfrm>
     </dsp:sp>
     <dsp:sp modelId="{F372360A-A6F3-BA4D-B8E5-FA9E6E608479}">
@@ -5884,8 +7473,8 @@
       </dsp:nvSpPr>
       <dsp:spPr>
         <a:xfrm rot="5400000">
-          <a:off x="5737582" y="-4702786"/>
-          <a:ext cx="958631" cy="10369052"/>
+          <a:off x="5167187" y="-4234920"/>
+          <a:ext cx="863514" cy="9338011"/>
         </a:xfrm>
         <a:prstGeom prst="round2SameRect">
           <a:avLst/>
@@ -5926,12 +7515,12 @@
         <a:fontRef idx="minor"/>
       </dsp:style>
       <dsp:txBody>
-        <a:bodyPr spcFirstLastPara="0" vert="horz" wrap="square" lIns="220472" tIns="19685" rIns="19685" bIns="19685" numCol="1" spcCol="1270" anchor="ctr" anchorCtr="0">
+        <a:bodyPr spcFirstLastPara="0" vert="horz" wrap="square" lIns="199136" tIns="17780" rIns="17780" bIns="17780" numCol="1" spcCol="1270" anchor="ctr" anchorCtr="0">
           <a:noAutofit/>
         </a:bodyPr>
         <a:lstStyle/>
         <a:p>
-          <a:pPr marL="285750" lvl="1" indent="-285750" algn="ctr" defTabSz="1377950">
+          <a:pPr marL="285750" lvl="1" indent="-285750" algn="ctr" defTabSz="1244600">
             <a:lnSpc>
               <a:spcPct val="90000"/>
             </a:lnSpc>
@@ -5944,14 +7533,14 @@
             <a:buChar char="•"/>
           </a:pPr>
           <a:r>
-            <a:rPr lang="en-US" sz="3100" kern="1200" dirty="0"/>
-            <a:t>Increase the amount of samples and focus the data on more qualitative features</a:t>
+            <a:rPr lang="en-US" sz="2800" kern="1200" dirty="0"/>
+            <a:t>Increase the number of samples and focus the data on more qualitative features</a:t>
           </a:r>
         </a:p>
       </dsp:txBody>
       <dsp:txXfrm rot="-5400000">
-        <a:off x="1032372" y="49221"/>
-        <a:ext cx="10322255" cy="865037"/>
+        <a:off x="929939" y="44481"/>
+        <a:ext cx="9295858" cy="779208"/>
       </dsp:txXfrm>
     </dsp:sp>
     <dsp:sp modelId="{26E14BE1-3271-9E45-9133-451D41965FE6}">
@@ -5961,8 +7550,8 @@
       </dsp:nvSpPr>
       <dsp:spPr>
         <a:xfrm rot="5400000">
-          <a:off x="-221222" y="1502816"/>
-          <a:ext cx="1474818" cy="1032372"/>
+          <a:off x="-199272" y="1332080"/>
+          <a:ext cx="1328483" cy="929938"/>
         </a:xfrm>
         <a:prstGeom prst="chevron">
           <a:avLst/>
@@ -6004,12 +7593,12 @@
         </a:fontRef>
       </dsp:style>
       <dsp:txBody>
-        <a:bodyPr spcFirstLastPara="0" vert="horz" wrap="square" lIns="10160" tIns="10160" rIns="10160" bIns="10160" numCol="1" spcCol="1270" anchor="ctr" anchorCtr="0">
+        <a:bodyPr spcFirstLastPara="0" vert="horz" wrap="square" lIns="8890" tIns="8890" rIns="8890" bIns="8890" numCol="1" spcCol="1270" anchor="ctr" anchorCtr="0">
           <a:noAutofit/>
         </a:bodyPr>
         <a:lstStyle/>
         <a:p>
-          <a:pPr marL="0" lvl="0" indent="0" algn="ctr" defTabSz="711200">
+          <a:pPr marL="0" lvl="0" indent="0" algn="ctr" defTabSz="622300">
             <a:lnSpc>
               <a:spcPct val="90000"/>
             </a:lnSpc>
@@ -6022,14 +7611,14 @@
             <a:buNone/>
           </a:pPr>
           <a:r>
-            <a:rPr lang="en-US" sz="1600" kern="1200" dirty="0"/>
+            <a:rPr lang="en-US" sz="1400" kern="1200" dirty="0"/>
             <a:t>Predictive analysis</a:t>
           </a:r>
         </a:p>
       </dsp:txBody>
       <dsp:txXfrm rot="-5400000">
-        <a:off x="1" y="1797779"/>
-        <a:ext cx="1032372" cy="442446"/>
+        <a:off x="1" y="1597776"/>
+        <a:ext cx="929938" cy="398545"/>
       </dsp:txXfrm>
     </dsp:sp>
     <dsp:sp modelId="{8FB77DD7-24E0-8B4F-A2B5-511C89D4E9EF}">
@@ -6039,8 +7628,8 @@
       </dsp:nvSpPr>
       <dsp:spPr>
         <a:xfrm rot="5400000">
-          <a:off x="5737582" y="-3423616"/>
-          <a:ext cx="958631" cy="10369052"/>
+          <a:off x="5167187" y="-3104440"/>
+          <a:ext cx="863514" cy="9338011"/>
         </a:xfrm>
         <a:prstGeom prst="round2SameRect">
           <a:avLst/>
@@ -6081,12 +7670,12 @@
         <a:fontRef idx="minor"/>
       </dsp:style>
       <dsp:txBody>
-        <a:bodyPr spcFirstLastPara="0" vert="horz" wrap="square" lIns="220472" tIns="19685" rIns="19685" bIns="19685" numCol="1" spcCol="1270" anchor="ctr" anchorCtr="0">
+        <a:bodyPr spcFirstLastPara="0" vert="horz" wrap="square" lIns="199136" tIns="17780" rIns="17780" bIns="17780" numCol="1" spcCol="1270" anchor="ctr" anchorCtr="0">
           <a:noAutofit/>
         </a:bodyPr>
         <a:lstStyle/>
         <a:p>
-          <a:pPr marL="285750" lvl="1" indent="-285750" algn="ctr" defTabSz="1377950">
+          <a:pPr marL="285750" lvl="1" indent="-285750" algn="ctr" defTabSz="1244600">
             <a:lnSpc>
               <a:spcPct val="90000"/>
             </a:lnSpc>
@@ -6099,14 +7688,15 @@
             <a:buChar char="•"/>
           </a:pPr>
           <a:r>
-            <a:rPr lang="en-US" sz="3100" kern="1200" dirty="0"/>
-            <a:t>Increasing the accuracy of the of the predictive model</a:t>
+            <a:rPr lang="en-US" sz="2800" kern="1200"/>
+            <a:t>Increasing the accuracy of the predictive model</a:t>
           </a:r>
+          <a:endParaRPr lang="en-US" sz="2800" kern="1200" dirty="0"/>
         </a:p>
       </dsp:txBody>
       <dsp:txXfrm rot="-5400000">
-        <a:off x="1032372" y="1328391"/>
-        <a:ext cx="10322255" cy="865037"/>
+        <a:off x="929939" y="1174961"/>
+        <a:ext cx="9295858" cy="779208"/>
       </dsp:txXfrm>
     </dsp:sp>
     <dsp:sp modelId="{4440EA4F-C2D5-E540-B884-66717D7B198B}">
@@ -6116,8 +7706,8 @@
       </dsp:nvSpPr>
       <dsp:spPr>
         <a:xfrm rot="5400000">
-          <a:off x="-221222" y="2781985"/>
-          <a:ext cx="1474818" cy="1032372"/>
+          <a:off x="-199272" y="2462561"/>
+          <a:ext cx="1328483" cy="929938"/>
         </a:xfrm>
         <a:prstGeom prst="chevron">
           <a:avLst/>
@@ -6159,12 +7749,12 @@
         </a:fontRef>
       </dsp:style>
       <dsp:txBody>
-        <a:bodyPr spcFirstLastPara="0" vert="horz" wrap="square" lIns="10160" tIns="10160" rIns="10160" bIns="10160" numCol="1" spcCol="1270" anchor="ctr" anchorCtr="0">
+        <a:bodyPr spcFirstLastPara="0" vert="horz" wrap="square" lIns="8890" tIns="8890" rIns="8890" bIns="8890" numCol="1" spcCol="1270" anchor="ctr" anchorCtr="0">
           <a:noAutofit/>
         </a:bodyPr>
         <a:lstStyle/>
         <a:p>
-          <a:pPr marL="0" lvl="0" indent="0" algn="ctr" defTabSz="711200">
+          <a:pPr marL="0" lvl="0" indent="0" algn="ctr" defTabSz="622300">
             <a:lnSpc>
               <a:spcPct val="90000"/>
             </a:lnSpc>
@@ -6177,14 +7767,14 @@
             <a:buNone/>
           </a:pPr>
           <a:r>
-            <a:rPr lang="en-US" sz="1600" kern="1200" dirty="0"/>
+            <a:rPr lang="en-US" sz="1400" kern="1200" dirty="0"/>
             <a:t>Time series data</a:t>
           </a:r>
         </a:p>
       </dsp:txBody>
       <dsp:txXfrm rot="-5400000">
-        <a:off x="1" y="3076948"/>
-        <a:ext cx="1032372" cy="442446"/>
+        <a:off x="1" y="2728257"/>
+        <a:ext cx="929938" cy="398545"/>
       </dsp:txXfrm>
     </dsp:sp>
     <dsp:sp modelId="{CBAC0619-D906-8E4F-9296-00C305B4369F}">
@@ -6194,8 +7784,8 @@
       </dsp:nvSpPr>
       <dsp:spPr>
         <a:xfrm rot="5400000">
-          <a:off x="5737582" y="-2144447"/>
-          <a:ext cx="958631" cy="10369052"/>
+          <a:off x="5167187" y="-1973959"/>
+          <a:ext cx="863514" cy="9338011"/>
         </a:xfrm>
         <a:prstGeom prst="round2SameRect">
           <a:avLst/>
@@ -6236,12 +7826,12 @@
         <a:fontRef idx="minor"/>
       </dsp:style>
       <dsp:txBody>
-        <a:bodyPr spcFirstLastPara="0" vert="horz" wrap="square" lIns="220472" tIns="19685" rIns="19685" bIns="19685" numCol="1" spcCol="1270" anchor="ctr" anchorCtr="0">
+        <a:bodyPr spcFirstLastPara="0" vert="horz" wrap="square" lIns="199136" tIns="17780" rIns="17780" bIns="17780" numCol="1" spcCol="1270" anchor="ctr" anchorCtr="0">
           <a:noAutofit/>
         </a:bodyPr>
         <a:lstStyle/>
         <a:p>
-          <a:pPr marL="285750" lvl="1" indent="-285750" algn="ctr" defTabSz="1377950">
+          <a:pPr marL="285750" lvl="1" indent="-285750" algn="ctr" defTabSz="1244600">
             <a:lnSpc>
               <a:spcPct val="90000"/>
             </a:lnSpc>
@@ -6254,14 +7844,660 @@
             <a:buChar char="•"/>
           </a:pPr>
           <a:r>
-            <a:rPr lang="en-US" sz="3100" kern="1200" dirty="0"/>
+            <a:rPr lang="en-US" sz="2800" kern="1200"/>
             <a:t>Include time series data into the data set to determine whether different times of the year have an effect</a:t>
+          </a:r>
+          <a:endParaRPr lang="en-US" sz="2800" kern="1200" dirty="0"/>
+        </a:p>
+      </dsp:txBody>
+      <dsp:txXfrm rot="-5400000">
+        <a:off x="929939" y="2305442"/>
+        <a:ext cx="9295858" cy="779208"/>
+      </dsp:txXfrm>
+    </dsp:sp>
+  </dsp:spTree>
+</dsp:drawing>
+</file>
+
+<file path=ppt/diagrams/drawing5.xml><?xml version="1.0" encoding="utf-8"?>
+<dsp:drawing xmlns:dgm="http://schemas.openxmlformats.org/drawingml/2006/diagram" xmlns:dsp="http://schemas.microsoft.com/office/drawing/2008/diagram" xmlns:a="http://schemas.openxmlformats.org/drawingml/2006/main">
+  <dsp:spTree>
+    <dsp:nvGrpSpPr>
+      <dsp:cNvPr id="0" name=""/>
+      <dsp:cNvGrpSpPr/>
+    </dsp:nvGrpSpPr>
+    <dsp:grpSpPr/>
+    <dsp:sp modelId="{B48ACCA5-5301-488C-A9F8-25FE0F72B1E1}">
+      <dsp:nvSpPr>
+        <dsp:cNvPr id="0" name=""/>
+        <dsp:cNvSpPr/>
+      </dsp:nvSpPr>
+      <dsp:spPr>
+        <a:xfrm>
+          <a:off x="0" y="438"/>
+          <a:ext cx="10926762" cy="1026635"/>
+        </a:xfrm>
+        <a:prstGeom prst="roundRect">
+          <a:avLst>
+            <a:gd name="adj" fmla="val 10000"/>
+          </a:avLst>
+        </a:prstGeom>
+        <a:solidFill>
+          <a:schemeClr val="accent2">
+            <a:hueOff val="0"/>
+            <a:satOff val="0"/>
+            <a:lumOff val="0"/>
+            <a:alphaOff val="0"/>
+          </a:schemeClr>
+        </a:solidFill>
+        <a:ln>
+          <a:noFill/>
+        </a:ln>
+        <a:effectLst/>
+      </dsp:spPr>
+      <dsp:style>
+        <a:lnRef idx="0">
+          <a:scrgbClr r="0" g="0" b="0"/>
+        </a:lnRef>
+        <a:fillRef idx="1">
+          <a:scrgbClr r="0" g="0" b="0"/>
+        </a:fillRef>
+        <a:effectRef idx="0">
+          <a:scrgbClr r="0" g="0" b="0"/>
+        </a:effectRef>
+        <a:fontRef idx="minor"/>
+      </dsp:style>
+    </dsp:sp>
+    <dsp:sp modelId="{70C4AC8B-8D1F-4838-ABC3-C1375E8AB5DE}">
+      <dsp:nvSpPr>
+        <dsp:cNvPr id="0" name=""/>
+        <dsp:cNvSpPr/>
+      </dsp:nvSpPr>
+      <dsp:spPr>
+        <a:xfrm>
+          <a:off x="310557" y="231431"/>
+          <a:ext cx="564649" cy="564649"/>
+        </a:xfrm>
+        <a:prstGeom prst="rect">
+          <a:avLst/>
+        </a:prstGeom>
+        <a:blipFill>
+          <a:blip xmlns:r="http://schemas.openxmlformats.org/officeDocument/2006/relationships" r:embed="rId1">
+            <a:extLst>
+              <a:ext uri="{28A0092B-C50C-407E-A947-70E740481C1C}">
+                <a14:useLocalDpi xmlns:a14="http://schemas.microsoft.com/office/drawing/2010/main" val="0"/>
+              </a:ext>
+              <a:ext uri="{96DAC541-7B7A-43D3-8B79-37D633B846F1}">
+                <asvg:svgBlip xmlns:asvg="http://schemas.microsoft.com/office/drawing/2016/SVG/main" r:embed="rId2"/>
+              </a:ext>
+            </a:extLst>
+          </a:blip>
+          <a:stretch>
+            <a:fillRect/>
+          </a:stretch>
+        </a:blipFill>
+        <a:ln w="12700" cap="flat" cmpd="sng" algn="ctr">
+          <a:noFill/>
+          <a:prstDash val="solid"/>
+          <a:miter lim="800000"/>
+        </a:ln>
+        <a:effectLst/>
+      </dsp:spPr>
+      <dsp:style>
+        <a:lnRef idx="2">
+          <a:scrgbClr r="0" g="0" b="0"/>
+        </a:lnRef>
+        <a:fillRef idx="1">
+          <a:scrgbClr r="0" g="0" b="0"/>
+        </a:fillRef>
+        <a:effectRef idx="0">
+          <a:scrgbClr r="0" g="0" b="0"/>
+        </a:effectRef>
+        <a:fontRef idx="minor">
+          <a:schemeClr val="lt1"/>
+        </a:fontRef>
+      </dsp:style>
+    </dsp:sp>
+    <dsp:sp modelId="{D04752A0-1A14-4753-9124-AD9913AF21BF}">
+      <dsp:nvSpPr>
+        <dsp:cNvPr id="0" name=""/>
+        <dsp:cNvSpPr/>
+      </dsp:nvSpPr>
+      <dsp:spPr>
+        <a:xfrm>
+          <a:off x="1185763" y="438"/>
+          <a:ext cx="4917042" cy="1026635"/>
+        </a:xfrm>
+        <a:prstGeom prst="rect">
+          <a:avLst/>
+        </a:prstGeom>
+        <a:noFill/>
+        <a:ln>
+          <a:noFill/>
+        </a:ln>
+        <a:effectLst/>
+      </dsp:spPr>
+      <dsp:style>
+        <a:lnRef idx="0">
+          <a:scrgbClr r="0" g="0" b="0"/>
+        </a:lnRef>
+        <a:fillRef idx="0">
+          <a:scrgbClr r="0" g="0" b="0"/>
+        </a:fillRef>
+        <a:effectRef idx="0">
+          <a:scrgbClr r="0" g="0" b="0"/>
+        </a:effectRef>
+        <a:fontRef idx="minor"/>
+      </dsp:style>
+      <dsp:txBody>
+        <a:bodyPr spcFirstLastPara="0" vert="horz" wrap="square" lIns="108652" tIns="108652" rIns="108652" bIns="108652" numCol="1" spcCol="1270" anchor="ctr" anchorCtr="0">
+          <a:noAutofit/>
+        </a:bodyPr>
+        <a:lstStyle/>
+        <a:p>
+          <a:pPr marL="0" lvl="0" indent="0" algn="l" defTabSz="1111250">
+            <a:lnSpc>
+              <a:spcPct val="100000"/>
+            </a:lnSpc>
+            <a:spcBef>
+              <a:spcPct val="0"/>
+            </a:spcBef>
+            <a:spcAft>
+              <a:spcPct val="35000"/>
+            </a:spcAft>
+            <a:buNone/>
+          </a:pPr>
+          <a:r>
+            <a:rPr lang="en-US" sz="2500" kern="1200"/>
+            <a:t>Discount Offered</a:t>
           </a:r>
         </a:p>
       </dsp:txBody>
-      <dsp:txXfrm rot="-5400000">
-        <a:off x="1032372" y="2607560"/>
-        <a:ext cx="10322255" cy="865037"/>
+      <dsp:txXfrm>
+        <a:off x="1185763" y="438"/>
+        <a:ext cx="4917042" cy="1026635"/>
+      </dsp:txXfrm>
+    </dsp:sp>
+    <dsp:sp modelId="{8D17C29F-BC53-44DE-8B3F-8055C53641FB}">
+      <dsp:nvSpPr>
+        <dsp:cNvPr id="0" name=""/>
+        <dsp:cNvSpPr/>
+      </dsp:nvSpPr>
+      <dsp:spPr>
+        <a:xfrm>
+          <a:off x="6102806" y="438"/>
+          <a:ext cx="4823955" cy="1026635"/>
+        </a:xfrm>
+        <a:prstGeom prst="rect">
+          <a:avLst/>
+        </a:prstGeom>
+        <a:noFill/>
+        <a:ln>
+          <a:noFill/>
+        </a:ln>
+        <a:effectLst/>
+      </dsp:spPr>
+      <dsp:style>
+        <a:lnRef idx="0">
+          <a:scrgbClr r="0" g="0" b="0"/>
+        </a:lnRef>
+        <a:fillRef idx="0">
+          <a:scrgbClr r="0" g="0" b="0"/>
+        </a:fillRef>
+        <a:effectRef idx="0">
+          <a:scrgbClr r="0" g="0" b="0"/>
+        </a:effectRef>
+        <a:fontRef idx="minor"/>
+      </dsp:style>
+      <dsp:txBody>
+        <a:bodyPr spcFirstLastPara="0" vert="horz" wrap="square" lIns="108652" tIns="108652" rIns="108652" bIns="108652" numCol="1" spcCol="1270" anchor="ctr" anchorCtr="0">
+          <a:noAutofit/>
+        </a:bodyPr>
+        <a:lstStyle/>
+        <a:p>
+          <a:pPr marL="0" lvl="0" indent="0" algn="l" defTabSz="800100">
+            <a:lnSpc>
+              <a:spcPct val="100000"/>
+            </a:lnSpc>
+            <a:spcBef>
+              <a:spcPct val="0"/>
+            </a:spcBef>
+            <a:spcAft>
+              <a:spcPct val="35000"/>
+            </a:spcAft>
+            <a:buNone/>
+          </a:pPr>
+          <a:r>
+            <a:rPr lang="en-US" sz="1800" kern="1200"/>
+            <a:t>Prepare for when a product is going to be discounted by creating a space in the warehouse for those product</a:t>
+          </a:r>
+        </a:p>
+      </dsp:txBody>
+      <dsp:txXfrm>
+        <a:off x="6102806" y="438"/>
+        <a:ext cx="4823955" cy="1026635"/>
+      </dsp:txXfrm>
+    </dsp:sp>
+    <dsp:sp modelId="{9EA269C8-19DF-447B-A702-9FC88D2AD823}">
+      <dsp:nvSpPr>
+        <dsp:cNvPr id="0" name=""/>
+        <dsp:cNvSpPr/>
+      </dsp:nvSpPr>
+      <dsp:spPr>
+        <a:xfrm>
+          <a:off x="0" y="1283732"/>
+          <a:ext cx="10926762" cy="1026635"/>
+        </a:xfrm>
+        <a:prstGeom prst="roundRect">
+          <a:avLst>
+            <a:gd name="adj" fmla="val 10000"/>
+          </a:avLst>
+        </a:prstGeom>
+        <a:solidFill>
+          <a:schemeClr val="accent3">
+            <a:hueOff val="0"/>
+            <a:satOff val="0"/>
+            <a:lumOff val="0"/>
+            <a:alphaOff val="0"/>
+          </a:schemeClr>
+        </a:solidFill>
+        <a:ln>
+          <a:noFill/>
+        </a:ln>
+        <a:effectLst/>
+      </dsp:spPr>
+      <dsp:style>
+        <a:lnRef idx="0">
+          <a:scrgbClr r="0" g="0" b="0"/>
+        </a:lnRef>
+        <a:fillRef idx="1">
+          <a:scrgbClr r="0" g="0" b="0"/>
+        </a:fillRef>
+        <a:effectRef idx="0">
+          <a:scrgbClr r="0" g="0" b="0"/>
+        </a:effectRef>
+        <a:fontRef idx="minor"/>
+      </dsp:style>
+    </dsp:sp>
+    <dsp:sp modelId="{EA88B3C5-0358-40C8-B305-A472B3D50352}">
+      <dsp:nvSpPr>
+        <dsp:cNvPr id="0" name=""/>
+        <dsp:cNvSpPr/>
+      </dsp:nvSpPr>
+      <dsp:spPr>
+        <a:xfrm>
+          <a:off x="310557" y="1514725"/>
+          <a:ext cx="564649" cy="564649"/>
+        </a:xfrm>
+        <a:prstGeom prst="rect">
+          <a:avLst/>
+        </a:prstGeom>
+        <a:blipFill>
+          <a:blip xmlns:r="http://schemas.openxmlformats.org/officeDocument/2006/relationships" r:embed="rId3">
+            <a:extLst>
+              <a:ext uri="{28A0092B-C50C-407E-A947-70E740481C1C}">
+                <a14:useLocalDpi xmlns:a14="http://schemas.microsoft.com/office/drawing/2010/main" val="0"/>
+              </a:ext>
+              <a:ext uri="{96DAC541-7B7A-43D3-8B79-37D633B846F1}">
+                <asvg:svgBlip xmlns:asvg="http://schemas.microsoft.com/office/drawing/2016/SVG/main" r:embed="rId4"/>
+              </a:ext>
+            </a:extLst>
+          </a:blip>
+          <a:stretch>
+            <a:fillRect/>
+          </a:stretch>
+        </a:blipFill>
+        <a:ln w="12700" cap="flat" cmpd="sng" algn="ctr">
+          <a:noFill/>
+          <a:prstDash val="solid"/>
+          <a:miter lim="800000"/>
+        </a:ln>
+        <a:effectLst/>
+      </dsp:spPr>
+      <dsp:style>
+        <a:lnRef idx="2">
+          <a:scrgbClr r="0" g="0" b="0"/>
+        </a:lnRef>
+        <a:fillRef idx="1">
+          <a:scrgbClr r="0" g="0" b="0"/>
+        </a:fillRef>
+        <a:effectRef idx="0">
+          <a:scrgbClr r="0" g="0" b="0"/>
+        </a:effectRef>
+        <a:fontRef idx="minor">
+          <a:schemeClr val="lt1"/>
+        </a:fontRef>
+      </dsp:style>
+    </dsp:sp>
+    <dsp:sp modelId="{0B2D5DB4-8B1F-4E2D-BA00-9A9C7BEE650A}">
+      <dsp:nvSpPr>
+        <dsp:cNvPr id="0" name=""/>
+        <dsp:cNvSpPr/>
+      </dsp:nvSpPr>
+      <dsp:spPr>
+        <a:xfrm>
+          <a:off x="1185763" y="1283732"/>
+          <a:ext cx="4917042" cy="1026635"/>
+        </a:xfrm>
+        <a:prstGeom prst="rect">
+          <a:avLst/>
+        </a:prstGeom>
+        <a:noFill/>
+        <a:ln>
+          <a:noFill/>
+        </a:ln>
+        <a:effectLst/>
+      </dsp:spPr>
+      <dsp:style>
+        <a:lnRef idx="0">
+          <a:scrgbClr r="0" g="0" b="0"/>
+        </a:lnRef>
+        <a:fillRef idx="0">
+          <a:scrgbClr r="0" g="0" b="0"/>
+        </a:fillRef>
+        <a:effectRef idx="0">
+          <a:scrgbClr r="0" g="0" b="0"/>
+        </a:effectRef>
+        <a:fontRef idx="minor"/>
+      </dsp:style>
+      <dsp:txBody>
+        <a:bodyPr spcFirstLastPara="0" vert="horz" wrap="square" lIns="108652" tIns="108652" rIns="108652" bIns="108652" numCol="1" spcCol="1270" anchor="ctr" anchorCtr="0">
+          <a:noAutofit/>
+        </a:bodyPr>
+        <a:lstStyle/>
+        <a:p>
+          <a:pPr marL="0" lvl="0" indent="0" algn="l" defTabSz="1111250">
+            <a:lnSpc>
+              <a:spcPct val="100000"/>
+            </a:lnSpc>
+            <a:spcBef>
+              <a:spcPct val="0"/>
+            </a:spcBef>
+            <a:spcAft>
+              <a:spcPct val="35000"/>
+            </a:spcAft>
+            <a:buNone/>
+          </a:pPr>
+          <a:r>
+            <a:rPr lang="en-US" sz="2500" kern="1200"/>
+            <a:t>Product Weight</a:t>
+          </a:r>
+        </a:p>
+      </dsp:txBody>
+      <dsp:txXfrm>
+        <a:off x="1185763" y="1283732"/>
+        <a:ext cx="4917042" cy="1026635"/>
+      </dsp:txXfrm>
+    </dsp:sp>
+    <dsp:sp modelId="{0E5C0655-835D-49D9-8D19-775790A95C8C}">
+      <dsp:nvSpPr>
+        <dsp:cNvPr id="0" name=""/>
+        <dsp:cNvSpPr/>
+      </dsp:nvSpPr>
+      <dsp:spPr>
+        <a:xfrm>
+          <a:off x="6102806" y="1283732"/>
+          <a:ext cx="4823955" cy="1026635"/>
+        </a:xfrm>
+        <a:prstGeom prst="rect">
+          <a:avLst/>
+        </a:prstGeom>
+        <a:noFill/>
+        <a:ln>
+          <a:noFill/>
+        </a:ln>
+        <a:effectLst/>
+      </dsp:spPr>
+      <dsp:style>
+        <a:lnRef idx="0">
+          <a:scrgbClr r="0" g="0" b="0"/>
+        </a:lnRef>
+        <a:fillRef idx="0">
+          <a:scrgbClr r="0" g="0" b="0"/>
+        </a:fillRef>
+        <a:effectRef idx="0">
+          <a:scrgbClr r="0" g="0" b="0"/>
+        </a:effectRef>
+        <a:fontRef idx="minor"/>
+      </dsp:style>
+      <dsp:txBody>
+        <a:bodyPr spcFirstLastPara="0" vert="horz" wrap="square" lIns="108652" tIns="108652" rIns="108652" bIns="108652" numCol="1" spcCol="1270" anchor="ctr" anchorCtr="0">
+          <a:noAutofit/>
+        </a:bodyPr>
+        <a:lstStyle/>
+        <a:p>
+          <a:pPr marL="0" lvl="0" indent="0" algn="l" defTabSz="800100">
+            <a:lnSpc>
+              <a:spcPct val="100000"/>
+            </a:lnSpc>
+            <a:spcBef>
+              <a:spcPct val="0"/>
+            </a:spcBef>
+            <a:spcAft>
+              <a:spcPct val="35000"/>
+            </a:spcAft>
+            <a:buNone/>
+          </a:pPr>
+          <a:r>
+            <a:rPr lang="en-US" sz="1800" kern="1200"/>
+            <a:t>Create a warehouse Block which handles all larger products with train staff to handle more efficientl</a:t>
+          </a:r>
+        </a:p>
+      </dsp:txBody>
+      <dsp:txXfrm>
+        <a:off x="6102806" y="1283732"/>
+        <a:ext cx="4823955" cy="1026635"/>
+      </dsp:txXfrm>
+    </dsp:sp>
+    <dsp:sp modelId="{E447F8B9-F747-4B1A-AA18-7511FB0A1847}">
+      <dsp:nvSpPr>
+        <dsp:cNvPr id="0" name=""/>
+        <dsp:cNvSpPr/>
+      </dsp:nvSpPr>
+      <dsp:spPr>
+        <a:xfrm>
+          <a:off x="0" y="2567026"/>
+          <a:ext cx="10926762" cy="1026635"/>
+        </a:xfrm>
+        <a:prstGeom prst="roundRect">
+          <a:avLst>
+            <a:gd name="adj" fmla="val 10000"/>
+          </a:avLst>
+        </a:prstGeom>
+        <a:solidFill>
+          <a:schemeClr val="accent4">
+            <a:hueOff val="0"/>
+            <a:satOff val="0"/>
+            <a:lumOff val="0"/>
+            <a:alphaOff val="0"/>
+          </a:schemeClr>
+        </a:solidFill>
+        <a:ln>
+          <a:noFill/>
+        </a:ln>
+        <a:effectLst/>
+      </dsp:spPr>
+      <dsp:style>
+        <a:lnRef idx="0">
+          <a:scrgbClr r="0" g="0" b="0"/>
+        </a:lnRef>
+        <a:fillRef idx="1">
+          <a:scrgbClr r="0" g="0" b="0"/>
+        </a:fillRef>
+        <a:effectRef idx="0">
+          <a:scrgbClr r="0" g="0" b="0"/>
+        </a:effectRef>
+        <a:fontRef idx="minor"/>
+      </dsp:style>
+    </dsp:sp>
+    <dsp:sp modelId="{7B4380A9-FBA8-4EF4-9FE6-C10E3B20F881}">
+      <dsp:nvSpPr>
+        <dsp:cNvPr id="0" name=""/>
+        <dsp:cNvSpPr/>
+      </dsp:nvSpPr>
+      <dsp:spPr>
+        <a:xfrm>
+          <a:off x="310557" y="2798019"/>
+          <a:ext cx="564649" cy="564649"/>
+        </a:xfrm>
+        <a:prstGeom prst="rect">
+          <a:avLst/>
+        </a:prstGeom>
+        <a:blipFill>
+          <a:blip xmlns:r="http://schemas.openxmlformats.org/officeDocument/2006/relationships" r:embed="rId5">
+            <a:extLst>
+              <a:ext uri="{28A0092B-C50C-407E-A947-70E740481C1C}">
+                <a14:useLocalDpi xmlns:a14="http://schemas.microsoft.com/office/drawing/2010/main" val="0"/>
+              </a:ext>
+              <a:ext uri="{96DAC541-7B7A-43D3-8B79-37D633B846F1}">
+                <asvg:svgBlip xmlns:asvg="http://schemas.microsoft.com/office/drawing/2016/SVG/main" r:embed="rId6"/>
+              </a:ext>
+            </a:extLst>
+          </a:blip>
+          <a:stretch>
+            <a:fillRect/>
+          </a:stretch>
+        </a:blipFill>
+        <a:ln w="12700" cap="flat" cmpd="sng" algn="ctr">
+          <a:noFill/>
+          <a:prstDash val="solid"/>
+          <a:miter lim="800000"/>
+        </a:ln>
+        <a:effectLst/>
+      </dsp:spPr>
+      <dsp:style>
+        <a:lnRef idx="2">
+          <a:scrgbClr r="0" g="0" b="0"/>
+        </a:lnRef>
+        <a:fillRef idx="1">
+          <a:scrgbClr r="0" g="0" b="0"/>
+        </a:fillRef>
+        <a:effectRef idx="0">
+          <a:scrgbClr r="0" g="0" b="0"/>
+        </a:effectRef>
+        <a:fontRef idx="minor">
+          <a:schemeClr val="lt1"/>
+        </a:fontRef>
+      </dsp:style>
+    </dsp:sp>
+    <dsp:sp modelId="{DB434856-15ED-492D-B7CE-4E8C1F8AABFF}">
+      <dsp:nvSpPr>
+        <dsp:cNvPr id="0" name=""/>
+        <dsp:cNvSpPr/>
+      </dsp:nvSpPr>
+      <dsp:spPr>
+        <a:xfrm>
+          <a:off x="1185763" y="2567026"/>
+          <a:ext cx="4917042" cy="1026635"/>
+        </a:xfrm>
+        <a:prstGeom prst="rect">
+          <a:avLst/>
+        </a:prstGeom>
+        <a:noFill/>
+        <a:ln>
+          <a:noFill/>
+        </a:ln>
+        <a:effectLst/>
+      </dsp:spPr>
+      <dsp:style>
+        <a:lnRef idx="0">
+          <a:scrgbClr r="0" g="0" b="0"/>
+        </a:lnRef>
+        <a:fillRef idx="0">
+          <a:scrgbClr r="0" g="0" b="0"/>
+        </a:fillRef>
+        <a:effectRef idx="0">
+          <a:scrgbClr r="0" g="0" b="0"/>
+        </a:effectRef>
+        <a:fontRef idx="minor"/>
+      </dsp:style>
+      <dsp:txBody>
+        <a:bodyPr spcFirstLastPara="0" vert="horz" wrap="square" lIns="108652" tIns="108652" rIns="108652" bIns="108652" numCol="1" spcCol="1270" anchor="ctr" anchorCtr="0">
+          <a:noAutofit/>
+        </a:bodyPr>
+        <a:lstStyle/>
+        <a:p>
+          <a:pPr marL="0" lvl="0" indent="0" algn="l" defTabSz="1111250">
+            <a:lnSpc>
+              <a:spcPct val="100000"/>
+            </a:lnSpc>
+            <a:spcBef>
+              <a:spcPct val="0"/>
+            </a:spcBef>
+            <a:spcAft>
+              <a:spcPct val="35000"/>
+            </a:spcAft>
+            <a:buNone/>
+          </a:pPr>
+          <a:r>
+            <a:rPr lang="en-US" sz="2500" kern="1200"/>
+            <a:t>Cost of the produce</a:t>
+          </a:r>
+        </a:p>
+      </dsp:txBody>
+      <dsp:txXfrm>
+        <a:off x="1185763" y="2567026"/>
+        <a:ext cx="4917042" cy="1026635"/>
+      </dsp:txXfrm>
+    </dsp:sp>
+    <dsp:sp modelId="{F5F44DE4-4D3D-425D-B88E-6F419762999E}">
+      <dsp:nvSpPr>
+        <dsp:cNvPr id="0" name=""/>
+        <dsp:cNvSpPr/>
+      </dsp:nvSpPr>
+      <dsp:spPr>
+        <a:xfrm>
+          <a:off x="6102806" y="2567026"/>
+          <a:ext cx="4823955" cy="1026635"/>
+        </a:xfrm>
+        <a:prstGeom prst="rect">
+          <a:avLst/>
+        </a:prstGeom>
+        <a:noFill/>
+        <a:ln>
+          <a:noFill/>
+        </a:ln>
+        <a:effectLst/>
+      </dsp:spPr>
+      <dsp:style>
+        <a:lnRef idx="0">
+          <a:scrgbClr r="0" g="0" b="0"/>
+        </a:lnRef>
+        <a:fillRef idx="0">
+          <a:scrgbClr r="0" g="0" b="0"/>
+        </a:fillRef>
+        <a:effectRef idx="0">
+          <a:scrgbClr r="0" g="0" b="0"/>
+        </a:effectRef>
+        <a:fontRef idx="minor"/>
+      </dsp:style>
+      <dsp:txBody>
+        <a:bodyPr spcFirstLastPara="0" vert="horz" wrap="square" lIns="108652" tIns="108652" rIns="108652" bIns="108652" numCol="1" spcCol="1270" anchor="ctr" anchorCtr="0">
+          <a:noAutofit/>
+        </a:bodyPr>
+        <a:lstStyle/>
+        <a:p>
+          <a:pPr marL="0" lvl="0" indent="0" algn="l" defTabSz="800100">
+            <a:lnSpc>
+              <a:spcPct val="100000"/>
+            </a:lnSpc>
+            <a:spcBef>
+              <a:spcPct val="0"/>
+            </a:spcBef>
+            <a:spcAft>
+              <a:spcPct val="35000"/>
+            </a:spcAft>
+            <a:buNone/>
+          </a:pPr>
+          <a:r>
+            <a:rPr lang="en-US" sz="1800" kern="1200"/>
+            <a:t>Segregate the product of higher cost and set up a rapid deployment process for these goods</a:t>
+          </a:r>
+        </a:p>
+      </dsp:txBody>
+      <dsp:txXfrm>
+        <a:off x="6102806" y="2567026"/>
+        <a:ext cx="4823955" cy="1026635"/>
       </dsp:txXfrm>
     </dsp:sp>
   </dsp:spTree>
@@ -7055,6 +9291,300 @@
 </dgm:layoutDef>
 </file>
 
+<file path=ppt/diagrams/layout5.xml><?xml version="1.0" encoding="utf-8"?>
+<dgm:layoutDef xmlns:dgm="http://schemas.openxmlformats.org/drawingml/2006/diagram" xmlns:a="http://schemas.openxmlformats.org/drawingml/2006/main" uniqueId="urn:microsoft.com/office/officeart/2018/2/layout/IconVerticalSolidList">
+  <dgm:title val="Icon Vertical Solid List"/>
+  <dgm:desc val="Use to show a series of visuals from top to bottom with Level 1 or Level 1 and Level 2 text grouped in a shape. Works best with icons or small pictures with lengthier descriptions."/>
+  <dgm:catLst>
+    <dgm:cat type="icon" pri="500"/>
+  </dgm:catLst>
+  <dgm:sampData useDef="1">
+    <dgm:dataModel>
+      <dgm:ptLst/>
+      <dgm:bg/>
+      <dgm:whole/>
+    </dgm:dataModel>
+  </dgm:sampData>
+  <dgm:styleData useDef="1">
+    <dgm:dataModel>
+      <dgm:ptLst/>
+      <dgm:bg/>
+      <dgm:whole/>
+    </dgm:dataModel>
+  </dgm:styleData>
+  <dgm:clrData useDef="1">
+    <dgm:dataModel>
+      <dgm:ptLst/>
+      <dgm:bg/>
+      <dgm:whole/>
+    </dgm:dataModel>
+  </dgm:clrData>
+  <dgm:layoutNode name="root">
+    <dgm:varLst>
+      <dgm:dir/>
+      <dgm:resizeHandles val="exact"/>
+    </dgm:varLst>
+    <dgm:choose name="Name0">
+      <dgm:if name="Name1" axis="self" func="var" arg="dir" op="equ" val="norm">
+        <dgm:alg type="lin">
+          <dgm:param type="linDir" val="fromT"/>
+          <dgm:param type="nodeHorzAlign" val="l"/>
+        </dgm:alg>
+      </dgm:if>
+      <dgm:else name="Name2">
+        <dgm:alg type="lin">
+          <dgm:param type="linDir" val="fromT"/>
+          <dgm:param type="nodeHorzAlign" val="r"/>
+        </dgm:alg>
+      </dgm:else>
+    </dgm:choose>
+    <dgm:shape xmlns:r="http://schemas.openxmlformats.org/officeDocument/2006/relationships" r:blip="">
+      <dgm:adjLst/>
+    </dgm:shape>
+    <dgm:presOf/>
+    <dgm:choose name="Name3">
+      <dgm:if name="Name4" axis="ch" ptType="node" func="cnt" op="lte" val="3">
+        <dgm:constrLst>
+          <dgm:constr type="h" for="ch" forName="compNode" refType="h" fact="0.3"/>
+          <dgm:constr type="w" for="ch" forName="compNode" refType="w"/>
+          <dgm:constr type="h" for="ch" forName="sibTrans" refType="h" refFor="ch" refForName="compNode" fact="0.25"/>
+          <dgm:constr type="primFontSz" for="des" forName="parTx" val="25"/>
+          <dgm:constr type="primFontSz" for="des" forName="desTx" refType="primFontSz" refFor="des" refForName="parTx" op="lte" fact="0.75"/>
+          <dgm:constr type="h" for="des" forName="compNode" op="equ"/>
+          <dgm:constr type="h" for="des" forName="bgRect" op="equ"/>
+          <dgm:constr type="h" for="des" forName="iconRect" op="equ"/>
+          <dgm:constr type="w" for="des" forName="iconRect" op="equ"/>
+          <dgm:constr type="h" for="des" forName="spaceRect" op="equ"/>
+          <dgm:constr type="h" for="des" forName="parTx" op="equ"/>
+          <dgm:constr type="h" for="des" forName="desTx" op="equ"/>
+        </dgm:constrLst>
+      </dgm:if>
+      <dgm:if name="Name5" axis="ch" ptType="node" func="cnt" op="lte" val="4">
+        <dgm:constrLst>
+          <dgm:constr type="h" for="ch" forName="compNode" refType="h" fact="0.3"/>
+          <dgm:constr type="w" for="ch" forName="compNode" refType="w"/>
+          <dgm:constr type="h" for="ch" forName="sibTrans" refType="h" refFor="ch" refForName="compNode" fact="0.25"/>
+          <dgm:constr type="primFontSz" for="des" forName="parTx" val="22"/>
+          <dgm:constr type="primFontSz" for="des" forName="desTx" refType="primFontSz" refFor="des" refForName="parTx" op="lte" fact="0.75"/>
+          <dgm:constr type="h" for="des" forName="compNode" op="equ"/>
+          <dgm:constr type="h" for="des" forName="bgRect" op="equ"/>
+          <dgm:constr type="h" for="des" forName="iconRect" op="equ"/>
+          <dgm:constr type="w" for="des" forName="iconRect" op="equ"/>
+          <dgm:constr type="h" for="des" forName="spaceRect" op="equ"/>
+          <dgm:constr type="h" for="des" forName="parTx" op="equ"/>
+          <dgm:constr type="h" for="des" forName="desTx" op="equ"/>
+        </dgm:constrLst>
+      </dgm:if>
+      <dgm:if name="Name6" axis="ch" ptType="node" func="cnt" op="lte" val="6">
+        <dgm:constrLst>
+          <dgm:constr type="h" for="ch" forName="compNode" refType="h" fact="0.3"/>
+          <dgm:constr type="w" for="ch" forName="compNode" refType="w"/>
+          <dgm:constr type="h" for="ch" forName="sibTrans" refType="h" refFor="ch" refForName="compNode" fact="0.25"/>
+          <dgm:constr type="primFontSz" for="des" forName="parTx" val="19"/>
+          <dgm:constr type="primFontSz" for="des" forName="desTx" refType="primFontSz" refFor="des" refForName="parTx" op="lte" fact="0.75"/>
+          <dgm:constr type="h" for="des" forName="compNode" op="equ"/>
+          <dgm:constr type="h" for="des" forName="bgRect" op="equ"/>
+          <dgm:constr type="h" for="des" forName="iconRect" op="equ"/>
+          <dgm:constr type="w" for="des" forName="iconRect" op="equ"/>
+          <dgm:constr type="h" for="des" forName="spaceRect" op="equ"/>
+          <dgm:constr type="h" for="des" forName="parTx" op="equ"/>
+          <dgm:constr type="h" for="des" forName="desTx" op="equ"/>
+        </dgm:constrLst>
+      </dgm:if>
+      <dgm:else name="Name7">
+        <dgm:constrLst>
+          <dgm:constr type="h" for="ch" forName="compNode" refType="h" fact="0.3"/>
+          <dgm:constr type="w" for="ch" forName="compNode" refType="w"/>
+          <dgm:constr type="h" for="ch" forName="sibTrans" refType="h" refFor="ch" refForName="compNode" fact="0.25"/>
+          <dgm:constr type="primFontSz" for="des" forName="parTx" val="16"/>
+          <dgm:constr type="primFontSz" for="des" forName="desTx" refType="primFontSz" refFor="des" refForName="parTx" op="lte" fact="0.75"/>
+          <dgm:constr type="h" for="des" forName="compNode" op="equ"/>
+          <dgm:constr type="h" for="des" forName="bgRect" op="equ"/>
+          <dgm:constr type="h" for="des" forName="iconRect" op="equ"/>
+          <dgm:constr type="w" for="des" forName="iconRect" op="equ"/>
+          <dgm:constr type="h" for="des" forName="spaceRect" op="equ"/>
+          <dgm:constr type="h" for="des" forName="parTx" op="equ"/>
+          <dgm:constr type="h" for="des" forName="desTx" op="equ"/>
+        </dgm:constrLst>
+      </dgm:else>
+    </dgm:choose>
+    <dgm:ruleLst>
+      <dgm:rule type="h" for="ch" forName="compNode" val="0" fact="NaN" max="NaN"/>
+    </dgm:ruleLst>
+    <dgm:forEach name="Name8" axis="ch" ptType="node">
+      <dgm:layoutNode name="compNode">
+        <dgm:alg type="composite"/>
+        <dgm:shape xmlns:r="http://schemas.openxmlformats.org/officeDocument/2006/relationships" r:blip="">
+          <dgm:adjLst/>
+        </dgm:shape>
+        <dgm:presOf axis="self"/>
+        <dgm:choose name="Name9">
+          <dgm:if name="Name10" axis="ch" ptType="node" func="cnt" op="gte" val="1">
+            <dgm:constrLst>
+              <dgm:constr type="w" for="ch" forName="bgRect" refType="w"/>
+              <dgm:constr type="h" for="ch" forName="bgRect" refType="h"/>
+              <dgm:constr type="l" for="ch" forName="bgRect"/>
+              <dgm:constr type="t" for="ch" forName="bgRect"/>
+              <dgm:constr type="h" for="ch" forName="iconRect" refType="h" fact="0.55"/>
+              <dgm:constr type="w" for="ch" forName="iconRect" refType="h" refFor="ch" refForName="iconRect"/>
+              <dgm:constr type="l" for="ch" forName="iconRect" refType="h" refFor="ch" refForName="iconRect" fact="0.55"/>
+              <dgm:constr type="ctrY" for="ch" forName="iconRect" refType="ctrY" refFor="ch" refForName="bgRect"/>
+              <dgm:constr type="w" for="ch" forName="spaceRect" refType="l" refFor="ch" refForName="iconRect"/>
+              <dgm:constr type="h" for="ch" forName="spaceRect" refType="h"/>
+              <dgm:constr type="l" for="ch" forName="spaceRect" refType="r" refFor="ch" refForName="iconRect"/>
+              <dgm:constr type="t" for="ch" forName="spaceRect"/>
+              <dgm:constr type="w" for="ch" forName="parTx" refType="w" fact="0.45"/>
+              <dgm:constr type="h" for="ch" forName="parTx" refType="h"/>
+              <dgm:constr type="l" for="ch" forName="parTx" refType="r" refFor="ch" refForName="spaceRect"/>
+              <dgm:constr type="t" for="ch" forName="parTx"/>
+              <dgm:constr type="h" for="ch" forName="desTx" refType="h"/>
+              <dgm:constr type="l" for="ch" forName="desTx" refType="r" refFor="ch" refForName="parTx"/>
+              <dgm:constr type="t" for="ch" forName="desTx"/>
+            </dgm:constrLst>
+          </dgm:if>
+          <dgm:else name="Name11">
+            <dgm:constrLst>
+              <dgm:constr type="w" for="ch" forName="bgRect" refType="w"/>
+              <dgm:constr type="h" for="ch" forName="bgRect" refType="h"/>
+              <dgm:constr type="l" for="ch" forName="bgRect"/>
+              <dgm:constr type="t" for="ch" forName="bgRect"/>
+              <dgm:constr type="h" for="ch" forName="iconRect" refType="h" fact="0.55"/>
+              <dgm:constr type="w" for="ch" forName="iconRect" refType="h" refFor="ch" refForName="iconRect"/>
+              <dgm:constr type="l" for="ch" forName="iconRect" refType="h" refFor="ch" refForName="iconRect" fact="0.55"/>
+              <dgm:constr type="ctrY" for="ch" forName="iconRect" refType="ctrY" refFor="ch" refForName="bgRect"/>
+              <dgm:constr type="w" for="ch" forName="spaceRect" refType="l" refFor="ch" refForName="iconRect"/>
+              <dgm:constr type="h" for="ch" forName="spaceRect" refType="h"/>
+              <dgm:constr type="l" for="ch" forName="spaceRect" refType="r" refFor="ch" refForName="iconRect"/>
+              <dgm:constr type="t" for="ch" forName="spaceRect"/>
+              <dgm:constr type="h" for="ch" forName="parTx" refType="h"/>
+              <dgm:constr type="l" for="ch" forName="parTx" refType="r" refFor="ch" refForName="spaceRect"/>
+              <dgm:constr type="t" for="ch" forName="parTx"/>
+            </dgm:constrLst>
+          </dgm:else>
+        </dgm:choose>
+        <dgm:ruleLst>
+          <dgm:rule type="h" val="INF" fact="NaN" max="NaN"/>
+        </dgm:ruleLst>
+        <dgm:layoutNode name="bgRect" styleLbl="bgShp">
+          <dgm:alg type="sp"/>
+          <dgm:shape xmlns:r="http://schemas.openxmlformats.org/officeDocument/2006/relationships" type="roundRect" r:blip="">
+            <dgm:adjLst>
+              <dgm:adj idx="1" val="0.1"/>
+            </dgm:adjLst>
+          </dgm:shape>
+          <dgm:presOf/>
+          <dgm:constrLst/>
+          <dgm:ruleLst/>
+        </dgm:layoutNode>
+        <dgm:layoutNode name="iconRect" styleLbl="node1">
+          <dgm:alg type="sp"/>
+          <dgm:shape xmlns:r="http://schemas.openxmlformats.org/officeDocument/2006/relationships" type="rect" r:blip="" blipPhldr="1">
+            <dgm:adjLst/>
+          </dgm:shape>
+          <dgm:presOf/>
+          <dgm:constrLst/>
+          <dgm:ruleLst/>
+        </dgm:layoutNode>
+        <dgm:layoutNode name="spaceRect">
+          <dgm:alg type="sp"/>
+          <dgm:shape xmlns:r="http://schemas.openxmlformats.org/officeDocument/2006/relationships" r:blip="">
+            <dgm:adjLst/>
+          </dgm:shape>
+          <dgm:presOf/>
+          <dgm:constrLst/>
+          <dgm:ruleLst/>
+        </dgm:layoutNode>
+        <dgm:layoutNode name="parTx" styleLbl="revTx">
+          <dgm:varLst>
+            <dgm:chMax val="0"/>
+            <dgm:chPref val="0"/>
+          </dgm:varLst>
+          <dgm:alg type="tx">
+            <dgm:param type="txAnchorVert" val="mid"/>
+            <dgm:param type="parTxLTRAlign" val="l"/>
+            <dgm:param type="shpTxLTRAlignCh" val="l"/>
+            <dgm:param type="parTxRTLAlign" val="r"/>
+            <dgm:param type="shpTxRTLAlignCh" val="r"/>
+          </dgm:alg>
+          <dgm:shape xmlns:r="http://schemas.openxmlformats.org/officeDocument/2006/relationships" type="rect" r:blip="">
+            <dgm:adjLst/>
+          </dgm:shape>
+          <dgm:presOf axis="self" ptType="node"/>
+          <dgm:constrLst>
+            <dgm:constr type="lMarg" refType="h" fact="0.3"/>
+            <dgm:constr type="rMarg" refType="h" fact="0.3"/>
+            <dgm:constr type="tMarg" refType="h" fact="0.3"/>
+            <dgm:constr type="bMarg" refType="h" fact="0.3"/>
+          </dgm:constrLst>
+          <dgm:ruleLst>
+            <dgm:rule type="primFontSz" val="14" fact="NaN" max="NaN"/>
+            <dgm:rule type="h" val="INF" fact="NaN" max="NaN"/>
+          </dgm:ruleLst>
+        </dgm:layoutNode>
+        <dgm:choose name="Name12">
+          <dgm:if name="Name13" axis="ch" ptType="node" func="cnt" op="gte" val="1">
+            <dgm:layoutNode name="desTx" styleLbl="revTx">
+              <dgm:varLst/>
+              <dgm:alg type="tx">
+                <dgm:param type="txAnchorVertCh" val="mid"/>
+                <dgm:param type="parTxLTRAlign" val="l"/>
+                <dgm:param type="shpTxLTRAlignCh" val="l"/>
+                <dgm:param type="parTxRTLAlign" val="r"/>
+                <dgm:param type="shpTxRTLAlignCh" val="r"/>
+                <dgm:param type="stBulletLvl" val="0"/>
+              </dgm:alg>
+              <dgm:shape xmlns:r="http://schemas.openxmlformats.org/officeDocument/2006/relationships" type="rect" r:blip="">
+                <dgm:adjLst/>
+              </dgm:shape>
+              <dgm:presOf axis="des" ptType="node"/>
+              <dgm:constrLst>
+                <dgm:constr type="primFontSz" val="18"/>
+                <dgm:constr type="secFontSz" refType="primFontSz"/>
+                <dgm:constr type="lMarg" refType="h" fact="0.3"/>
+                <dgm:constr type="rMarg" refType="h" fact="0.3"/>
+                <dgm:constr type="tMarg" refType="h" fact="0.3"/>
+                <dgm:constr type="bMarg" refType="h" fact="0.3"/>
+              </dgm:constrLst>
+              <dgm:ruleLst>
+                <dgm:rule type="primFontSz" val="11" fact="NaN" max="NaN"/>
+              </dgm:ruleLst>
+            </dgm:layoutNode>
+          </dgm:if>
+          <dgm:else name="Name14"/>
+        </dgm:choose>
+      </dgm:layoutNode>
+      <dgm:forEach name="Name15" axis="followSib" ptType="sibTrans" cnt="1">
+        <dgm:layoutNode name="sibTrans">
+          <dgm:alg type="sp"/>
+          <dgm:shape xmlns:r="http://schemas.openxmlformats.org/officeDocument/2006/relationships" r:blip="">
+            <dgm:adjLst/>
+          </dgm:shape>
+          <dgm:presOf axis="self"/>
+          <dgm:constrLst/>
+          <dgm:ruleLst/>
+        </dgm:layoutNode>
+      </dgm:forEach>
+    </dgm:forEach>
+  </dgm:layoutNode>
+  <dgm:extLst>
+    <a:ext uri="{68A01E43-0DF5-4B5B-8FA6-DAF915123BFB}">
+      <dgm1612:lstStyle xmlns:dgm1612="http://schemas.microsoft.com/office/drawing/2016/12/diagram">
+        <a:lvl1pPr>
+          <a:lnSpc>
+            <a:spcPct val="100000"/>
+          </a:lnSpc>
+        </a:lvl1pPr>
+        <a:lvl2pPr>
+          <a:lnSpc>
+            <a:spcPct val="100000"/>
+          </a:lnSpc>
+        </a:lvl2pPr>
+      </dgm1612:lstStyle>
+    </a:ext>
+  </dgm:extLst>
+</dgm:layoutDef>
+</file>
+
 <file path=ppt/diagrams/quickStyle1.xml><?xml version="1.0" encoding="utf-8"?>
 <dgm:styleDef xmlns:dgm="http://schemas.openxmlformats.org/drawingml/2006/diagram" xmlns:a="http://schemas.openxmlformats.org/drawingml/2006/main" uniqueId="urn:microsoft.com/office/officeart/2005/8/quickstyle/simple1">
   <dgm:title val=""/>
@@ -10158,6 +12688,1040 @@
 </file>
 
 <file path=ppt/diagrams/quickStyle4.xml><?xml version="1.0" encoding="utf-8"?>
+<dgm:styleDef xmlns:dgm="http://schemas.openxmlformats.org/drawingml/2006/diagram" xmlns:a="http://schemas.openxmlformats.org/drawingml/2006/main" uniqueId="urn:microsoft.com/office/officeart/2005/8/quickstyle/simple1">
+  <dgm:title val=""/>
+  <dgm:desc val=""/>
+  <dgm:catLst>
+    <dgm:cat type="simple" pri="10100"/>
+  </dgm:catLst>
+  <dgm:scene3d>
+    <a:camera prst="orthographicFront"/>
+    <a:lightRig rig="threePt" dir="t"/>
+  </dgm:scene3d>
+  <dgm:styleLbl name="node0">
+    <dgm:scene3d>
+      <a:camera prst="orthographicFront"/>
+      <a:lightRig rig="threePt" dir="t"/>
+    </dgm:scene3d>
+    <dgm:sp3d/>
+    <dgm:txPr/>
+    <dgm:style>
+      <a:lnRef idx="2">
+        <a:scrgbClr r="0" g="0" b="0"/>
+      </a:lnRef>
+      <a:fillRef idx="1">
+        <a:scrgbClr r="0" g="0" b="0"/>
+      </a:fillRef>
+      <a:effectRef idx="0">
+        <a:scrgbClr r="0" g="0" b="0"/>
+      </a:effectRef>
+      <a:fontRef idx="minor">
+        <a:schemeClr val="lt1"/>
+      </a:fontRef>
+    </dgm:style>
+  </dgm:styleLbl>
+  <dgm:styleLbl name="lnNode1">
+    <dgm:scene3d>
+      <a:camera prst="orthographicFront"/>
+      <a:lightRig rig="threePt" dir="t"/>
+    </dgm:scene3d>
+    <dgm:sp3d/>
+    <dgm:txPr/>
+    <dgm:style>
+      <a:lnRef idx="2">
+        <a:scrgbClr r="0" g="0" b="0"/>
+      </a:lnRef>
+      <a:fillRef idx="1">
+        <a:scrgbClr r="0" g="0" b="0"/>
+      </a:fillRef>
+      <a:effectRef idx="0">
+        <a:scrgbClr r="0" g="0" b="0"/>
+      </a:effectRef>
+      <a:fontRef idx="minor">
+        <a:schemeClr val="lt1"/>
+      </a:fontRef>
+    </dgm:style>
+  </dgm:styleLbl>
+  <dgm:styleLbl name="vennNode1">
+    <dgm:scene3d>
+      <a:camera prst="orthographicFront"/>
+      <a:lightRig rig="threePt" dir="t"/>
+    </dgm:scene3d>
+    <dgm:sp3d/>
+    <dgm:txPr/>
+    <dgm:style>
+      <a:lnRef idx="2">
+        <a:scrgbClr r="0" g="0" b="0"/>
+      </a:lnRef>
+      <a:fillRef idx="1">
+        <a:scrgbClr r="0" g="0" b="0"/>
+      </a:fillRef>
+      <a:effectRef idx="0">
+        <a:scrgbClr r="0" g="0" b="0"/>
+      </a:effectRef>
+      <a:fontRef idx="minor">
+        <a:schemeClr val="tx1"/>
+      </a:fontRef>
+    </dgm:style>
+  </dgm:styleLbl>
+  <dgm:styleLbl name="alignNode1">
+    <dgm:scene3d>
+      <a:camera prst="orthographicFront"/>
+      <a:lightRig rig="threePt" dir="t"/>
+    </dgm:scene3d>
+    <dgm:sp3d/>
+    <dgm:txPr/>
+    <dgm:style>
+      <a:lnRef idx="2">
+        <a:scrgbClr r="0" g="0" b="0"/>
+      </a:lnRef>
+      <a:fillRef idx="1">
+        <a:scrgbClr r="0" g="0" b="0"/>
+      </a:fillRef>
+      <a:effectRef idx="0">
+        <a:scrgbClr r="0" g="0" b="0"/>
+      </a:effectRef>
+      <a:fontRef idx="minor">
+        <a:schemeClr val="lt1"/>
+      </a:fontRef>
+    </dgm:style>
+  </dgm:styleLbl>
+  <dgm:styleLbl name="node1">
+    <dgm:scene3d>
+      <a:camera prst="orthographicFront"/>
+      <a:lightRig rig="threePt" dir="t"/>
+    </dgm:scene3d>
+    <dgm:sp3d/>
+    <dgm:txPr/>
+    <dgm:style>
+      <a:lnRef idx="2">
+        <a:scrgbClr r="0" g="0" b="0"/>
+      </a:lnRef>
+      <a:fillRef idx="1">
+        <a:scrgbClr r="0" g="0" b="0"/>
+      </a:fillRef>
+      <a:effectRef idx="0">
+        <a:scrgbClr r="0" g="0" b="0"/>
+      </a:effectRef>
+      <a:fontRef idx="minor">
+        <a:schemeClr val="lt1"/>
+      </a:fontRef>
+    </dgm:style>
+  </dgm:styleLbl>
+  <dgm:styleLbl name="node2">
+    <dgm:scene3d>
+      <a:camera prst="orthographicFront"/>
+      <a:lightRig rig="threePt" dir="t"/>
+    </dgm:scene3d>
+    <dgm:sp3d/>
+    <dgm:txPr/>
+    <dgm:style>
+      <a:lnRef idx="2">
+        <a:scrgbClr r="0" g="0" b="0"/>
+      </a:lnRef>
+      <a:fillRef idx="1">
+        <a:scrgbClr r="0" g="0" b="0"/>
+      </a:fillRef>
+      <a:effectRef idx="0">
+        <a:scrgbClr r="0" g="0" b="0"/>
+      </a:effectRef>
+      <a:fontRef idx="minor">
+        <a:schemeClr val="lt1"/>
+      </a:fontRef>
+    </dgm:style>
+  </dgm:styleLbl>
+  <dgm:styleLbl name="node3">
+    <dgm:scene3d>
+      <a:camera prst="orthographicFront"/>
+      <a:lightRig rig="threePt" dir="t"/>
+    </dgm:scene3d>
+    <dgm:sp3d/>
+    <dgm:txPr/>
+    <dgm:style>
+      <a:lnRef idx="2">
+        <a:scrgbClr r="0" g="0" b="0"/>
+      </a:lnRef>
+      <a:fillRef idx="1">
+        <a:scrgbClr r="0" g="0" b="0"/>
+      </a:fillRef>
+      <a:effectRef idx="0">
+        <a:scrgbClr r="0" g="0" b="0"/>
+      </a:effectRef>
+      <a:fontRef idx="minor">
+        <a:schemeClr val="lt1"/>
+      </a:fontRef>
+    </dgm:style>
+  </dgm:styleLbl>
+  <dgm:styleLbl name="node4">
+    <dgm:scene3d>
+      <a:camera prst="orthographicFront"/>
+      <a:lightRig rig="threePt" dir="t"/>
+    </dgm:scene3d>
+    <dgm:sp3d/>
+    <dgm:txPr/>
+    <dgm:style>
+      <a:lnRef idx="2">
+        <a:scrgbClr r="0" g="0" b="0"/>
+      </a:lnRef>
+      <a:fillRef idx="1">
+        <a:scrgbClr r="0" g="0" b="0"/>
+      </a:fillRef>
+      <a:effectRef idx="0">
+        <a:scrgbClr r="0" g="0" b="0"/>
+      </a:effectRef>
+      <a:fontRef idx="minor">
+        <a:schemeClr val="lt1"/>
+      </a:fontRef>
+    </dgm:style>
+  </dgm:styleLbl>
+  <dgm:styleLbl name="fgImgPlace1">
+    <dgm:scene3d>
+      <a:camera prst="orthographicFront"/>
+      <a:lightRig rig="threePt" dir="t"/>
+    </dgm:scene3d>
+    <dgm:sp3d/>
+    <dgm:txPr/>
+    <dgm:style>
+      <a:lnRef idx="2">
+        <a:scrgbClr r="0" g="0" b="0"/>
+      </a:lnRef>
+      <a:fillRef idx="1">
+        <a:scrgbClr r="0" g="0" b="0"/>
+      </a:fillRef>
+      <a:effectRef idx="0">
+        <a:scrgbClr r="0" g="0" b="0"/>
+      </a:effectRef>
+      <a:fontRef idx="minor"/>
+    </dgm:style>
+  </dgm:styleLbl>
+  <dgm:styleLbl name="alignImgPlace1">
+    <dgm:scene3d>
+      <a:camera prst="orthographicFront"/>
+      <a:lightRig rig="threePt" dir="t"/>
+    </dgm:scene3d>
+    <dgm:sp3d/>
+    <dgm:txPr/>
+    <dgm:style>
+      <a:lnRef idx="2">
+        <a:scrgbClr r="0" g="0" b="0"/>
+      </a:lnRef>
+      <a:fillRef idx="1">
+        <a:scrgbClr r="0" g="0" b="0"/>
+      </a:fillRef>
+      <a:effectRef idx="0">
+        <a:scrgbClr r="0" g="0" b="0"/>
+      </a:effectRef>
+      <a:fontRef idx="minor"/>
+    </dgm:style>
+  </dgm:styleLbl>
+  <dgm:styleLbl name="bgImgPlace1">
+    <dgm:scene3d>
+      <a:camera prst="orthographicFront"/>
+      <a:lightRig rig="threePt" dir="t"/>
+    </dgm:scene3d>
+    <dgm:sp3d/>
+    <dgm:txPr/>
+    <dgm:style>
+      <a:lnRef idx="2">
+        <a:scrgbClr r="0" g="0" b="0"/>
+      </a:lnRef>
+      <a:fillRef idx="1">
+        <a:scrgbClr r="0" g="0" b="0"/>
+      </a:fillRef>
+      <a:effectRef idx="0">
+        <a:scrgbClr r="0" g="0" b="0"/>
+      </a:effectRef>
+      <a:fontRef idx="minor"/>
+    </dgm:style>
+  </dgm:styleLbl>
+  <dgm:styleLbl name="sibTrans2D1">
+    <dgm:scene3d>
+      <a:camera prst="orthographicFront"/>
+      <a:lightRig rig="threePt" dir="t"/>
+    </dgm:scene3d>
+    <dgm:sp3d/>
+    <dgm:txPr/>
+    <dgm:style>
+      <a:lnRef idx="0">
+        <a:scrgbClr r="0" g="0" b="0"/>
+      </a:lnRef>
+      <a:fillRef idx="1">
+        <a:scrgbClr r="0" g="0" b="0"/>
+      </a:fillRef>
+      <a:effectRef idx="0">
+        <a:scrgbClr r="0" g="0" b="0"/>
+      </a:effectRef>
+      <a:fontRef idx="minor">
+        <a:schemeClr val="lt1"/>
+      </a:fontRef>
+    </dgm:style>
+  </dgm:styleLbl>
+  <dgm:styleLbl name="fgSibTrans2D1">
+    <dgm:scene3d>
+      <a:camera prst="orthographicFront"/>
+      <a:lightRig rig="threePt" dir="t"/>
+    </dgm:scene3d>
+    <dgm:sp3d/>
+    <dgm:txPr/>
+    <dgm:style>
+      <a:lnRef idx="0">
+        <a:scrgbClr r="0" g="0" b="0"/>
+      </a:lnRef>
+      <a:fillRef idx="1">
+        <a:scrgbClr r="0" g="0" b="0"/>
+      </a:fillRef>
+      <a:effectRef idx="0">
+        <a:scrgbClr r="0" g="0" b="0"/>
+      </a:effectRef>
+      <a:fontRef idx="minor">
+        <a:schemeClr val="lt1"/>
+      </a:fontRef>
+    </dgm:style>
+  </dgm:styleLbl>
+  <dgm:styleLbl name="bgSibTrans2D1">
+    <dgm:scene3d>
+      <a:camera prst="orthographicFront"/>
+      <a:lightRig rig="threePt" dir="t"/>
+    </dgm:scene3d>
+    <dgm:sp3d/>
+    <dgm:txPr/>
+    <dgm:style>
+      <a:lnRef idx="0">
+        <a:scrgbClr r="0" g="0" b="0"/>
+      </a:lnRef>
+      <a:fillRef idx="1">
+        <a:scrgbClr r="0" g="0" b="0"/>
+      </a:fillRef>
+      <a:effectRef idx="0">
+        <a:scrgbClr r="0" g="0" b="0"/>
+      </a:effectRef>
+      <a:fontRef idx="minor">
+        <a:schemeClr val="lt1"/>
+      </a:fontRef>
+    </dgm:style>
+  </dgm:styleLbl>
+  <dgm:styleLbl name="sibTrans1D1">
+    <dgm:scene3d>
+      <a:camera prst="orthographicFront"/>
+      <a:lightRig rig="threePt" dir="t"/>
+    </dgm:scene3d>
+    <dgm:sp3d/>
+    <dgm:txPr/>
+    <dgm:style>
+      <a:lnRef idx="1">
+        <a:scrgbClr r="0" g="0" b="0"/>
+      </a:lnRef>
+      <a:fillRef idx="0">
+        <a:scrgbClr r="0" g="0" b="0"/>
+      </a:fillRef>
+      <a:effectRef idx="0">
+        <a:scrgbClr r="0" g="0" b="0"/>
+      </a:effectRef>
+      <a:fontRef idx="minor"/>
+    </dgm:style>
+  </dgm:styleLbl>
+  <dgm:styleLbl name="callout">
+    <dgm:scene3d>
+      <a:camera prst="orthographicFront"/>
+      <a:lightRig rig="threePt" dir="t"/>
+    </dgm:scene3d>
+    <dgm:sp3d/>
+    <dgm:txPr/>
+    <dgm:style>
+      <a:lnRef idx="2">
+        <a:scrgbClr r="0" g="0" b="0"/>
+      </a:lnRef>
+      <a:fillRef idx="1">
+        <a:scrgbClr r="0" g="0" b="0"/>
+      </a:fillRef>
+      <a:effectRef idx="0">
+        <a:scrgbClr r="0" g="0" b="0"/>
+      </a:effectRef>
+      <a:fontRef idx="minor"/>
+    </dgm:style>
+  </dgm:styleLbl>
+  <dgm:styleLbl name="asst0">
+    <dgm:scene3d>
+      <a:camera prst="orthographicFront"/>
+      <a:lightRig rig="threePt" dir="t"/>
+    </dgm:scene3d>
+    <dgm:sp3d/>
+    <dgm:txPr/>
+    <dgm:style>
+      <a:lnRef idx="2">
+        <a:scrgbClr r="0" g="0" b="0"/>
+      </a:lnRef>
+      <a:fillRef idx="1">
+        <a:scrgbClr r="0" g="0" b="0"/>
+      </a:fillRef>
+      <a:effectRef idx="0">
+        <a:scrgbClr r="0" g="0" b="0"/>
+      </a:effectRef>
+      <a:fontRef idx="minor">
+        <a:schemeClr val="lt1"/>
+      </a:fontRef>
+    </dgm:style>
+  </dgm:styleLbl>
+  <dgm:styleLbl name="asst1">
+    <dgm:scene3d>
+      <a:camera prst="orthographicFront"/>
+      <a:lightRig rig="threePt" dir="t"/>
+    </dgm:scene3d>
+    <dgm:sp3d/>
+    <dgm:txPr/>
+    <dgm:style>
+      <a:lnRef idx="2">
+        <a:scrgbClr r="0" g="0" b="0"/>
+      </a:lnRef>
+      <a:fillRef idx="1">
+        <a:scrgbClr r="0" g="0" b="0"/>
+      </a:fillRef>
+      <a:effectRef idx="0">
+        <a:scrgbClr r="0" g="0" b="0"/>
+      </a:effectRef>
+      <a:fontRef idx="minor">
+        <a:schemeClr val="lt1"/>
+      </a:fontRef>
+    </dgm:style>
+  </dgm:styleLbl>
+  <dgm:styleLbl name="asst2">
+    <dgm:scene3d>
+      <a:camera prst="orthographicFront"/>
+      <a:lightRig rig="threePt" dir="t"/>
+    </dgm:scene3d>
+    <dgm:sp3d/>
+    <dgm:txPr/>
+    <dgm:style>
+      <a:lnRef idx="2">
+        <a:scrgbClr r="0" g="0" b="0"/>
+      </a:lnRef>
+      <a:fillRef idx="1">
+        <a:scrgbClr r="0" g="0" b="0"/>
+      </a:fillRef>
+      <a:effectRef idx="0">
+        <a:scrgbClr r="0" g="0" b="0"/>
+      </a:effectRef>
+      <a:fontRef idx="minor">
+        <a:schemeClr val="lt1"/>
+      </a:fontRef>
+    </dgm:style>
+  </dgm:styleLbl>
+  <dgm:styleLbl name="asst3">
+    <dgm:scene3d>
+      <a:camera prst="orthographicFront"/>
+      <a:lightRig rig="threePt" dir="t"/>
+    </dgm:scene3d>
+    <dgm:sp3d/>
+    <dgm:txPr/>
+    <dgm:style>
+      <a:lnRef idx="2">
+        <a:scrgbClr r="0" g="0" b="0"/>
+      </a:lnRef>
+      <a:fillRef idx="1">
+        <a:scrgbClr r="0" g="0" b="0"/>
+      </a:fillRef>
+      <a:effectRef idx="0">
+        <a:scrgbClr r="0" g="0" b="0"/>
+      </a:effectRef>
+      <a:fontRef idx="minor">
+        <a:schemeClr val="lt1"/>
+      </a:fontRef>
+    </dgm:style>
+  </dgm:styleLbl>
+  <dgm:styleLbl name="asst4">
+    <dgm:scene3d>
+      <a:camera prst="orthographicFront"/>
+      <a:lightRig rig="threePt" dir="t"/>
+    </dgm:scene3d>
+    <dgm:sp3d/>
+    <dgm:txPr/>
+    <dgm:style>
+      <a:lnRef idx="2">
+        <a:scrgbClr r="0" g="0" b="0"/>
+      </a:lnRef>
+      <a:fillRef idx="1">
+        <a:scrgbClr r="0" g="0" b="0"/>
+      </a:fillRef>
+      <a:effectRef idx="0">
+        <a:scrgbClr r="0" g="0" b="0"/>
+      </a:effectRef>
+      <a:fontRef idx="minor">
+        <a:schemeClr val="lt1"/>
+      </a:fontRef>
+    </dgm:style>
+  </dgm:styleLbl>
+  <dgm:styleLbl name="parChTrans2D1">
+    <dgm:scene3d>
+      <a:camera prst="orthographicFront"/>
+      <a:lightRig rig="threePt" dir="t"/>
+    </dgm:scene3d>
+    <dgm:sp3d/>
+    <dgm:txPr/>
+    <dgm:style>
+      <a:lnRef idx="2">
+        <a:scrgbClr r="0" g="0" b="0"/>
+      </a:lnRef>
+      <a:fillRef idx="1">
+        <a:scrgbClr r="0" g="0" b="0"/>
+      </a:fillRef>
+      <a:effectRef idx="0">
+        <a:scrgbClr r="0" g="0" b="0"/>
+      </a:effectRef>
+      <a:fontRef idx="minor">
+        <a:schemeClr val="lt1"/>
+      </a:fontRef>
+    </dgm:style>
+  </dgm:styleLbl>
+  <dgm:styleLbl name="parChTrans2D2">
+    <dgm:scene3d>
+      <a:camera prst="orthographicFront"/>
+      <a:lightRig rig="threePt" dir="t"/>
+    </dgm:scene3d>
+    <dgm:sp3d/>
+    <dgm:txPr/>
+    <dgm:style>
+      <a:lnRef idx="2">
+        <a:scrgbClr r="0" g="0" b="0"/>
+      </a:lnRef>
+      <a:fillRef idx="1">
+        <a:scrgbClr r="0" g="0" b="0"/>
+      </a:fillRef>
+      <a:effectRef idx="0">
+        <a:scrgbClr r="0" g="0" b="0"/>
+      </a:effectRef>
+      <a:fontRef idx="minor">
+        <a:schemeClr val="lt1"/>
+      </a:fontRef>
+    </dgm:style>
+  </dgm:styleLbl>
+  <dgm:styleLbl name="parChTrans2D3">
+    <dgm:scene3d>
+      <a:camera prst="orthographicFront"/>
+      <a:lightRig rig="threePt" dir="t"/>
+    </dgm:scene3d>
+    <dgm:sp3d/>
+    <dgm:txPr/>
+    <dgm:style>
+      <a:lnRef idx="2">
+        <a:scrgbClr r="0" g="0" b="0"/>
+      </a:lnRef>
+      <a:fillRef idx="1">
+        <a:scrgbClr r="0" g="0" b="0"/>
+      </a:fillRef>
+      <a:effectRef idx="0">
+        <a:scrgbClr r="0" g="0" b="0"/>
+      </a:effectRef>
+      <a:fontRef idx="minor">
+        <a:schemeClr val="lt1"/>
+      </a:fontRef>
+    </dgm:style>
+  </dgm:styleLbl>
+  <dgm:styleLbl name="parChTrans2D4">
+    <dgm:scene3d>
+      <a:camera prst="orthographicFront"/>
+      <a:lightRig rig="threePt" dir="t"/>
+    </dgm:scene3d>
+    <dgm:sp3d/>
+    <dgm:txPr/>
+    <dgm:style>
+      <a:lnRef idx="2">
+        <a:scrgbClr r="0" g="0" b="0"/>
+      </a:lnRef>
+      <a:fillRef idx="1">
+        <a:scrgbClr r="0" g="0" b="0"/>
+      </a:fillRef>
+      <a:effectRef idx="0">
+        <a:scrgbClr r="0" g="0" b="0"/>
+      </a:effectRef>
+      <a:fontRef idx="minor">
+        <a:schemeClr val="lt1"/>
+      </a:fontRef>
+    </dgm:style>
+  </dgm:styleLbl>
+  <dgm:styleLbl name="parChTrans1D1">
+    <dgm:scene3d>
+      <a:camera prst="orthographicFront"/>
+      <a:lightRig rig="threePt" dir="t"/>
+    </dgm:scene3d>
+    <dgm:sp3d/>
+    <dgm:txPr/>
+    <dgm:style>
+      <a:lnRef idx="2">
+        <a:scrgbClr r="0" g="0" b="0"/>
+      </a:lnRef>
+      <a:fillRef idx="0">
+        <a:scrgbClr r="0" g="0" b="0"/>
+      </a:fillRef>
+      <a:effectRef idx="0">
+        <a:scrgbClr r="0" g="0" b="0"/>
+      </a:effectRef>
+      <a:fontRef idx="minor"/>
+    </dgm:style>
+  </dgm:styleLbl>
+  <dgm:styleLbl name="parChTrans1D2">
+    <dgm:scene3d>
+      <a:camera prst="orthographicFront"/>
+      <a:lightRig rig="threePt" dir="t"/>
+    </dgm:scene3d>
+    <dgm:sp3d/>
+    <dgm:txPr/>
+    <dgm:style>
+      <a:lnRef idx="2">
+        <a:scrgbClr r="0" g="0" b="0"/>
+      </a:lnRef>
+      <a:fillRef idx="0">
+        <a:scrgbClr r="0" g="0" b="0"/>
+      </a:fillRef>
+      <a:effectRef idx="0">
+        <a:scrgbClr r="0" g="0" b="0"/>
+      </a:effectRef>
+      <a:fontRef idx="minor"/>
+    </dgm:style>
+  </dgm:styleLbl>
+  <dgm:styleLbl name="parChTrans1D3">
+    <dgm:scene3d>
+      <a:camera prst="orthographicFront"/>
+      <a:lightRig rig="threePt" dir="t"/>
+    </dgm:scene3d>
+    <dgm:sp3d/>
+    <dgm:txPr/>
+    <dgm:style>
+      <a:lnRef idx="2">
+        <a:scrgbClr r="0" g="0" b="0"/>
+      </a:lnRef>
+      <a:fillRef idx="0">
+        <a:scrgbClr r="0" g="0" b="0"/>
+      </a:fillRef>
+      <a:effectRef idx="0">
+        <a:scrgbClr r="0" g="0" b="0"/>
+      </a:effectRef>
+      <a:fontRef idx="minor"/>
+    </dgm:style>
+  </dgm:styleLbl>
+  <dgm:styleLbl name="parChTrans1D4">
+    <dgm:scene3d>
+      <a:camera prst="orthographicFront"/>
+      <a:lightRig rig="threePt" dir="t"/>
+    </dgm:scene3d>
+    <dgm:sp3d/>
+    <dgm:txPr/>
+    <dgm:style>
+      <a:lnRef idx="2">
+        <a:scrgbClr r="0" g="0" b="0"/>
+      </a:lnRef>
+      <a:fillRef idx="0">
+        <a:scrgbClr r="0" g="0" b="0"/>
+      </a:fillRef>
+      <a:effectRef idx="0">
+        <a:scrgbClr r="0" g="0" b="0"/>
+      </a:effectRef>
+      <a:fontRef idx="minor"/>
+    </dgm:style>
+  </dgm:styleLbl>
+  <dgm:styleLbl name="fgAcc1">
+    <dgm:scene3d>
+      <a:camera prst="orthographicFront"/>
+      <a:lightRig rig="threePt" dir="t"/>
+    </dgm:scene3d>
+    <dgm:sp3d/>
+    <dgm:txPr/>
+    <dgm:style>
+      <a:lnRef idx="2">
+        <a:scrgbClr r="0" g="0" b="0"/>
+      </a:lnRef>
+      <a:fillRef idx="1">
+        <a:scrgbClr r="0" g="0" b="0"/>
+      </a:fillRef>
+      <a:effectRef idx="0">
+        <a:scrgbClr r="0" g="0" b="0"/>
+      </a:effectRef>
+      <a:fontRef idx="minor"/>
+    </dgm:style>
+  </dgm:styleLbl>
+  <dgm:styleLbl name="conFgAcc1">
+    <dgm:scene3d>
+      <a:camera prst="orthographicFront"/>
+      <a:lightRig rig="threePt" dir="t"/>
+    </dgm:scene3d>
+    <dgm:sp3d/>
+    <dgm:txPr/>
+    <dgm:style>
+      <a:lnRef idx="2">
+        <a:scrgbClr r="0" g="0" b="0"/>
+      </a:lnRef>
+      <a:fillRef idx="1">
+        <a:scrgbClr r="0" g="0" b="0"/>
+      </a:fillRef>
+      <a:effectRef idx="0">
+        <a:scrgbClr r="0" g="0" b="0"/>
+      </a:effectRef>
+      <a:fontRef idx="minor"/>
+    </dgm:style>
+  </dgm:styleLbl>
+  <dgm:styleLbl name="alignAcc1">
+    <dgm:scene3d>
+      <a:camera prst="orthographicFront"/>
+      <a:lightRig rig="threePt" dir="t"/>
+    </dgm:scene3d>
+    <dgm:sp3d/>
+    <dgm:txPr/>
+    <dgm:style>
+      <a:lnRef idx="2">
+        <a:scrgbClr r="0" g="0" b="0"/>
+      </a:lnRef>
+      <a:fillRef idx="1">
+        <a:scrgbClr r="0" g="0" b="0"/>
+      </a:fillRef>
+      <a:effectRef idx="0">
+        <a:scrgbClr r="0" g="0" b="0"/>
+      </a:effectRef>
+      <a:fontRef idx="minor"/>
+    </dgm:style>
+  </dgm:styleLbl>
+  <dgm:styleLbl name="trAlignAcc1">
+    <dgm:scene3d>
+      <a:camera prst="orthographicFront"/>
+      <a:lightRig rig="threePt" dir="t"/>
+    </dgm:scene3d>
+    <dgm:sp3d/>
+    <dgm:txPr/>
+    <dgm:style>
+      <a:lnRef idx="1">
+        <a:scrgbClr r="0" g="0" b="0"/>
+      </a:lnRef>
+      <a:fillRef idx="1">
+        <a:scrgbClr r="0" g="0" b="0"/>
+      </a:fillRef>
+      <a:effectRef idx="0">
+        <a:scrgbClr r="0" g="0" b="0"/>
+      </a:effectRef>
+      <a:fontRef idx="minor"/>
+    </dgm:style>
+  </dgm:styleLbl>
+  <dgm:styleLbl name="bgAcc1">
+    <dgm:scene3d>
+      <a:camera prst="orthographicFront"/>
+      <a:lightRig rig="threePt" dir="t"/>
+    </dgm:scene3d>
+    <dgm:sp3d/>
+    <dgm:txPr/>
+    <dgm:style>
+      <a:lnRef idx="2">
+        <a:scrgbClr r="0" g="0" b="0"/>
+      </a:lnRef>
+      <a:fillRef idx="1">
+        <a:scrgbClr r="0" g="0" b="0"/>
+      </a:fillRef>
+      <a:effectRef idx="0">
+        <a:scrgbClr r="0" g="0" b="0"/>
+      </a:effectRef>
+      <a:fontRef idx="minor"/>
+    </dgm:style>
+  </dgm:styleLbl>
+  <dgm:styleLbl name="solidFgAcc1">
+    <dgm:scene3d>
+      <a:camera prst="orthographicFront"/>
+      <a:lightRig rig="threePt" dir="t"/>
+    </dgm:scene3d>
+    <dgm:sp3d/>
+    <dgm:txPr/>
+    <dgm:style>
+      <a:lnRef idx="2">
+        <a:scrgbClr r="0" g="0" b="0"/>
+      </a:lnRef>
+      <a:fillRef idx="1">
+        <a:scrgbClr r="0" g="0" b="0"/>
+      </a:fillRef>
+      <a:effectRef idx="0">
+        <a:scrgbClr r="0" g="0" b="0"/>
+      </a:effectRef>
+      <a:fontRef idx="minor"/>
+    </dgm:style>
+  </dgm:styleLbl>
+  <dgm:styleLbl name="solidAlignAcc1">
+    <dgm:scene3d>
+      <a:camera prst="orthographicFront"/>
+      <a:lightRig rig="threePt" dir="t"/>
+    </dgm:scene3d>
+    <dgm:sp3d/>
+    <dgm:txPr/>
+    <dgm:style>
+      <a:lnRef idx="2">
+        <a:scrgbClr r="0" g="0" b="0"/>
+      </a:lnRef>
+      <a:fillRef idx="1">
+        <a:scrgbClr r="0" g="0" b="0"/>
+      </a:fillRef>
+      <a:effectRef idx="0">
+        <a:scrgbClr r="0" g="0" b="0"/>
+      </a:effectRef>
+      <a:fontRef idx="minor"/>
+    </dgm:style>
+  </dgm:styleLbl>
+  <dgm:styleLbl name="solidBgAcc1">
+    <dgm:scene3d>
+      <a:camera prst="orthographicFront"/>
+      <a:lightRig rig="threePt" dir="t"/>
+    </dgm:scene3d>
+    <dgm:sp3d/>
+    <dgm:txPr/>
+    <dgm:style>
+      <a:lnRef idx="2">
+        <a:scrgbClr r="0" g="0" b="0"/>
+      </a:lnRef>
+      <a:fillRef idx="1">
+        <a:scrgbClr r="0" g="0" b="0"/>
+      </a:fillRef>
+      <a:effectRef idx="0">
+        <a:scrgbClr r="0" g="0" b="0"/>
+      </a:effectRef>
+      <a:fontRef idx="minor"/>
+    </dgm:style>
+  </dgm:styleLbl>
+  <dgm:styleLbl name="fgAccFollowNode1">
+    <dgm:scene3d>
+      <a:camera prst="orthographicFront"/>
+      <a:lightRig rig="threePt" dir="t"/>
+    </dgm:scene3d>
+    <dgm:sp3d/>
+    <dgm:txPr/>
+    <dgm:style>
+      <a:lnRef idx="2">
+        <a:scrgbClr r="0" g="0" b="0"/>
+      </a:lnRef>
+      <a:fillRef idx="1">
+        <a:scrgbClr r="0" g="0" b="0"/>
+      </a:fillRef>
+      <a:effectRef idx="0">
+        <a:scrgbClr r="0" g="0" b="0"/>
+      </a:effectRef>
+      <a:fontRef idx="minor"/>
+    </dgm:style>
+  </dgm:styleLbl>
+  <dgm:styleLbl name="alignAccFollowNode1">
+    <dgm:scene3d>
+      <a:camera prst="orthographicFront"/>
+      <a:lightRig rig="threePt" dir="t"/>
+    </dgm:scene3d>
+    <dgm:sp3d/>
+    <dgm:txPr/>
+    <dgm:style>
+      <a:lnRef idx="2">
+        <a:scrgbClr r="0" g="0" b="0"/>
+      </a:lnRef>
+      <a:fillRef idx="1">
+        <a:scrgbClr r="0" g="0" b="0"/>
+      </a:fillRef>
+      <a:effectRef idx="0">
+        <a:scrgbClr r="0" g="0" b="0"/>
+      </a:effectRef>
+      <a:fontRef idx="minor"/>
+    </dgm:style>
+  </dgm:styleLbl>
+  <dgm:styleLbl name="bgAccFollowNode1">
+    <dgm:scene3d>
+      <a:camera prst="orthographicFront"/>
+      <a:lightRig rig="threePt" dir="t"/>
+    </dgm:scene3d>
+    <dgm:sp3d/>
+    <dgm:txPr/>
+    <dgm:style>
+      <a:lnRef idx="2">
+        <a:scrgbClr r="0" g="0" b="0"/>
+      </a:lnRef>
+      <a:fillRef idx="1">
+        <a:scrgbClr r="0" g="0" b="0"/>
+      </a:fillRef>
+      <a:effectRef idx="0">
+        <a:scrgbClr r="0" g="0" b="0"/>
+      </a:effectRef>
+      <a:fontRef idx="minor"/>
+    </dgm:style>
+  </dgm:styleLbl>
+  <dgm:styleLbl name="fgAcc0">
+    <dgm:scene3d>
+      <a:camera prst="orthographicFront"/>
+      <a:lightRig rig="threePt" dir="t"/>
+    </dgm:scene3d>
+    <dgm:sp3d/>
+    <dgm:txPr/>
+    <dgm:style>
+      <a:lnRef idx="2">
+        <a:scrgbClr r="0" g="0" b="0"/>
+      </a:lnRef>
+      <a:fillRef idx="1">
+        <a:scrgbClr r="0" g="0" b="0"/>
+      </a:fillRef>
+      <a:effectRef idx="0">
+        <a:scrgbClr r="0" g="0" b="0"/>
+      </a:effectRef>
+      <a:fontRef idx="minor"/>
+    </dgm:style>
+  </dgm:styleLbl>
+  <dgm:styleLbl name="fgAcc2">
+    <dgm:scene3d>
+      <a:camera prst="orthographicFront"/>
+      <a:lightRig rig="threePt" dir="t"/>
+    </dgm:scene3d>
+    <dgm:sp3d/>
+    <dgm:txPr/>
+    <dgm:style>
+      <a:lnRef idx="2">
+        <a:scrgbClr r="0" g="0" b="0"/>
+      </a:lnRef>
+      <a:fillRef idx="1">
+        <a:scrgbClr r="0" g="0" b="0"/>
+      </a:fillRef>
+      <a:effectRef idx="0">
+        <a:scrgbClr r="0" g="0" b="0"/>
+      </a:effectRef>
+      <a:fontRef idx="minor"/>
+    </dgm:style>
+  </dgm:styleLbl>
+  <dgm:styleLbl name="fgAcc3">
+    <dgm:scene3d>
+      <a:camera prst="orthographicFront"/>
+      <a:lightRig rig="threePt" dir="t"/>
+    </dgm:scene3d>
+    <dgm:sp3d/>
+    <dgm:txPr/>
+    <dgm:style>
+      <a:lnRef idx="2">
+        <a:scrgbClr r="0" g="0" b="0"/>
+      </a:lnRef>
+      <a:fillRef idx="1">
+        <a:scrgbClr r="0" g="0" b="0"/>
+      </a:fillRef>
+      <a:effectRef idx="0">
+        <a:scrgbClr r="0" g="0" b="0"/>
+      </a:effectRef>
+      <a:fontRef idx="minor"/>
+    </dgm:style>
+  </dgm:styleLbl>
+  <dgm:styleLbl name="fgAcc4">
+    <dgm:scene3d>
+      <a:camera prst="orthographicFront"/>
+      <a:lightRig rig="threePt" dir="t"/>
+    </dgm:scene3d>
+    <dgm:sp3d/>
+    <dgm:txPr/>
+    <dgm:style>
+      <a:lnRef idx="2">
+        <a:scrgbClr r="0" g="0" b="0"/>
+      </a:lnRef>
+      <a:fillRef idx="1">
+        <a:scrgbClr r="0" g="0" b="0"/>
+      </a:fillRef>
+      <a:effectRef idx="0">
+        <a:scrgbClr r="0" g="0" b="0"/>
+      </a:effectRef>
+      <a:fontRef idx="minor"/>
+    </dgm:style>
+  </dgm:styleLbl>
+  <dgm:styleLbl name="bgShp">
+    <dgm:scene3d>
+      <a:camera prst="orthographicFront"/>
+      <a:lightRig rig="threePt" dir="t"/>
+    </dgm:scene3d>
+    <dgm:sp3d/>
+    <dgm:txPr/>
+    <dgm:style>
+      <a:lnRef idx="0">
+        <a:scrgbClr r="0" g="0" b="0"/>
+      </a:lnRef>
+      <a:fillRef idx="1">
+        <a:scrgbClr r="0" g="0" b="0"/>
+      </a:fillRef>
+      <a:effectRef idx="0">
+        <a:scrgbClr r="0" g="0" b="0"/>
+      </a:effectRef>
+      <a:fontRef idx="minor"/>
+    </dgm:style>
+  </dgm:styleLbl>
+  <dgm:styleLbl name="dkBgShp">
+    <dgm:scene3d>
+      <a:camera prst="orthographicFront"/>
+      <a:lightRig rig="threePt" dir="t"/>
+    </dgm:scene3d>
+    <dgm:sp3d/>
+    <dgm:txPr/>
+    <dgm:style>
+      <a:lnRef idx="0">
+        <a:scrgbClr r="0" g="0" b="0"/>
+      </a:lnRef>
+      <a:fillRef idx="1">
+        <a:scrgbClr r="0" g="0" b="0"/>
+      </a:fillRef>
+      <a:effectRef idx="0">
+        <a:scrgbClr r="0" g="0" b="0"/>
+      </a:effectRef>
+      <a:fontRef idx="minor"/>
+    </dgm:style>
+  </dgm:styleLbl>
+  <dgm:styleLbl name="trBgShp">
+    <dgm:scene3d>
+      <a:camera prst="orthographicFront"/>
+      <a:lightRig rig="threePt" dir="t"/>
+    </dgm:scene3d>
+    <dgm:sp3d/>
+    <dgm:txPr/>
+    <dgm:style>
+      <a:lnRef idx="0">
+        <a:scrgbClr r="0" g="0" b="0"/>
+      </a:lnRef>
+      <a:fillRef idx="1">
+        <a:scrgbClr r="0" g="0" b="0"/>
+      </a:fillRef>
+      <a:effectRef idx="0">
+        <a:scrgbClr r="0" g="0" b="0"/>
+      </a:effectRef>
+      <a:fontRef idx="minor"/>
+    </dgm:style>
+  </dgm:styleLbl>
+  <dgm:styleLbl name="fgShp">
+    <dgm:scene3d>
+      <a:camera prst="orthographicFront"/>
+      <a:lightRig rig="threePt" dir="t"/>
+    </dgm:scene3d>
+    <dgm:sp3d/>
+    <dgm:txPr/>
+    <dgm:style>
+      <a:lnRef idx="2">
+        <a:scrgbClr r="0" g="0" b="0"/>
+      </a:lnRef>
+      <a:fillRef idx="1">
+        <a:scrgbClr r="0" g="0" b="0"/>
+      </a:fillRef>
+      <a:effectRef idx="0">
+        <a:scrgbClr r="0" g="0" b="0"/>
+      </a:effectRef>
+      <a:fontRef idx="minor"/>
+    </dgm:style>
+  </dgm:styleLbl>
+  <dgm:styleLbl name="revTx">
+    <dgm:scene3d>
+      <a:camera prst="orthographicFront"/>
+      <a:lightRig rig="threePt" dir="t"/>
+    </dgm:scene3d>
+    <dgm:sp3d/>
+    <dgm:txPr/>
+    <dgm:style>
+      <a:lnRef idx="0">
+        <a:scrgbClr r="0" g="0" b="0"/>
+      </a:lnRef>
+      <a:fillRef idx="0">
+        <a:scrgbClr r="0" g="0" b="0"/>
+      </a:fillRef>
+      <a:effectRef idx="0">
+        <a:scrgbClr r="0" g="0" b="0"/>
+      </a:effectRef>
+      <a:fontRef idx="minor"/>
+    </dgm:style>
+  </dgm:styleLbl>
+</dgm:styleDef>
+</file>
+
+<file path=ppt/diagrams/quickStyle5.xml><?xml version="1.0" encoding="utf-8"?>
 <dgm:styleDef xmlns:dgm="http://schemas.openxmlformats.org/drawingml/2006/diagram" xmlns:a="http://schemas.openxmlformats.org/drawingml/2006/main" uniqueId="urn:microsoft.com/office/officeart/2005/8/quickstyle/simple1">
   <dgm:title val=""/>
   <dgm:desc val=""/>
@@ -15356,6 +18920,394 @@
 </p:sld>
 </file>
 
+<file path=ppt/slides/slide10.xml><?xml version="1.0" encoding="utf-8"?>
+<p:sld xmlns:a="http://schemas.openxmlformats.org/drawingml/2006/main" xmlns:r="http://schemas.openxmlformats.org/officeDocument/2006/relationships" xmlns:p="http://schemas.openxmlformats.org/presentationml/2006/main">
+  <p:cSld>
+    <p:bg>
+      <p:bgPr>
+        <a:solidFill>
+          <a:schemeClr val="bg1"/>
+        </a:solidFill>
+        <a:effectLst/>
+      </p:bgPr>
+    </p:bg>
+    <p:spTree>
+      <p:nvGrpSpPr>
+        <p:cNvPr id="1" name=""/>
+        <p:cNvGrpSpPr/>
+        <p:nvPr/>
+      </p:nvGrpSpPr>
+      <p:grpSpPr>
+        <a:xfrm>
+          <a:off x="0" y="0"/>
+          <a:ext cx="0" cy="0"/>
+          <a:chOff x="0" y="0"/>
+          <a:chExt cx="0" cy="0"/>
+        </a:xfrm>
+      </p:grpSpPr>
+      <p:sp useBgFill="1">
+        <p:nvSpPr>
+          <p:cNvPr id="11" name="Rectangle 10">
+            <a:extLst>
+              <a:ext uri="{FF2B5EF4-FFF2-40B4-BE49-F238E27FC236}">
+                <a16:creationId xmlns:a16="http://schemas.microsoft.com/office/drawing/2014/main" id="{EB6D1D7F-141C-4D8E-BFBA-D95B68E16385}"/>
+              </a:ext>
+              <a:ext uri="{C183D7F6-B498-43B3-948B-1728B52AA6E4}">
+                <adec:decorative xmlns:adec="http://schemas.microsoft.com/office/drawing/2017/decorative" val="1"/>
+              </a:ext>
+            </a:extLst>
+          </p:cNvPr>
+          <p:cNvSpPr>
+            <a:spLocks noGrp="1" noRot="1" noChangeAspect="1" noMove="1" noResize="1" noEditPoints="1" noAdjustHandles="1" noChangeArrowheads="1" noChangeShapeType="1" noTextEdit="1"/>
+          </p:cNvSpPr>
+          <p:nvPr>
+            <p:extLst>
+              <p:ext uri="{386F3935-93C4-4BCD-93E2-E3B085C9AB24}">
+                <p16:designElem xmlns:p16="http://schemas.microsoft.com/office/powerpoint/2015/main" val="1"/>
+              </p:ext>
+            </p:extLst>
+          </p:nvPr>
+        </p:nvSpPr>
+        <p:spPr>
+          <a:xfrm>
+            <a:off x="1524" y="0"/>
+            <a:ext cx="12188952" cy="6858000"/>
+          </a:xfrm>
+          <a:prstGeom prst="rect">
+            <a:avLst/>
+          </a:prstGeom>
+          <a:ln>
+            <a:noFill/>
+          </a:ln>
+        </p:spPr>
+        <p:style>
+          <a:lnRef idx="2">
+            <a:schemeClr val="accent1">
+              <a:shade val="50000"/>
+            </a:schemeClr>
+          </a:lnRef>
+          <a:fillRef idx="1">
+            <a:schemeClr val="accent1"/>
+          </a:fillRef>
+          <a:effectRef idx="0">
+            <a:schemeClr val="accent1"/>
+          </a:effectRef>
+          <a:fontRef idx="minor">
+            <a:schemeClr val="lt1"/>
+          </a:fontRef>
+        </p:style>
+        <p:txBody>
+          <a:bodyPr rtlCol="0" anchor="ctr"/>
+          <a:lstStyle/>
+          <a:p>
+            <a:pPr algn="ctr"/>
+            <a:endParaRPr lang="en-US"/>
+          </a:p>
+        </p:txBody>
+      </p:sp>
+      <p:pic>
+        <p:nvPicPr>
+          <p:cNvPr id="6" name="Picture 5" descr="A picture containing indoor, building, floor, ceiling&#10;&#10;Description automatically generated">
+            <a:extLst>
+              <a:ext uri="{FF2B5EF4-FFF2-40B4-BE49-F238E27FC236}">
+                <a16:creationId xmlns:a16="http://schemas.microsoft.com/office/drawing/2014/main" id="{8DFD4F98-0668-3F01-D8EB-D245D40BEEDB}"/>
+              </a:ext>
+            </a:extLst>
+          </p:cNvPr>
+          <p:cNvPicPr>
+            <a:picLocks noChangeAspect="1"/>
+          </p:cNvPicPr>
+          <p:nvPr/>
+        </p:nvPicPr>
+        <p:blipFill rotWithShape="1">
+          <a:blip r:embed="rId2">
+            <a:extLst>
+              <a:ext uri="{837473B0-CC2E-450A-ABE3-18F120FF3D39}">
+                <a1611:picAttrSrcUrl xmlns:a1611="http://schemas.microsoft.com/office/drawing/2016/11/main" r:id="rId3"/>
+              </a:ext>
+            </a:extLst>
+          </a:blip>
+          <a:srcRect r="-1" b="15708"/>
+          <a:stretch/>
+        </p:blipFill>
+        <p:spPr>
+          <a:xfrm>
+            <a:off x="1524" y="10"/>
+            <a:ext cx="12188952" cy="6857990"/>
+          </a:xfrm>
+          <a:prstGeom prst="rect">
+            <a:avLst/>
+          </a:prstGeom>
+        </p:spPr>
+      </p:pic>
+      <p:sp>
+        <p:nvSpPr>
+          <p:cNvPr id="13" name="Rectangle 12">
+            <a:extLst>
+              <a:ext uri="{FF2B5EF4-FFF2-40B4-BE49-F238E27FC236}">
+                <a16:creationId xmlns:a16="http://schemas.microsoft.com/office/drawing/2014/main" id="{B7B54865-0417-4422-B63B-3E74C04CD741}"/>
+              </a:ext>
+              <a:ext uri="{C183D7F6-B498-43B3-948B-1728B52AA6E4}">
+                <adec:decorative xmlns:adec="http://schemas.microsoft.com/office/drawing/2017/decorative" val="1"/>
+              </a:ext>
+            </a:extLst>
+          </p:cNvPr>
+          <p:cNvSpPr>
+            <a:spLocks noGrp="1" noRot="1" noChangeAspect="1" noMove="1" noResize="1" noEditPoints="1" noAdjustHandles="1" noChangeArrowheads="1" noChangeShapeType="1" noTextEdit="1"/>
+          </p:cNvSpPr>
+          <p:nvPr>
+            <p:extLst>
+              <p:ext uri="{386F3935-93C4-4BCD-93E2-E3B085C9AB24}">
+                <p16:designElem xmlns:p16="http://schemas.microsoft.com/office/powerpoint/2015/main" val="1"/>
+              </p:ext>
+            </p:extLst>
+          </p:nvPr>
+        </p:nvSpPr>
+        <p:spPr>
+          <a:xfrm>
+            <a:off x="6096001" y="664432"/>
+            <a:ext cx="6096000" cy="2060859"/>
+          </a:xfrm>
+          <a:prstGeom prst="rect">
+            <a:avLst/>
+          </a:prstGeom>
+          <a:solidFill>
+            <a:schemeClr val="tx1"/>
+          </a:solidFill>
+          <a:ln>
+            <a:noFill/>
+          </a:ln>
+        </p:spPr>
+        <p:style>
+          <a:lnRef idx="2">
+            <a:schemeClr val="accent1">
+              <a:shade val="50000"/>
+            </a:schemeClr>
+          </a:lnRef>
+          <a:fillRef idx="1">
+            <a:schemeClr val="accent1"/>
+          </a:fillRef>
+          <a:effectRef idx="0">
+            <a:schemeClr val="accent1"/>
+          </a:effectRef>
+          <a:fontRef idx="minor">
+            <a:schemeClr val="lt1"/>
+          </a:fontRef>
+        </p:style>
+        <p:txBody>
+          <a:bodyPr rtlCol="0" anchor="ctr"/>
+          <a:lstStyle/>
+          <a:p>
+            <a:pPr algn="ctr"/>
+            <a:endParaRPr lang="en-US" dirty="0"/>
+          </a:p>
+        </p:txBody>
+      </p:sp>
+      <p:sp>
+        <p:nvSpPr>
+          <p:cNvPr id="2" name="Title 1">
+            <a:extLst>
+              <a:ext uri="{FF2B5EF4-FFF2-40B4-BE49-F238E27FC236}">
+                <a16:creationId xmlns:a16="http://schemas.microsoft.com/office/drawing/2014/main" id="{1150C2BF-70F9-56D3-AA1C-336787C13C8F}"/>
+              </a:ext>
+            </a:extLst>
+          </p:cNvPr>
+          <p:cNvSpPr>
+            <a:spLocks noGrp="1"/>
+          </p:cNvSpPr>
+          <p:nvPr>
+            <p:ph type="title"/>
+          </p:nvPr>
+        </p:nvSpPr>
+        <p:spPr>
+          <a:xfrm>
+            <a:off x="6677023" y="990599"/>
+            <a:ext cx="4857751" cy="1563989"/>
+          </a:xfrm>
+        </p:spPr>
+        <p:txBody>
+          <a:bodyPr vert="horz" lIns="91440" tIns="45720" rIns="91440" bIns="45720" rtlCol="0" anchor="ctr">
+            <a:normAutofit/>
+          </a:bodyPr>
+          <a:lstStyle/>
+          <a:p>
+            <a:r>
+              <a:rPr lang="en-US" kern="1200" cap="all" spc="120" baseline="0">
+                <a:solidFill>
+                  <a:schemeClr val="bg1"/>
+                </a:solidFill>
+                <a:latin typeface="+mj-lt"/>
+                <a:ea typeface="+mj-ea"/>
+                <a:cs typeface="+mj-cs"/>
+              </a:rPr>
+              <a:t>Thank YOU</a:t>
+            </a:r>
+          </a:p>
+        </p:txBody>
+      </p:sp>
+      <p:sp>
+        <p:nvSpPr>
+          <p:cNvPr id="15" name="Rectangle 14">
+            <a:extLst>
+              <a:ext uri="{FF2B5EF4-FFF2-40B4-BE49-F238E27FC236}">
+                <a16:creationId xmlns:a16="http://schemas.microsoft.com/office/drawing/2014/main" id="{4815D795-EBA0-4245-89F8-B459481683FB}"/>
+              </a:ext>
+              <a:ext uri="{C183D7F6-B498-43B3-948B-1728B52AA6E4}">
+                <adec:decorative xmlns:adec="http://schemas.microsoft.com/office/drawing/2017/decorative" val="1"/>
+              </a:ext>
+            </a:extLst>
+          </p:cNvPr>
+          <p:cNvSpPr>
+            <a:spLocks noGrp="1" noRot="1" noChangeAspect="1" noMove="1" noResize="1" noEditPoints="1" noAdjustHandles="1" noChangeArrowheads="1" noChangeShapeType="1" noTextEdit="1"/>
+          </p:cNvSpPr>
+          <p:nvPr>
+            <p:extLst>
+              <p:ext uri="{386F3935-93C4-4BCD-93E2-E3B085C9AB24}">
+                <p16:designElem xmlns:p16="http://schemas.microsoft.com/office/powerpoint/2015/main" val="1"/>
+              </p:ext>
+            </p:extLst>
+          </p:nvPr>
+        </p:nvSpPr>
+        <p:spPr>
+          <a:xfrm>
+            <a:off x="6096001" y="2727295"/>
+            <a:ext cx="6096000" cy="3456349"/>
+          </a:xfrm>
+          <a:prstGeom prst="rect">
+            <a:avLst/>
+          </a:prstGeom>
+          <a:solidFill>
+            <a:schemeClr val="bg1"/>
+          </a:solidFill>
+          <a:ln>
+            <a:noFill/>
+          </a:ln>
+        </p:spPr>
+        <p:style>
+          <a:lnRef idx="2">
+            <a:schemeClr val="accent1">
+              <a:shade val="50000"/>
+            </a:schemeClr>
+          </a:lnRef>
+          <a:fillRef idx="1">
+            <a:schemeClr val="accent1"/>
+          </a:fillRef>
+          <a:effectRef idx="0">
+            <a:schemeClr val="accent1"/>
+          </a:effectRef>
+          <a:fontRef idx="minor">
+            <a:schemeClr val="lt1"/>
+          </a:fontRef>
+        </p:style>
+        <p:txBody>
+          <a:bodyPr rtlCol="0" anchor="ctr"/>
+          <a:lstStyle/>
+          <a:p>
+            <a:pPr algn="ctr"/>
+            <a:endParaRPr lang="en-US" dirty="0"/>
+          </a:p>
+        </p:txBody>
+      </p:sp>
+      <p:sp>
+        <p:nvSpPr>
+          <p:cNvPr id="4" name="TextBox 3">
+            <a:extLst>
+              <a:ext uri="{FF2B5EF4-FFF2-40B4-BE49-F238E27FC236}">
+                <a16:creationId xmlns:a16="http://schemas.microsoft.com/office/drawing/2014/main" id="{D8826973-B9E5-EAB8-6AE1-F4BCD3988997}"/>
+              </a:ext>
+            </a:extLst>
+          </p:cNvPr>
+          <p:cNvSpPr txBox="1"/>
+          <p:nvPr/>
+        </p:nvSpPr>
+        <p:spPr>
+          <a:xfrm>
+            <a:off x="6677024" y="3071909"/>
+            <a:ext cx="4924426" cy="2795492"/>
+          </a:xfrm>
+          <a:prstGeom prst="rect">
+            <a:avLst/>
+          </a:prstGeom>
+        </p:spPr>
+        <p:txBody>
+          <a:bodyPr vert="horz" lIns="91440" tIns="45720" rIns="91440" bIns="45720" rtlCol="0">
+            <a:normAutofit/>
+          </a:bodyPr>
+          <a:lstStyle/>
+          <a:p>
+            <a:pPr defTabSz="914400">
+              <a:lnSpc>
+                <a:spcPct val="101000"/>
+              </a:lnSpc>
+              <a:spcAft>
+                <a:spcPts val="600"/>
+              </a:spcAft>
+            </a:pPr>
+            <a:r>
+              <a:rPr lang="en-US" spc="50"/>
+              <a:t>Jason Hart</a:t>
+            </a:r>
+          </a:p>
+          <a:p>
+            <a:pPr defTabSz="914400">
+              <a:lnSpc>
+                <a:spcPct val="101000"/>
+              </a:lnSpc>
+              <a:spcAft>
+                <a:spcPts val="600"/>
+              </a:spcAft>
+            </a:pPr>
+            <a:r>
+              <a:rPr lang="en-US" spc="50"/>
+              <a:t>Contact info:</a:t>
+            </a:r>
+          </a:p>
+          <a:p>
+            <a:pPr defTabSz="914400">
+              <a:lnSpc>
+                <a:spcPct val="101000"/>
+              </a:lnSpc>
+              <a:spcAft>
+                <a:spcPts val="600"/>
+              </a:spcAft>
+            </a:pPr>
+            <a:r>
+              <a:rPr lang="en-US" spc="50">
+                <a:hlinkClick r:id="rId4"/>
+              </a:rPr>
+              <a:t>jasonmhart76@gmail.com</a:t>
+            </a:r>
+            <a:endParaRPr lang="en-US" spc="50"/>
+          </a:p>
+          <a:p>
+            <a:pPr defTabSz="914400">
+              <a:lnSpc>
+                <a:spcPct val="101000"/>
+              </a:lnSpc>
+              <a:spcAft>
+                <a:spcPts val="600"/>
+              </a:spcAft>
+            </a:pPr>
+            <a:r>
+              <a:rPr lang="en-US" spc="50"/>
+              <a:t>(718)213-9060 (Cell)</a:t>
+            </a:r>
+          </a:p>
+        </p:txBody>
+      </p:sp>
+    </p:spTree>
+    <p:extLst>
+      <p:ext uri="{BB962C8B-B14F-4D97-AF65-F5344CB8AC3E}">
+        <p14:creationId xmlns:p14="http://schemas.microsoft.com/office/powerpoint/2010/main" val="116286973"/>
+      </p:ext>
+    </p:extLst>
+  </p:cSld>
+  <p:clrMapOvr>
+    <a:masterClrMapping/>
+  </p:clrMapOvr>
+</p:sld>
+</file>
+
 <file path=ppt/slides/slide2.xml><?xml version="1.0" encoding="utf-8"?>
 <p:sld xmlns:a="http://schemas.openxmlformats.org/drawingml/2006/main" xmlns:r="http://schemas.openxmlformats.org/officeDocument/2006/relationships" xmlns:p="http://schemas.openxmlformats.org/presentationml/2006/main">
   <p:cSld>
@@ -15794,35 +19746,6 @@
           </a:p>
         </p:txBody>
       </p:sp>
-      <p:pic>
-        <p:nvPicPr>
-          <p:cNvPr id="5" name="Picture 4">
-            <a:extLst>
-              <a:ext uri="{FF2B5EF4-FFF2-40B4-BE49-F238E27FC236}">
-                <a16:creationId xmlns:a16="http://schemas.microsoft.com/office/drawing/2014/main" id="{C58D1036-A4B4-6758-4E3C-0C2861417FA4}"/>
-              </a:ext>
-            </a:extLst>
-          </p:cNvPr>
-          <p:cNvPicPr>
-            <a:picLocks noChangeAspect="1"/>
-          </p:cNvPicPr>
-          <p:nvPr/>
-        </p:nvPicPr>
-        <p:blipFill rotWithShape="1">
-          <a:blip r:embed="rId2"/>
-          <a:srcRect l="26325" r="23663"/>
-          <a:stretch/>
-        </p:blipFill>
-        <p:spPr>
-          <a:xfrm>
-            <a:off x="6094474" y="10"/>
-            <a:ext cx="6097526" cy="6857990"/>
-          </a:xfrm>
-          <a:prstGeom prst="rect">
-            <a:avLst/>
-          </a:prstGeom>
-        </p:spPr>
-      </p:pic>
       <p:graphicFrame>
         <p:nvGraphicFramePr>
           <p:cNvPr id="3" name="Diagram 2">
@@ -15836,18 +19759,18 @@
           <p:nvPr>
             <p:extLst>
               <p:ext uri="{D42A27DB-BD31-4B8C-83A1-F6EECF244321}">
-                <p14:modId xmlns:p14="http://schemas.microsoft.com/office/powerpoint/2010/main" val="3802762171"/>
+                <p14:modId xmlns:p14="http://schemas.microsoft.com/office/powerpoint/2010/main" val="118712303"/>
               </p:ext>
             </p:extLst>
           </p:nvPr>
         </p:nvGraphicFramePr>
         <p:xfrm>
-          <a:off x="-1204494" y="719666"/>
+          <a:off x="2032000" y="719666"/>
           <a:ext cx="8128000" cy="5418667"/>
         </p:xfrm>
         <a:graphic>
           <a:graphicData uri="http://schemas.openxmlformats.org/drawingml/2006/diagram">
-            <dgm:relIds xmlns:dgm="http://schemas.openxmlformats.org/drawingml/2006/diagram" xmlns:r="http://schemas.openxmlformats.org/officeDocument/2006/relationships" r:dm="rId3" r:lo="rId4" r:qs="rId5" r:cs="rId6"/>
+            <dgm:relIds xmlns:dgm="http://schemas.openxmlformats.org/drawingml/2006/diagram" xmlns:r="http://schemas.openxmlformats.org/officeDocument/2006/relationships" r:dm="rId2" r:lo="rId3" r:qs="rId4" r:cs="rId5"/>
           </a:graphicData>
         </a:graphic>
       </p:graphicFrame>
@@ -16027,8 +19950,8 @@
         </p:nvSpPr>
         <p:spPr>
           <a:xfrm>
-            <a:off x="960438" y="317499"/>
-            <a:ext cx="4500737" cy="2095501"/>
+            <a:off x="2846151" y="125022"/>
+            <a:ext cx="6499698" cy="2145104"/>
           </a:xfrm>
         </p:spPr>
         <p:txBody>
@@ -16096,35 +20019,6 @@
           </a:p>
         </p:txBody>
       </p:sp>
-      <p:pic>
-        <p:nvPicPr>
-          <p:cNvPr id="5" name="Picture 4">
-            <a:extLst>
-              <a:ext uri="{FF2B5EF4-FFF2-40B4-BE49-F238E27FC236}">
-                <a16:creationId xmlns:a16="http://schemas.microsoft.com/office/drawing/2014/main" id="{C58D1036-A4B4-6758-4E3C-0C2861417FA4}"/>
-              </a:ext>
-            </a:extLst>
-          </p:cNvPr>
-          <p:cNvPicPr>
-            <a:picLocks noChangeAspect="1"/>
-          </p:cNvPicPr>
-          <p:nvPr/>
-        </p:nvPicPr>
-        <p:blipFill rotWithShape="1">
-          <a:blip r:embed="rId2"/>
-          <a:srcRect l="26325" r="23663"/>
-          <a:stretch/>
-        </p:blipFill>
-        <p:spPr>
-          <a:xfrm>
-            <a:off x="6094474" y="10"/>
-            <a:ext cx="6097526" cy="6857990"/>
-          </a:xfrm>
-          <a:prstGeom prst="rect">
-            <a:avLst/>
-          </a:prstGeom>
-        </p:spPr>
-      </p:pic>
       <p:graphicFrame>
         <p:nvGraphicFramePr>
           <p:cNvPr id="6" name="Diagram 5">
@@ -16138,18 +20032,18 @@
           <p:nvPr>
             <p:extLst>
               <p:ext uri="{D42A27DB-BD31-4B8C-83A1-F6EECF244321}">
-                <p14:modId xmlns:p14="http://schemas.microsoft.com/office/powerpoint/2010/main" val="3709823388"/>
+                <p14:modId xmlns:p14="http://schemas.microsoft.com/office/powerpoint/2010/main" val="4256016476"/>
               </p:ext>
             </p:extLst>
           </p:nvPr>
         </p:nvGraphicFramePr>
         <p:xfrm>
-          <a:off x="288758" y="1911350"/>
-          <a:ext cx="5594684" cy="4629151"/>
+          <a:off x="-1" y="1911350"/>
+          <a:ext cx="12188951" cy="4629151"/>
         </p:xfrm>
         <a:graphic>
           <a:graphicData uri="http://schemas.openxmlformats.org/drawingml/2006/diagram">
-            <dgm:relIds xmlns:dgm="http://schemas.openxmlformats.org/drawingml/2006/diagram" xmlns:r="http://schemas.openxmlformats.org/officeDocument/2006/relationships" r:dm="rId3" r:lo="rId4" r:qs="rId5" r:cs="rId6"/>
+            <dgm:relIds xmlns:dgm="http://schemas.openxmlformats.org/drawingml/2006/diagram" xmlns:r="http://schemas.openxmlformats.org/officeDocument/2006/relationships" r:dm="rId2" r:lo="rId3" r:qs="rId4" r:cs="rId5"/>
           </a:graphicData>
         </a:graphic>
       </p:graphicFrame>
@@ -16352,39 +20246,11 @@
                 <a:ea typeface="+mj-ea"/>
                 <a:cs typeface="+mj-cs"/>
               </a:rPr>
-              <a:t>Results</a:t>
+              <a:t>Final Results</a:t>
             </a:r>
           </a:p>
         </p:txBody>
       </p:sp>
-      <p:pic>
-        <p:nvPicPr>
-          <p:cNvPr id="5" name="Picture 4">
-            <a:extLst>
-              <a:ext uri="{FF2B5EF4-FFF2-40B4-BE49-F238E27FC236}">
-                <a16:creationId xmlns:a16="http://schemas.microsoft.com/office/drawing/2014/main" id="{C58D1036-A4B4-6758-4E3C-0C2861417FA4}"/>
-              </a:ext>
-            </a:extLst>
-          </p:cNvPr>
-          <p:cNvPicPr>
-            <a:picLocks noChangeAspect="1"/>
-          </p:cNvPicPr>
-          <p:nvPr/>
-        </p:nvPicPr>
-        <p:blipFill rotWithShape="1">
-          <a:blip r:embed="rId2"/>
-          <a:stretch/>
-        </p:blipFill>
-        <p:spPr>
-          <a:xfrm>
-            <a:off x="7533136" y="3406158"/>
-            <a:ext cx="4012870" cy="2257239"/>
-          </a:xfrm>
-          <a:prstGeom prst="rect">
-            <a:avLst/>
-          </a:prstGeom>
-        </p:spPr>
-      </p:pic>
       <p:sp>
         <p:nvSpPr>
           <p:cNvPr id="3" name="TextBox 2">
@@ -16435,7 +20301,7 @@
           <p:nvPr/>
         </p:nvPicPr>
         <p:blipFill>
-          <a:blip r:embed="rId3">
+          <a:blip r:embed="rId2">
             <a:extLst>
               <a:ext uri="{28A0092B-C50C-407E-A947-70E740481C1C}">
                 <a14:useLocalDpi xmlns:a14="http://schemas.microsoft.com/office/drawing/2010/main" val="0"/>
@@ -16548,6 +20414,174 @@
           </a:fontRef>
         </p:style>
       </p:cxnSp>
+      <p:sp>
+        <p:nvSpPr>
+          <p:cNvPr id="7" name="TextBox 6">
+            <a:extLst>
+              <a:ext uri="{FF2B5EF4-FFF2-40B4-BE49-F238E27FC236}">
+                <a16:creationId xmlns:a16="http://schemas.microsoft.com/office/drawing/2014/main" id="{BB048E10-D971-53C5-F7DB-5EBF53D6AECB}"/>
+              </a:ext>
+            </a:extLst>
+          </p:cNvPr>
+          <p:cNvSpPr txBox="1"/>
+          <p:nvPr/>
+        </p:nvSpPr>
+        <p:spPr>
+          <a:xfrm>
+            <a:off x="7353609" y="2907788"/>
+            <a:ext cx="3486150" cy="646331"/>
+          </a:xfrm>
+          <a:prstGeom prst="rect">
+            <a:avLst/>
+          </a:prstGeom>
+          <a:noFill/>
+        </p:spPr>
+        <p:txBody>
+          <a:bodyPr wrap="square" rtlCol="0">
+            <a:spAutoFit/>
+          </a:bodyPr>
+          <a:lstStyle/>
+          <a:p>
+            <a:r>
+              <a:rPr lang="en-US" sz="3600" dirty="0"/>
+              <a:t>False Negatives </a:t>
+            </a:r>
+          </a:p>
+        </p:txBody>
+      </p:sp>
+      <p:sp>
+        <p:nvSpPr>
+          <p:cNvPr id="8" name="Down Arrow 7">
+            <a:extLst>
+              <a:ext uri="{FF2B5EF4-FFF2-40B4-BE49-F238E27FC236}">
+                <a16:creationId xmlns:a16="http://schemas.microsoft.com/office/drawing/2014/main" id="{07A5A9D0-3F26-F0A4-4CC3-FA3C4222EEF9}"/>
+              </a:ext>
+            </a:extLst>
+          </p:cNvPr>
+          <p:cNvSpPr/>
+          <p:nvPr/>
+        </p:nvSpPr>
+        <p:spPr>
+          <a:xfrm>
+            <a:off x="10872788" y="2654605"/>
+            <a:ext cx="484632" cy="978408"/>
+          </a:xfrm>
+          <a:prstGeom prst="downArrow">
+            <a:avLst/>
+          </a:prstGeom>
+          <a:solidFill>
+            <a:srgbClr val="C00000"/>
+          </a:solidFill>
+        </p:spPr>
+        <p:style>
+          <a:lnRef idx="2">
+            <a:schemeClr val="accent1">
+              <a:shade val="50000"/>
+            </a:schemeClr>
+          </a:lnRef>
+          <a:fillRef idx="1">
+            <a:schemeClr val="accent1"/>
+          </a:fillRef>
+          <a:effectRef idx="0">
+            <a:schemeClr val="accent1"/>
+          </a:effectRef>
+          <a:fontRef idx="minor">
+            <a:schemeClr val="lt1"/>
+          </a:fontRef>
+        </p:style>
+        <p:txBody>
+          <a:bodyPr rtlCol="0" anchor="ctr"/>
+          <a:lstStyle/>
+          <a:p>
+            <a:pPr algn="ctr"/>
+            <a:endParaRPr lang="en-US"/>
+          </a:p>
+        </p:txBody>
+      </p:sp>
+      <p:sp>
+        <p:nvSpPr>
+          <p:cNvPr id="9" name="TextBox 8">
+            <a:extLst>
+              <a:ext uri="{FF2B5EF4-FFF2-40B4-BE49-F238E27FC236}">
+                <a16:creationId xmlns:a16="http://schemas.microsoft.com/office/drawing/2014/main" id="{E2CCC7C5-598F-3C54-9D23-930BC3028492}"/>
+              </a:ext>
+            </a:extLst>
+          </p:cNvPr>
+          <p:cNvSpPr txBox="1"/>
+          <p:nvPr/>
+        </p:nvSpPr>
+        <p:spPr>
+          <a:xfrm>
+            <a:off x="7375799" y="4661284"/>
+            <a:ext cx="3086742" cy="646331"/>
+          </a:xfrm>
+          <a:prstGeom prst="rect">
+            <a:avLst/>
+          </a:prstGeom>
+          <a:noFill/>
+        </p:spPr>
+        <p:txBody>
+          <a:bodyPr wrap="square" rtlCol="0">
+            <a:spAutoFit/>
+          </a:bodyPr>
+          <a:lstStyle/>
+          <a:p>
+            <a:r>
+              <a:rPr lang="en-US" sz="3600" dirty="0"/>
+              <a:t>False Positives</a:t>
+            </a:r>
+          </a:p>
+        </p:txBody>
+      </p:sp>
+      <p:sp>
+        <p:nvSpPr>
+          <p:cNvPr id="11" name="Down Arrow 10">
+            <a:extLst>
+              <a:ext uri="{FF2B5EF4-FFF2-40B4-BE49-F238E27FC236}">
+                <a16:creationId xmlns:a16="http://schemas.microsoft.com/office/drawing/2014/main" id="{BFE7F988-2968-5B76-0C2F-1F1B5AB8C76E}"/>
+              </a:ext>
+            </a:extLst>
+          </p:cNvPr>
+          <p:cNvSpPr/>
+          <p:nvPr/>
+        </p:nvSpPr>
+        <p:spPr>
+          <a:xfrm>
+            <a:off x="10872788" y="4654832"/>
+            <a:ext cx="484632" cy="978408"/>
+          </a:xfrm>
+          <a:prstGeom prst="downArrow">
+            <a:avLst/>
+          </a:prstGeom>
+          <a:solidFill>
+            <a:srgbClr val="C00000"/>
+          </a:solidFill>
+        </p:spPr>
+        <p:style>
+          <a:lnRef idx="2">
+            <a:schemeClr val="accent1">
+              <a:shade val="50000"/>
+            </a:schemeClr>
+          </a:lnRef>
+          <a:fillRef idx="1">
+            <a:schemeClr val="accent1"/>
+          </a:fillRef>
+          <a:effectRef idx="0">
+            <a:schemeClr val="accent1"/>
+          </a:effectRef>
+          <a:fontRef idx="minor">
+            <a:schemeClr val="lt1"/>
+          </a:fontRef>
+        </p:style>
+        <p:txBody>
+          <a:bodyPr rtlCol="0" anchor="ctr"/>
+          <a:lstStyle/>
+          <a:p>
+            <a:pPr algn="ctr"/>
+            <a:endParaRPr lang="en-US"/>
+          </a:p>
+        </p:txBody>
+      </p:sp>
     </p:spTree>
     <p:extLst>
       <p:ext uri="{BB962C8B-B14F-4D97-AF65-F5344CB8AC3E}">
@@ -16752,34 +20786,6 @@
           </a:p>
         </p:txBody>
       </p:sp>
-      <p:pic>
-        <p:nvPicPr>
-          <p:cNvPr id="5" name="Picture 4">
-            <a:extLst>
-              <a:ext uri="{FF2B5EF4-FFF2-40B4-BE49-F238E27FC236}">
-                <a16:creationId xmlns:a16="http://schemas.microsoft.com/office/drawing/2014/main" id="{C58D1036-A4B4-6758-4E3C-0C2861417FA4}"/>
-              </a:ext>
-            </a:extLst>
-          </p:cNvPr>
-          <p:cNvPicPr>
-            <a:picLocks noChangeAspect="1"/>
-          </p:cNvPicPr>
-          <p:nvPr/>
-        </p:nvPicPr>
-        <p:blipFill rotWithShape="1">
-          <a:blip r:embed="rId2"/>
-          <a:stretch/>
-        </p:blipFill>
-        <p:spPr>
-          <a:xfrm>
-            <a:off x="7533136" y="3406158"/>
-            <a:ext cx="4012870" cy="2257239"/>
-          </a:xfrm>
-          <a:prstGeom prst="rect">
-            <a:avLst/>
-          </a:prstGeom>
-        </p:spPr>
-      </p:pic>
       <p:graphicFrame>
         <p:nvGraphicFramePr>
           <p:cNvPr id="7" name="Diagram 6">
@@ -16798,7 +20804,7 @@
         </p:xfrm>
         <a:graphic>
           <a:graphicData uri="http://schemas.openxmlformats.org/drawingml/2006/diagram">
-            <dgm:relIds xmlns:dgm="http://schemas.openxmlformats.org/drawingml/2006/diagram" xmlns:r="http://schemas.openxmlformats.org/officeDocument/2006/relationships" r:dm="rId3" r:lo="rId4" r:qs="rId5" r:cs="rId6"/>
+            <dgm:relIds xmlns:dgm="http://schemas.openxmlformats.org/drawingml/2006/diagram" xmlns:r="http://schemas.openxmlformats.org/officeDocument/2006/relationships" r:dm="rId2" r:lo="rId3" r:qs="rId4" r:cs="rId5"/>
           </a:graphicData>
         </a:graphic>
       </p:graphicFrame>
@@ -16832,43 +20838,12 @@
           <a:chExt cx="0" cy="0"/>
         </a:xfrm>
       </p:grpSpPr>
-      <p:pic>
-        <p:nvPicPr>
-          <p:cNvPr id="5" name="Picture 4">
-            <a:extLst>
-              <a:ext uri="{FF2B5EF4-FFF2-40B4-BE49-F238E27FC236}">
-                <a16:creationId xmlns:a16="http://schemas.microsoft.com/office/drawing/2014/main" id="{C58D1036-A4B4-6758-4E3C-0C2861417FA4}"/>
-              </a:ext>
-            </a:extLst>
-          </p:cNvPr>
-          <p:cNvPicPr>
-            <a:picLocks noChangeAspect="1"/>
-          </p:cNvPicPr>
-          <p:nvPr/>
-        </p:nvPicPr>
-        <p:blipFill rotWithShape="1">
-          <a:blip r:embed="rId2">
-            <a:alphaModFix amt="60000"/>
-          </a:blip>
-          <a:srcRect/>
-          <a:stretch/>
-        </p:blipFill>
-        <p:spPr>
-          <a:xfrm>
-            <a:off x="20" y="10"/>
-            <a:ext cx="12191980" cy="6857990"/>
-          </a:xfrm>
-          <a:prstGeom prst="rect">
-            <a:avLst/>
-          </a:prstGeom>
-        </p:spPr>
-      </p:pic>
       <p:sp>
         <p:nvSpPr>
           <p:cNvPr id="2" name="Title 1">
             <a:extLst>
               <a:ext uri="{FF2B5EF4-FFF2-40B4-BE49-F238E27FC236}">
-                <a16:creationId xmlns:a16="http://schemas.microsoft.com/office/drawing/2014/main" id="{1150C2BF-70F9-56D3-AA1C-336787C13C8F}"/>
+                <a16:creationId xmlns:a16="http://schemas.microsoft.com/office/drawing/2014/main" id="{E8042272-E493-D9F1-E868-BADAF2495CCC}"/>
               </a:ext>
             </a:extLst>
           </p:cNvPr>
@@ -16879,25 +20854,14 @@
             <p:ph type="title"/>
           </p:nvPr>
         </p:nvSpPr>
-        <p:spPr>
-          <a:xfrm>
-            <a:off x="960120" y="640080"/>
-            <a:ext cx="10268712" cy="1545908"/>
-          </a:xfrm>
-        </p:spPr>
+        <p:spPr/>
         <p:txBody>
-          <a:bodyPr vert="horz" lIns="91440" tIns="45720" rIns="91440" bIns="45720" rtlCol="0" anchor="b">
-            <a:normAutofit/>
-          </a:bodyPr>
+          <a:bodyPr/>
           <a:lstStyle/>
           <a:p>
             <a:pPr algn="ctr"/>
             <a:r>
-              <a:rPr lang="en-US" sz="7500" dirty="0">
-                <a:solidFill>
-                  <a:srgbClr val="00B0F0"/>
-                </a:solidFill>
-              </a:rPr>
+              <a:rPr lang="en-US" dirty="0"/>
               <a:t>Next Steps</a:t>
             </a:r>
           </a:p>
@@ -16905,36 +20869,39 @@
       </p:sp>
       <p:graphicFrame>
         <p:nvGraphicFramePr>
-          <p:cNvPr id="3" name="Diagram 2">
+          <p:cNvPr id="4" name="Content Placeholder 3">
             <a:extLst>
               <a:ext uri="{FF2B5EF4-FFF2-40B4-BE49-F238E27FC236}">
-                <a16:creationId xmlns:a16="http://schemas.microsoft.com/office/drawing/2014/main" id="{24148B0E-0850-AA2B-1367-8417CD5AC296}"/>
+                <a16:creationId xmlns:a16="http://schemas.microsoft.com/office/drawing/2014/main" id="{D9D69282-2A2A-912C-4E00-7CA1C84D18B9}"/>
               </a:ext>
             </a:extLst>
           </p:cNvPr>
-          <p:cNvGraphicFramePr/>
+          <p:cNvGraphicFramePr>
+            <a:graphicFrameLocks noGrp="1"/>
+          </p:cNvGraphicFramePr>
           <p:nvPr>
+            <p:ph idx="1"/>
             <p:extLst>
               <p:ext uri="{D42A27DB-BD31-4B8C-83A1-F6EECF244321}">
-                <p14:modId xmlns:p14="http://schemas.microsoft.com/office/powerpoint/2010/main" val="1591828890"/>
+                <p14:modId xmlns:p14="http://schemas.microsoft.com/office/powerpoint/2010/main" val="2740512443"/>
               </p:ext>
             </p:extLst>
           </p:nvPr>
         </p:nvGraphicFramePr>
         <p:xfrm>
-          <a:off x="385763" y="2505669"/>
-          <a:ext cx="11401425" cy="4038005"/>
+          <a:off x="960438" y="2587625"/>
+          <a:ext cx="10267950" cy="3594100"/>
         </p:xfrm>
         <a:graphic>
           <a:graphicData uri="http://schemas.openxmlformats.org/drawingml/2006/diagram">
-            <dgm:relIds xmlns:dgm="http://schemas.openxmlformats.org/drawingml/2006/diagram" xmlns:r="http://schemas.openxmlformats.org/officeDocument/2006/relationships" r:dm="rId3" r:lo="rId4" r:qs="rId5" r:cs="rId6"/>
+            <dgm:relIds xmlns:dgm="http://schemas.openxmlformats.org/drawingml/2006/diagram" xmlns:r="http://schemas.openxmlformats.org/officeDocument/2006/relationships" r:dm="rId2" r:lo="rId3" r:qs="rId4" r:cs="rId5"/>
           </a:graphicData>
         </a:graphic>
       </p:graphicFrame>
     </p:spTree>
     <p:extLst>
       <p:ext uri="{BB962C8B-B14F-4D97-AF65-F5344CB8AC3E}">
-        <p14:creationId xmlns:p14="http://schemas.microsoft.com/office/powerpoint/2010/main" val="453853410"/>
+        <p14:creationId xmlns:p14="http://schemas.microsoft.com/office/powerpoint/2010/main" val="138022647"/>
       </p:ext>
     </p:extLst>
   </p:cSld>
@@ -16969,9 +20936,235 @@
           <a:chExt cx="0" cy="0"/>
         </a:xfrm>
       </p:grpSpPr>
+      <p:sp useBgFill="1">
+        <p:nvSpPr>
+          <p:cNvPr id="10" name="Rectangle 9">
+            <a:extLst>
+              <a:ext uri="{FF2B5EF4-FFF2-40B4-BE49-F238E27FC236}">
+                <a16:creationId xmlns:a16="http://schemas.microsoft.com/office/drawing/2014/main" id="{EB6D1D7F-141C-4D8E-BFBA-D95B68E16385}"/>
+              </a:ext>
+              <a:ext uri="{C183D7F6-B498-43B3-948B-1728B52AA6E4}">
+                <adec:decorative xmlns:adec="http://schemas.microsoft.com/office/drawing/2017/decorative" val="1"/>
+              </a:ext>
+            </a:extLst>
+          </p:cNvPr>
+          <p:cNvSpPr>
+            <a:spLocks noGrp="1" noRot="1" noChangeAspect="1" noMove="1" noResize="1" noEditPoints="1" noAdjustHandles="1" noChangeArrowheads="1" noChangeShapeType="1" noTextEdit="1"/>
+          </p:cNvSpPr>
+          <p:nvPr>
+            <p:extLst>
+              <p:ext uri="{386F3935-93C4-4BCD-93E2-E3B085C9AB24}">
+                <p16:designElem xmlns:p16="http://schemas.microsoft.com/office/powerpoint/2015/main" val="1"/>
+              </p:ext>
+            </p:extLst>
+          </p:nvPr>
+        </p:nvSpPr>
+        <p:spPr>
+          <a:xfrm>
+            <a:off x="1524" y="0"/>
+            <a:ext cx="12188952" cy="6858000"/>
+          </a:xfrm>
+          <a:prstGeom prst="rect">
+            <a:avLst/>
+          </a:prstGeom>
+          <a:ln>
+            <a:noFill/>
+          </a:ln>
+        </p:spPr>
+        <p:style>
+          <a:lnRef idx="2">
+            <a:schemeClr val="accent1">
+              <a:shade val="50000"/>
+            </a:schemeClr>
+          </a:lnRef>
+          <a:fillRef idx="1">
+            <a:schemeClr val="accent1"/>
+          </a:fillRef>
+          <a:effectRef idx="0">
+            <a:schemeClr val="accent1"/>
+          </a:effectRef>
+          <a:fontRef idx="minor">
+            <a:schemeClr val="lt1"/>
+          </a:fontRef>
+        </p:style>
+        <p:txBody>
+          <a:bodyPr rtlCol="0" anchor="ctr"/>
+          <a:lstStyle/>
+          <a:p>
+            <a:pPr algn="ctr"/>
+            <a:endParaRPr lang="en-US"/>
+          </a:p>
+        </p:txBody>
+      </p:sp>
+      <p:sp useBgFill="1">
+        <p:nvSpPr>
+          <p:cNvPr id="12" name="Rectangle 11">
+            <a:extLst>
+              <a:ext uri="{FF2B5EF4-FFF2-40B4-BE49-F238E27FC236}">
+                <a16:creationId xmlns:a16="http://schemas.microsoft.com/office/drawing/2014/main" id="{558DA214-7FDA-4C9D-A7CF-9AD725E290E1}"/>
+              </a:ext>
+              <a:ext uri="{C183D7F6-B498-43B3-948B-1728B52AA6E4}">
+                <adec:decorative xmlns:adec="http://schemas.microsoft.com/office/drawing/2017/decorative" val="1"/>
+              </a:ext>
+            </a:extLst>
+          </p:cNvPr>
+          <p:cNvSpPr>
+            <a:spLocks noGrp="1" noRot="1" noChangeAspect="1" noMove="1" noResize="1" noEditPoints="1" noAdjustHandles="1" noChangeArrowheads="1" noChangeShapeType="1" noTextEdit="1"/>
+          </p:cNvSpPr>
+          <p:nvPr>
+            <p:extLst>
+              <p:ext uri="{386F3935-93C4-4BCD-93E2-E3B085C9AB24}">
+                <p16:designElem xmlns:p16="http://schemas.microsoft.com/office/powerpoint/2015/main" val="1"/>
+              </p:ext>
+            </p:extLst>
+          </p:nvPr>
+        </p:nvSpPr>
+        <p:spPr>
+          <a:xfrm>
+            <a:off x="0" y="0"/>
+            <a:ext cx="6094474" cy="6858000"/>
+          </a:xfrm>
+          <a:prstGeom prst="rect">
+            <a:avLst/>
+          </a:prstGeom>
+          <a:ln>
+            <a:noFill/>
+          </a:ln>
+        </p:spPr>
+        <p:style>
+          <a:lnRef idx="2">
+            <a:schemeClr val="accent1">
+              <a:shade val="50000"/>
+            </a:schemeClr>
+          </a:lnRef>
+          <a:fillRef idx="1">
+            <a:schemeClr val="accent1"/>
+          </a:fillRef>
+          <a:effectRef idx="0">
+            <a:schemeClr val="accent1"/>
+          </a:effectRef>
+          <a:fontRef idx="minor">
+            <a:schemeClr val="lt1"/>
+          </a:fontRef>
+        </p:style>
+        <p:txBody>
+          <a:bodyPr rtlCol="0" anchor="ctr"/>
+          <a:lstStyle/>
+          <a:p>
+            <a:pPr algn="ctr"/>
+            <a:endParaRPr lang="en-US"/>
+          </a:p>
+        </p:txBody>
+      </p:sp>
       <p:sp>
         <p:nvSpPr>
-          <p:cNvPr id="17" name="Rectangle 16">
+          <p:cNvPr id="2" name="Title 1">
+            <a:extLst>
+              <a:ext uri="{FF2B5EF4-FFF2-40B4-BE49-F238E27FC236}">
+                <a16:creationId xmlns:a16="http://schemas.microsoft.com/office/drawing/2014/main" id="{1150C2BF-70F9-56D3-AA1C-336787C13C8F}"/>
+              </a:ext>
+            </a:extLst>
+          </p:cNvPr>
+          <p:cNvSpPr>
+            <a:spLocks noGrp="1"/>
+          </p:cNvSpPr>
+          <p:nvPr>
+            <p:ph type="title"/>
+          </p:nvPr>
+        </p:nvSpPr>
+        <p:spPr>
+          <a:xfrm>
+            <a:off x="2275682" y="317499"/>
+            <a:ext cx="7640637" cy="2095501"/>
+          </a:xfrm>
+        </p:spPr>
+        <p:txBody>
+          <a:bodyPr vert="horz" lIns="91440" tIns="45720" rIns="91440" bIns="45720" rtlCol="0">
+            <a:normAutofit/>
+          </a:bodyPr>
+          <a:lstStyle/>
+          <a:p>
+            <a:pPr algn="ctr"/>
+            <a:r>
+              <a:rPr lang="en-US" dirty="0">
+                <a:solidFill>
+                  <a:schemeClr val="tx1"/>
+                </a:solidFill>
+              </a:rPr>
+              <a:t>Recommendations</a:t>
+            </a:r>
+          </a:p>
+        </p:txBody>
+      </p:sp>
+      <p:graphicFrame>
+        <p:nvGraphicFramePr>
+          <p:cNvPr id="3" name="Diagram 2">
+            <a:extLst>
+              <a:ext uri="{FF2B5EF4-FFF2-40B4-BE49-F238E27FC236}">
+                <a16:creationId xmlns:a16="http://schemas.microsoft.com/office/drawing/2014/main" id="{24148B0E-0850-AA2B-1367-8417CD5AC296}"/>
+              </a:ext>
+            </a:extLst>
+          </p:cNvPr>
+          <p:cNvGraphicFramePr/>
+          <p:nvPr>
+            <p:extLst>
+              <p:ext uri="{D42A27DB-BD31-4B8C-83A1-F6EECF244321}">
+                <p14:modId xmlns:p14="http://schemas.microsoft.com/office/powerpoint/2010/main" val="2565101304"/>
+              </p:ext>
+            </p:extLst>
+          </p:nvPr>
+        </p:nvGraphicFramePr>
+        <p:xfrm>
+          <a:off x="960438" y="2587625"/>
+          <a:ext cx="10926762" cy="3594100"/>
+        </p:xfrm>
+        <a:graphic>
+          <a:graphicData uri="http://schemas.openxmlformats.org/drawingml/2006/diagram">
+            <dgm:relIds xmlns:dgm="http://schemas.openxmlformats.org/drawingml/2006/diagram" xmlns:r="http://schemas.openxmlformats.org/officeDocument/2006/relationships" r:dm="rId2" r:lo="rId3" r:qs="rId4" r:cs="rId5"/>
+          </a:graphicData>
+        </a:graphic>
+      </p:graphicFrame>
+    </p:spTree>
+    <p:extLst>
+      <p:ext uri="{BB962C8B-B14F-4D97-AF65-F5344CB8AC3E}">
+        <p14:creationId xmlns:p14="http://schemas.microsoft.com/office/powerpoint/2010/main" val="1657779734"/>
+      </p:ext>
+    </p:extLst>
+  </p:cSld>
+  <p:clrMapOvr>
+    <a:overrideClrMapping bg1="dk1" tx1="lt1" bg2="dk2" tx2="lt2" accent1="accent1" accent2="accent2" accent3="accent3" accent4="accent4" accent5="accent5" accent6="accent6" hlink="hlink" folHlink="folHlink"/>
+  </p:clrMapOvr>
+</p:sld>
+</file>
+
+<file path=ppt/slides/slide9.xml><?xml version="1.0" encoding="utf-8"?>
+<p:sld xmlns:a="http://schemas.openxmlformats.org/drawingml/2006/main" xmlns:r="http://schemas.openxmlformats.org/officeDocument/2006/relationships" xmlns:p="http://schemas.openxmlformats.org/presentationml/2006/main">
+  <p:cSld>
+    <p:bg>
+      <p:bgPr>
+        <a:solidFill>
+          <a:schemeClr val="bg1"/>
+        </a:solidFill>
+        <a:effectLst/>
+      </p:bgPr>
+    </p:bg>
+    <p:spTree>
+      <p:nvGrpSpPr>
+        <p:cNvPr id="1" name=""/>
+        <p:cNvGrpSpPr/>
+        <p:nvPr/>
+      </p:nvGrpSpPr>
+      <p:grpSpPr>
+        <a:xfrm>
+          <a:off x="0" y="0"/>
+          <a:ext cx="0" cy="0"/>
+          <a:chOff x="0" y="0"/>
+          <a:chExt cx="0" cy="0"/>
+        </a:xfrm>
+      </p:grpSpPr>
+      <p:sp>
+        <p:nvSpPr>
+          <p:cNvPr id="26" name="Rectangle 25">
             <a:extLst>
               <a:ext uri="{FF2B5EF4-FFF2-40B4-BE49-F238E27FC236}">
                 <a16:creationId xmlns:a16="http://schemas.microsoft.com/office/drawing/2014/main" id="{09A1C012-8297-4361-ACE8-A2509FB18911}"/>
@@ -17034,7 +21227,7 @@
       </p:sp>
       <p:sp useBgFill="1">
         <p:nvSpPr>
-          <p:cNvPr id="19" name="Rectangle 18">
+          <p:cNvPr id="28" name="Rectangle 27">
             <a:extLst>
               <a:ext uri="{FF2B5EF4-FFF2-40B4-BE49-F238E27FC236}">
                 <a16:creationId xmlns:a16="http://schemas.microsoft.com/office/drawing/2014/main" id="{4AA13AD3-0A4F-475A-BEBB-DEEFF5C096C3}"/>
@@ -17094,10 +21287,10 @@
       </p:sp>
       <p:pic>
         <p:nvPicPr>
-          <p:cNvPr id="5" name="Picture 4">
+          <p:cNvPr id="4" name="Picture 3" descr="A large ship in the water&#10;&#10;Description automatically generated with medium confidence">
             <a:extLst>
               <a:ext uri="{FF2B5EF4-FFF2-40B4-BE49-F238E27FC236}">
-                <a16:creationId xmlns:a16="http://schemas.microsoft.com/office/drawing/2014/main" id="{C58D1036-A4B4-6758-4E3C-0C2861417FA4}"/>
+                <a16:creationId xmlns:a16="http://schemas.microsoft.com/office/drawing/2014/main" id="{E3FD06E1-4800-0727-BF0D-49887A5B29A5}"/>
               </a:ext>
             </a:extLst>
           </p:cNvPr>
@@ -17107,8 +21300,14 @@
           <p:nvPr/>
         </p:nvPicPr>
         <p:blipFill rotWithShape="1">
-          <a:blip r:embed="rId2"/>
-          <a:srcRect l="25"/>
+          <a:blip r:embed="rId2">
+            <a:extLst>
+              <a:ext uri="{837473B0-CC2E-450A-ABE3-18F120FF3D39}">
+                <a1611:picAttrSrcUrl xmlns:a1611="http://schemas.microsoft.com/office/drawing/2016/11/main" r:id="rId3"/>
+              </a:ext>
+            </a:extLst>
+          </a:blip>
+          <a:srcRect t="10248" r="-1" b="5460"/>
           <a:stretch/>
         </p:blipFill>
         <p:spPr>
@@ -17123,7 +21322,7 @@
       </p:pic>
       <p:sp>
         <p:nvSpPr>
-          <p:cNvPr id="21" name="Rectangle 20">
+          <p:cNvPr id="30" name="Rectangle 29">
             <a:extLst>
               <a:ext uri="{FF2B5EF4-FFF2-40B4-BE49-F238E27FC236}">
                 <a16:creationId xmlns:a16="http://schemas.microsoft.com/office/drawing/2014/main" id="{365A786E-9028-443F-8713-B9552D9A2355}"/>
@@ -17241,113 +21440,12 @@
           </a:p>
         </p:txBody>
       </p:sp>
-    </p:spTree>
-    <p:extLst>
-      <p:ext uri="{BB962C8B-B14F-4D97-AF65-F5344CB8AC3E}">
-        <p14:creationId xmlns:p14="http://schemas.microsoft.com/office/powerpoint/2010/main" val="3533044228"/>
-      </p:ext>
-    </p:extLst>
-  </p:cSld>
-  <p:clrMapOvr>
-    <a:masterClrMapping/>
-  </p:clrMapOvr>
-</p:sld>
-</file>
-
-<file path=ppt/slides/slide9.xml><?xml version="1.0" encoding="utf-8"?>
-<p:sld xmlns:a="http://schemas.openxmlformats.org/drawingml/2006/main" xmlns:r="http://schemas.openxmlformats.org/officeDocument/2006/relationships" xmlns:p="http://schemas.openxmlformats.org/presentationml/2006/main">
-  <p:cSld>
-    <p:spTree>
-      <p:nvGrpSpPr>
-        <p:cNvPr id="1" name=""/>
-        <p:cNvGrpSpPr/>
-        <p:nvPr/>
-      </p:nvGrpSpPr>
-      <p:grpSpPr>
-        <a:xfrm>
-          <a:off x="0" y="0"/>
-          <a:ext cx="0" cy="0"/>
-          <a:chOff x="0" y="0"/>
-          <a:chExt cx="0" cy="0"/>
-        </a:xfrm>
-      </p:grpSpPr>
-      <p:pic>
-        <p:nvPicPr>
-          <p:cNvPr id="5" name="Picture 4">
+      <p:sp>
+        <p:nvSpPr>
+          <p:cNvPr id="6" name="TextBox 5">
             <a:extLst>
               <a:ext uri="{FF2B5EF4-FFF2-40B4-BE49-F238E27FC236}">
-                <a16:creationId xmlns:a16="http://schemas.microsoft.com/office/drawing/2014/main" id="{C58D1036-A4B4-6758-4E3C-0C2861417FA4}"/>
-              </a:ext>
-            </a:extLst>
-          </p:cNvPr>
-          <p:cNvPicPr>
-            <a:picLocks noChangeAspect="1"/>
-          </p:cNvPicPr>
-          <p:nvPr/>
-        </p:nvPicPr>
-        <p:blipFill rotWithShape="1">
-          <a:blip r:embed="rId2">
-            <a:alphaModFix amt="60000"/>
-          </a:blip>
-          <a:srcRect/>
-          <a:stretch/>
-        </p:blipFill>
-        <p:spPr>
-          <a:xfrm>
-            <a:off x="20" y="10"/>
-            <a:ext cx="12191980" cy="6857990"/>
-          </a:xfrm>
-          <a:prstGeom prst="rect">
-            <a:avLst/>
-          </a:prstGeom>
-        </p:spPr>
-      </p:pic>
-      <p:sp>
-        <p:nvSpPr>
-          <p:cNvPr id="2" name="Title 1">
-            <a:extLst>
-              <a:ext uri="{FF2B5EF4-FFF2-40B4-BE49-F238E27FC236}">
-                <a16:creationId xmlns:a16="http://schemas.microsoft.com/office/drawing/2014/main" id="{1150C2BF-70F9-56D3-AA1C-336787C13C8F}"/>
-              </a:ext>
-            </a:extLst>
-          </p:cNvPr>
-          <p:cNvSpPr>
-            <a:spLocks noGrp="1"/>
-          </p:cNvSpPr>
-          <p:nvPr>
-            <p:ph type="title"/>
-          </p:nvPr>
-        </p:nvSpPr>
-        <p:spPr>
-          <a:xfrm>
-            <a:off x="960120" y="640080"/>
-            <a:ext cx="10268712" cy="1503045"/>
-          </a:xfrm>
-        </p:spPr>
-        <p:txBody>
-          <a:bodyPr vert="horz" lIns="91440" tIns="45720" rIns="91440" bIns="45720" rtlCol="0" anchor="b">
-            <a:normAutofit/>
-          </a:bodyPr>
-          <a:lstStyle/>
-          <a:p>
-            <a:pPr algn="ctr"/>
-            <a:r>
-              <a:rPr lang="en-US" sz="7500" dirty="0">
-                <a:solidFill>
-                  <a:schemeClr val="tx1"/>
-                </a:solidFill>
-              </a:rPr>
-              <a:t>Thank YOU</a:t>
-            </a:r>
-          </a:p>
-        </p:txBody>
-      </p:sp>
-      <p:sp>
-        <p:nvSpPr>
-          <p:cNvPr id="4" name="TextBox 3">
-            <a:extLst>
-              <a:ext uri="{FF2B5EF4-FFF2-40B4-BE49-F238E27FC236}">
-                <a16:creationId xmlns:a16="http://schemas.microsoft.com/office/drawing/2014/main" id="{D8826973-B9E5-EAB8-6AE1-F4BCD3988997}"/>
+                <a16:creationId xmlns:a16="http://schemas.microsoft.com/office/drawing/2014/main" id="{85D19624-F74D-4005-54D5-D2D49F51F1CC}"/>
               </a:ext>
             </a:extLst>
           </p:cNvPr>
@@ -17356,56 +21454,77 @@
         </p:nvSpPr>
         <p:spPr>
           <a:xfrm>
-            <a:off x="960120" y="2408791"/>
-            <a:ext cx="7512368" cy="3046988"/>
+            <a:off x="9785652" y="6657945"/>
+            <a:ext cx="2404824" cy="200055"/>
           </a:xfrm>
           <a:prstGeom prst="rect">
             <a:avLst/>
           </a:prstGeom>
-          <a:noFill/>
+          <a:solidFill>
+            <a:srgbClr val="000000"/>
+          </a:solidFill>
         </p:spPr>
         <p:txBody>
-          <a:bodyPr wrap="square" rtlCol="0">
+          <a:bodyPr wrap="none" rtlCol="0">
             <a:spAutoFit/>
           </a:bodyPr>
           <a:lstStyle/>
           <a:p>
-            <a:pPr algn="ctr"/>
+            <a:pPr algn="r">
+              <a:spcAft>
+                <a:spcPts val="600"/>
+              </a:spcAft>
+            </a:pPr>
             <a:r>
-              <a:rPr lang="en-US" sz="4800" dirty="0"/>
-              <a:t>Jason Hart</a:t>
+              <a:rPr lang="en-US" sz="700">
+                <a:solidFill>
+                  <a:srgbClr val="FFFFFF"/>
+                </a:solidFill>
+                <a:hlinkClick r:id="rId3" tooltip="https://www.flickr.com/photos/travelswiss1/49938431458/">
+                  <a:extLst>
+                    <a:ext uri="{A12FA001-AC4F-418D-AE19-62706E023703}">
+                      <ahyp:hlinkClr xmlns:ahyp="http://schemas.microsoft.com/office/drawing/2018/hyperlinkcolor" val="tx"/>
+                    </a:ext>
+                  </a:extLst>
+                </a:hlinkClick>
+              </a:rPr>
+              <a:t>This Photo</a:t>
             </a:r>
-          </a:p>
-          <a:p>
-            <a:pPr algn="ctr"/>
             <a:r>
-              <a:rPr lang="en-US" sz="4800" dirty="0"/>
-              <a:t>Contact info:</a:t>
+              <a:rPr lang="en-US" sz="700">
+                <a:solidFill>
+                  <a:srgbClr val="FFFFFF"/>
+                </a:solidFill>
+              </a:rPr>
+              <a:t> by Unknown Author is licensed under </a:t>
             </a:r>
-          </a:p>
-          <a:p>
-            <a:pPr algn="ctr"/>
             <a:r>
-              <a:rPr lang="en-US" sz="4800" dirty="0">
-                <a:hlinkClick r:id="rId3"/>
+              <a:rPr lang="en-US" sz="700">
+                <a:solidFill>
+                  <a:srgbClr val="FFFFFF"/>
+                </a:solidFill>
+                <a:hlinkClick r:id="rId4" tooltip="https://creativecommons.org/licenses/by-nc/3.0/">
+                  <a:extLst>
+                    <a:ext uri="{A12FA001-AC4F-418D-AE19-62706E023703}">
+                      <ahyp:hlinkClr xmlns:ahyp="http://schemas.microsoft.com/office/drawing/2018/hyperlinkcolor" val="tx"/>
+                    </a:ext>
+                  </a:extLst>
+                </a:hlinkClick>
               </a:rPr>
-              <a:t>jasonmhart76@gmail.com</a:t>
+              <a:t>CC BY-NC</a:t>
             </a:r>
-            <a:endParaRPr lang="en-US" sz="4800" dirty="0"/>
-          </a:p>
-          <a:p>
-            <a:pPr algn="ctr"/>
-            <a:r>
-              <a:rPr lang="en-US" sz="4800" dirty="0"/>
-              <a:t>(718)213-9060 (Cell)</a:t>
-            </a:r>
+            <a:endParaRPr lang="en-US" sz="700">
+              <a:solidFill>
+                <a:srgbClr val="FFFFFF"/>
+              </a:solidFill>
+            </a:endParaRPr>
           </a:p>
         </p:txBody>
       </p:sp>
     </p:spTree>
     <p:extLst>
       <p:ext uri="{BB962C8B-B14F-4D97-AF65-F5344CB8AC3E}">
-        <p14:creationId xmlns:p14="http://schemas.microsoft.com/office/powerpoint/2010/main" val="116286973"/>
+        <p14:creationId xmlns:p14="http://schemas.microsoft.com/office/powerpoint/2010/main" val="3533044228"/>
       </p:ext>
     </p:extLst>
   </p:cSld>
